--- a/Documents/Pinup.pptx
+++ b/Documents/Pinup.pptx
@@ -104,6 +104,11 @@
       </a:defRPr>
     </a:lvl9pPr>
   </p:defaultTextStyle>
+  <p:extLst>
+    <p:ext uri="{EFAFB233-063F-42B5-8137-9DF3F51BA10A}">
+      <p15:sldGuideLst xmlns:p15="http://schemas.microsoft.com/office/powerpoint/2012/main"/>
+    </p:ext>
+  </p:extLst>
 </p:presentation>
 </file>
 
@@ -3325,56 +3330,3548 @@
           <a:chExt cx="0" cy="0"/>
         </a:xfrm>
       </p:grpSpPr>
-      <p:sp>
-        <p:nvSpPr>
-          <p:cNvPr id="2" name="Titel 1">
-            <a:extLst>
-              <a:ext uri="{FF2B5EF4-FFF2-40B4-BE49-F238E27FC236}">
-                <a16:creationId xmlns:a16="http://schemas.microsoft.com/office/drawing/2014/main" id="{330318F0-4F5B-4A23-8465-A4A089BF1514}"/>
-              </a:ext>
-            </a:extLst>
-          </p:cNvPr>
-          <p:cNvSpPr>
-            <a:spLocks noGrp="1"/>
-          </p:cNvSpPr>
+      <p:pic>
+        <p:nvPicPr>
+          <p:cNvPr id="5" name="Grafik 4" descr="Bildschirmausschnitt">
+            <a:extLst>
+              <a:ext uri="{FF2B5EF4-FFF2-40B4-BE49-F238E27FC236}">
+                <a16:creationId xmlns:a16="http://schemas.microsoft.com/office/drawing/2014/main" id="{6772BD85-AAC9-4080-84B9-F0C8776249E8}"/>
+              </a:ext>
+            </a:extLst>
+          </p:cNvPr>
+          <p:cNvPicPr>
+            <a:picLocks noChangeAspect="1"/>
+          </p:cNvPicPr>
+          <p:nvPr/>
+        </p:nvPicPr>
+        <p:blipFill rotWithShape="1">
+          <a:blip r:embed="rId2">
+            <a:extLst>
+              <a:ext uri="{28A0092B-C50C-407E-A947-70E740481C1C}">
+                <a14:useLocalDpi xmlns:a14="http://schemas.microsoft.com/office/drawing/2010/main" val="0"/>
+              </a:ext>
+            </a:extLst>
+          </a:blip>
+          <a:srcRect r="53055"/>
+          <a:stretch/>
+        </p:blipFill>
+        <p:spPr>
+          <a:xfrm>
+            <a:off x="1501624" y="536959"/>
+            <a:ext cx="2074954" cy="5784081"/>
+          </a:xfrm>
+          <a:prstGeom prst="rect">
+            <a:avLst/>
+          </a:prstGeom>
+        </p:spPr>
+      </p:pic>
+      <p:graphicFrame>
+        <p:nvGraphicFramePr>
+          <p:cNvPr id="6" name="Tabelle 5">
+            <a:extLst>
+              <a:ext uri="{FF2B5EF4-FFF2-40B4-BE49-F238E27FC236}">
+                <a16:creationId xmlns:a16="http://schemas.microsoft.com/office/drawing/2014/main" id="{CC91EF78-36F5-424F-A3B0-43FFC6E4E79B}"/>
+              </a:ext>
+            </a:extLst>
+          </p:cNvPr>
+          <p:cNvGraphicFramePr>
+            <a:graphicFrameLocks noGrp="1"/>
+          </p:cNvGraphicFramePr>
           <p:nvPr>
-            <p:ph type="ctrTitle"/>
+            <p:extLst>
+              <p:ext uri="{D42A27DB-BD31-4B8C-83A1-F6EECF244321}">
+                <p14:modId xmlns:p14="http://schemas.microsoft.com/office/powerpoint/2010/main" val="1116558566"/>
+              </p:ext>
+            </p:extLst>
           </p:nvPr>
-        </p:nvSpPr>
-        <p:spPr/>
-        <p:txBody>
-          <a:bodyPr/>
-          <a:lstStyle/>
-          <a:p>
-            <a:endParaRPr lang="de-DE"/>
-          </a:p>
-        </p:txBody>
-      </p:sp>
-      <p:sp>
-        <p:nvSpPr>
-          <p:cNvPr id="3" name="Untertitel 2">
-            <a:extLst>
-              <a:ext uri="{FF2B5EF4-FFF2-40B4-BE49-F238E27FC236}">
-                <a16:creationId xmlns:a16="http://schemas.microsoft.com/office/drawing/2014/main" id="{B969EF41-D922-40CC-9DFD-A517CB33C30C}"/>
-              </a:ext>
-            </a:extLst>
-          </p:cNvPr>
-          <p:cNvSpPr>
-            <a:spLocks noGrp="1"/>
-          </p:cNvSpPr>
+        </p:nvGraphicFramePr>
+        <p:xfrm>
+          <a:off x="1613383" y="2505794"/>
+          <a:ext cx="208280" cy="747949"/>
+        </p:xfrm>
+        <a:graphic>
+          <a:graphicData uri="http://schemas.openxmlformats.org/drawingml/2006/table">
+            <a:tbl>
+              <a:tblPr bandRow="1">
+                <a:tableStyleId>{5C22544A-7EE6-4342-B048-85BDC9FD1C3A}</a:tableStyleId>
+              </a:tblPr>
+              <a:tblGrid>
+                <a:gridCol w="208280">
+                  <a:extLst>
+                    <a:ext uri="{9D8B030D-6E8A-4147-A177-3AD203B41FA5}">
+                      <a16:colId xmlns:a16="http://schemas.microsoft.com/office/drawing/2014/main" val="2247143488"/>
+                    </a:ext>
+                  </a:extLst>
+                </a:gridCol>
+              </a:tblGrid>
+              <a:tr h="80426">
+                <a:tc>
+                  <a:txBody>
+                    <a:bodyPr/>
+                    <a:lstStyle/>
+                    <a:p>
+                      <a:pPr algn="ctr"/>
+                      <a:r>
+                        <a:rPr lang="de-DE" sz="500" dirty="0"/>
+                        <a:t>NC</a:t>
+                      </a:r>
+                    </a:p>
+                  </a:txBody>
+                  <a:tcPr marL="0" marR="0" marT="0" marB="0"/>
+                </a:tc>
+                <a:extLst>
+                  <a:ext uri="{0D108BD9-81ED-4DB2-BD59-A6C34878D82A}">
+                    <a16:rowId xmlns:a16="http://schemas.microsoft.com/office/drawing/2014/main" val="757161003"/>
+                  </a:ext>
+                </a:extLst>
+              </a:tr>
+              <a:tr h="83871">
+                <a:tc>
+                  <a:txBody>
+                    <a:bodyPr/>
+                    <a:lstStyle/>
+                    <a:p>
+                      <a:pPr algn="ctr"/>
+                      <a:r>
+                        <a:rPr lang="de-DE" sz="500" dirty="0"/>
+                        <a:t>NC</a:t>
+                      </a:r>
+                    </a:p>
+                  </a:txBody>
+                  <a:tcPr marL="0" marR="0" marT="0" marB="0"/>
+                </a:tc>
+                <a:extLst>
+                  <a:ext uri="{0D108BD9-81ED-4DB2-BD59-A6C34878D82A}">
+                    <a16:rowId xmlns:a16="http://schemas.microsoft.com/office/drawing/2014/main" val="3585788346"/>
+                  </a:ext>
+                </a:extLst>
+              </a:tr>
+              <a:tr h="83871">
+                <a:tc>
+                  <a:txBody>
+                    <a:bodyPr/>
+                    <a:lstStyle/>
+                    <a:p>
+                      <a:pPr algn="ctr"/>
+                      <a:r>
+                        <a:rPr lang="de-DE" sz="500" dirty="0"/>
+                        <a:t>NC</a:t>
+                      </a:r>
+                    </a:p>
+                  </a:txBody>
+                  <a:tcPr marL="0" marR="0" marT="0" marB="0"/>
+                </a:tc>
+                <a:extLst>
+                  <a:ext uri="{0D108BD9-81ED-4DB2-BD59-A6C34878D82A}">
+                    <a16:rowId xmlns:a16="http://schemas.microsoft.com/office/drawing/2014/main" val="4011782113"/>
+                  </a:ext>
+                </a:extLst>
+              </a:tr>
+              <a:tr h="80426">
+                <a:tc>
+                  <a:txBody>
+                    <a:bodyPr/>
+                    <a:lstStyle/>
+                    <a:p>
+                      <a:pPr algn="ctr"/>
+                      <a:r>
+                        <a:rPr lang="de-DE" sz="500" dirty="0"/>
+                        <a:t>NC</a:t>
+                      </a:r>
+                    </a:p>
+                  </a:txBody>
+                  <a:tcPr marL="0" marR="0" marT="0" marB="0"/>
+                </a:tc>
+                <a:extLst>
+                  <a:ext uri="{0D108BD9-81ED-4DB2-BD59-A6C34878D82A}">
+                    <a16:rowId xmlns:a16="http://schemas.microsoft.com/office/drawing/2014/main" val="1776939531"/>
+                  </a:ext>
+                </a:extLst>
+              </a:tr>
+              <a:tr h="83871">
+                <a:tc>
+                  <a:txBody>
+                    <a:bodyPr/>
+                    <a:lstStyle/>
+                    <a:p>
+                      <a:pPr algn="ctr"/>
+                      <a:r>
+                        <a:rPr lang="de-DE" sz="500" dirty="0"/>
+                        <a:t>NC</a:t>
+                      </a:r>
+                    </a:p>
+                  </a:txBody>
+                  <a:tcPr marL="0" marR="0" marT="0" marB="0"/>
+                </a:tc>
+                <a:extLst>
+                  <a:ext uri="{0D108BD9-81ED-4DB2-BD59-A6C34878D82A}">
+                    <a16:rowId xmlns:a16="http://schemas.microsoft.com/office/drawing/2014/main" val="1683176861"/>
+                  </a:ext>
+                </a:extLst>
+              </a:tr>
+              <a:tr h="83871">
+                <a:tc>
+                  <a:txBody>
+                    <a:bodyPr/>
+                    <a:lstStyle/>
+                    <a:p>
+                      <a:pPr algn="ctr"/>
+                      <a:r>
+                        <a:rPr lang="de-DE" sz="500" dirty="0"/>
+                        <a:t>NC</a:t>
+                      </a:r>
+                    </a:p>
+                  </a:txBody>
+                  <a:tcPr marL="0" marR="0" marT="0" marB="0"/>
+                </a:tc>
+                <a:extLst>
+                  <a:ext uri="{0D108BD9-81ED-4DB2-BD59-A6C34878D82A}">
+                    <a16:rowId xmlns:a16="http://schemas.microsoft.com/office/drawing/2014/main" val="2497901086"/>
+                  </a:ext>
+                </a:extLst>
+              </a:tr>
+              <a:tr h="83871">
+                <a:tc>
+                  <a:txBody>
+                    <a:bodyPr/>
+                    <a:lstStyle/>
+                    <a:p>
+                      <a:pPr algn="ctr"/>
+                      <a:r>
+                        <a:rPr lang="de-DE" sz="500" dirty="0"/>
+                        <a:t>NC</a:t>
+                      </a:r>
+                    </a:p>
+                  </a:txBody>
+                  <a:tcPr marL="0" marR="0" marT="0" marB="0"/>
+                </a:tc>
+                <a:extLst>
+                  <a:ext uri="{0D108BD9-81ED-4DB2-BD59-A6C34878D82A}">
+                    <a16:rowId xmlns:a16="http://schemas.microsoft.com/office/drawing/2014/main" val="2749798710"/>
+                  </a:ext>
+                </a:extLst>
+              </a:tr>
+              <a:tr h="83871">
+                <a:tc>
+                  <a:txBody>
+                    <a:bodyPr/>
+                    <a:lstStyle/>
+                    <a:p>
+                      <a:pPr algn="ctr"/>
+                      <a:r>
+                        <a:rPr lang="de-DE" sz="500" dirty="0"/>
+                        <a:t>NC</a:t>
+                      </a:r>
+                    </a:p>
+                  </a:txBody>
+                  <a:tcPr marL="0" marR="0" marT="0" marB="0"/>
+                </a:tc>
+                <a:extLst>
+                  <a:ext uri="{0D108BD9-81ED-4DB2-BD59-A6C34878D82A}">
+                    <a16:rowId xmlns:a16="http://schemas.microsoft.com/office/drawing/2014/main" val="3963920753"/>
+                  </a:ext>
+                </a:extLst>
+              </a:tr>
+              <a:tr h="83871">
+                <a:tc>
+                  <a:txBody>
+                    <a:bodyPr/>
+                    <a:lstStyle/>
+                    <a:p>
+                      <a:pPr algn="ctr"/>
+                      <a:r>
+                        <a:rPr lang="de-DE" sz="500" dirty="0"/>
+                        <a:t>NC</a:t>
+                      </a:r>
+                    </a:p>
+                  </a:txBody>
+                  <a:tcPr marL="0" marR="0" marT="0" marB="0"/>
+                </a:tc>
+                <a:extLst>
+                  <a:ext uri="{0D108BD9-81ED-4DB2-BD59-A6C34878D82A}">
+                    <a16:rowId xmlns:a16="http://schemas.microsoft.com/office/drawing/2014/main" val="2487191324"/>
+                  </a:ext>
+                </a:extLst>
+              </a:tr>
+            </a:tbl>
+          </a:graphicData>
+        </a:graphic>
+      </p:graphicFrame>
+      <p:graphicFrame>
+        <p:nvGraphicFramePr>
+          <p:cNvPr id="7" name="Tabelle 6">
+            <a:extLst>
+              <a:ext uri="{FF2B5EF4-FFF2-40B4-BE49-F238E27FC236}">
+                <a16:creationId xmlns:a16="http://schemas.microsoft.com/office/drawing/2014/main" id="{B1548F38-CDF8-4668-AA36-3C61C67A7FF9}"/>
+              </a:ext>
+            </a:extLst>
+          </p:cNvPr>
+          <p:cNvGraphicFramePr>
+            <a:graphicFrameLocks noGrp="1"/>
+          </p:cNvGraphicFramePr>
           <p:nvPr>
-            <p:ph type="subTitle" idx="1"/>
+            <p:extLst>
+              <p:ext uri="{D42A27DB-BD31-4B8C-83A1-F6EECF244321}">
+                <p14:modId xmlns:p14="http://schemas.microsoft.com/office/powerpoint/2010/main" val="3015533901"/>
+              </p:ext>
+            </p:extLst>
           </p:nvPr>
-        </p:nvSpPr>
-        <p:spPr/>
-        <p:txBody>
-          <a:bodyPr/>
-          <a:lstStyle/>
-          <a:p>
-            <a:endParaRPr lang="de-DE"/>
-          </a:p>
-        </p:txBody>
-      </p:sp>
+        </p:nvGraphicFramePr>
+        <p:xfrm>
+          <a:off x="621030" y="3374474"/>
+          <a:ext cx="1200634" cy="1496162"/>
+        </p:xfrm>
+        <a:graphic>
+          <a:graphicData uri="http://schemas.openxmlformats.org/drawingml/2006/table">
+            <a:tbl>
+              <a:tblPr bandRow="1">
+                <a:tableStyleId>{5C22544A-7EE6-4342-B048-85BDC9FD1C3A}</a:tableStyleId>
+              </a:tblPr>
+              <a:tblGrid>
+                <a:gridCol w="600317">
+                  <a:extLst>
+                    <a:ext uri="{9D8B030D-6E8A-4147-A177-3AD203B41FA5}">
+                      <a16:colId xmlns:a16="http://schemas.microsoft.com/office/drawing/2014/main" val="2643634321"/>
+                    </a:ext>
+                  </a:extLst>
+                </a:gridCol>
+                <a:gridCol w="600317">
+                  <a:extLst>
+                    <a:ext uri="{9D8B030D-6E8A-4147-A177-3AD203B41FA5}">
+                      <a16:colId xmlns:a16="http://schemas.microsoft.com/office/drawing/2014/main" val="2247143488"/>
+                    </a:ext>
+                  </a:extLst>
+                </a:gridCol>
+              </a:tblGrid>
+              <a:tr h="88438">
+                <a:tc>
+                  <a:txBody>
+                    <a:bodyPr/>
+                    <a:lstStyle/>
+                    <a:p>
+                      <a:pPr algn="ctr"/>
+                      <a:r>
+                        <a:rPr lang="de-DE" sz="500" dirty="0"/>
+                        <a:t>ADC1_IN3</a:t>
+                      </a:r>
+                    </a:p>
+                  </a:txBody>
+                  <a:tcPr marL="0" marR="0" marT="0" marB="0"/>
+                </a:tc>
+                <a:tc>
+                  <a:txBody>
+                    <a:bodyPr/>
+                    <a:lstStyle/>
+                    <a:p>
+                      <a:pPr algn="ctr"/>
+                      <a:r>
+                        <a:rPr lang="de-DE" sz="500" dirty="0"/>
+                        <a:t>Waage Eis</a:t>
+                      </a:r>
+                    </a:p>
+                  </a:txBody>
+                  <a:tcPr marL="0" marR="0" marT="0" marB="0"/>
+                </a:tc>
+                <a:extLst>
+                  <a:ext uri="{0D108BD9-81ED-4DB2-BD59-A6C34878D82A}">
+                    <a16:rowId xmlns:a16="http://schemas.microsoft.com/office/drawing/2014/main" val="757161003"/>
+                  </a:ext>
+                </a:extLst>
+              </a:tr>
+              <a:tr h="92226">
+                <a:tc>
+                  <a:txBody>
+                    <a:bodyPr/>
+                    <a:lstStyle/>
+                    <a:p>
+                      <a:pPr algn="ctr"/>
+                      <a:r>
+                        <a:rPr lang="de-DE" sz="500" dirty="0"/>
+                        <a:t>ADC2_IN10</a:t>
+                      </a:r>
+                    </a:p>
+                  </a:txBody>
+                  <a:tcPr marL="0" marR="0" marT="0" marB="0"/>
+                </a:tc>
+                <a:tc>
+                  <a:txBody>
+                    <a:bodyPr/>
+                    <a:lstStyle/>
+                    <a:p>
+                      <a:pPr algn="ctr"/>
+                      <a:r>
+                        <a:rPr lang="de-DE" sz="500" dirty="0"/>
+                        <a:t>Waage Pumpe</a:t>
+                      </a:r>
+                    </a:p>
+                  </a:txBody>
+                  <a:tcPr marL="0" marR="0" marT="0" marB="0"/>
+                </a:tc>
+                <a:extLst>
+                  <a:ext uri="{0D108BD9-81ED-4DB2-BD59-A6C34878D82A}">
+                    <a16:rowId xmlns:a16="http://schemas.microsoft.com/office/drawing/2014/main" val="3585788346"/>
+                  </a:ext>
+                </a:extLst>
+              </a:tr>
+              <a:tr h="92226">
+                <a:tc>
+                  <a:txBody>
+                    <a:bodyPr/>
+                    <a:lstStyle/>
+                    <a:p>
+                      <a:pPr algn="ctr"/>
+                      <a:r>
+                        <a:rPr lang="de-DE" sz="500" dirty="0"/>
+                        <a:t>ADC3_IN13</a:t>
+                      </a:r>
+                    </a:p>
+                  </a:txBody>
+                  <a:tcPr marL="0" marR="0" marT="0" marB="0"/>
+                </a:tc>
+                <a:tc>
+                  <a:txBody>
+                    <a:bodyPr/>
+                    <a:lstStyle/>
+                    <a:p>
+                      <a:pPr algn="ctr"/>
+                      <a:r>
+                        <a:rPr lang="de-DE" sz="500" dirty="0"/>
+                        <a:t>Pumpe Position Ventil</a:t>
+                      </a:r>
+                    </a:p>
+                  </a:txBody>
+                  <a:tcPr marL="0" marR="0" marT="0" marB="0"/>
+                </a:tc>
+                <a:extLst>
+                  <a:ext uri="{0D108BD9-81ED-4DB2-BD59-A6C34878D82A}">
+                    <a16:rowId xmlns:a16="http://schemas.microsoft.com/office/drawing/2014/main" val="4011782113"/>
+                  </a:ext>
+                </a:extLst>
+              </a:tr>
+              <a:tr h="88438">
+                <a:tc>
+                  <a:txBody>
+                    <a:bodyPr/>
+                    <a:lstStyle/>
+                    <a:p>
+                      <a:pPr algn="ctr"/>
+                      <a:r>
+                        <a:rPr lang="de-DE" sz="500" dirty="0"/>
+                        <a:t>ADC3_IN9</a:t>
+                      </a:r>
+                    </a:p>
+                  </a:txBody>
+                  <a:tcPr marL="0" marR="0" marT="0" marB="0"/>
+                </a:tc>
+                <a:tc>
+                  <a:txBody>
+                    <a:bodyPr/>
+                    <a:lstStyle/>
+                    <a:p>
+                      <a:pPr algn="ctr"/>
+                      <a:r>
+                        <a:rPr lang="de-DE" sz="500" dirty="0"/>
+                        <a:t>Waage Einschenken</a:t>
+                      </a:r>
+                    </a:p>
+                  </a:txBody>
+                  <a:tcPr marL="0" marR="0" marT="0" marB="0"/>
+                </a:tc>
+                <a:extLst>
+                  <a:ext uri="{0D108BD9-81ED-4DB2-BD59-A6C34878D82A}">
+                    <a16:rowId xmlns:a16="http://schemas.microsoft.com/office/drawing/2014/main" val="1776939531"/>
+                  </a:ext>
+                </a:extLst>
+              </a:tr>
+              <a:tr h="92226">
+                <a:tc>
+                  <a:txBody>
+                    <a:bodyPr/>
+                    <a:lstStyle/>
+                    <a:p>
+                      <a:pPr algn="ctr"/>
+                      <a:r>
+                        <a:rPr lang="de-DE" sz="500" dirty="0"/>
+                        <a:t>ADC3_IN15</a:t>
+                      </a:r>
+                    </a:p>
+                  </a:txBody>
+                  <a:tcPr marL="0" marR="0" marT="0" marB="0"/>
+                </a:tc>
+                <a:tc>
+                  <a:txBody>
+                    <a:bodyPr/>
+                    <a:lstStyle/>
+                    <a:p>
+                      <a:pPr algn="ctr"/>
+                      <a:r>
+                        <a:rPr lang="de-DE" sz="500" dirty="0"/>
+                        <a:t>Waage Rondell</a:t>
+                      </a:r>
+                    </a:p>
+                  </a:txBody>
+                  <a:tcPr marL="0" marR="0" marT="0" marB="0"/>
+                </a:tc>
+                <a:extLst>
+                  <a:ext uri="{0D108BD9-81ED-4DB2-BD59-A6C34878D82A}">
+                    <a16:rowId xmlns:a16="http://schemas.microsoft.com/office/drawing/2014/main" val="1683176861"/>
+                  </a:ext>
+                </a:extLst>
+              </a:tr>
+              <a:tr h="92226">
+                <a:tc>
+                  <a:txBody>
+                    <a:bodyPr/>
+                    <a:lstStyle/>
+                    <a:p>
+                      <a:pPr algn="ctr"/>
+                      <a:endParaRPr lang="de-DE" sz="500" dirty="0"/>
+                    </a:p>
+                  </a:txBody>
+                  <a:tcPr marL="0" marR="0" marT="0" marB="0"/>
+                </a:tc>
+                <a:tc>
+                  <a:txBody>
+                    <a:bodyPr/>
+                    <a:lstStyle/>
+                    <a:p>
+                      <a:pPr algn="ctr"/>
+                      <a:r>
+                        <a:rPr lang="de-DE" sz="500" dirty="0"/>
+                        <a:t>Free</a:t>
+                      </a:r>
+                    </a:p>
+                  </a:txBody>
+                  <a:tcPr marL="0" marR="0" marT="0" marB="0"/>
+                </a:tc>
+                <a:extLst>
+                  <a:ext uri="{0D108BD9-81ED-4DB2-BD59-A6C34878D82A}">
+                    <a16:rowId xmlns:a16="http://schemas.microsoft.com/office/drawing/2014/main" val="2497901086"/>
+                  </a:ext>
+                </a:extLst>
+              </a:tr>
+              <a:tr h="92226">
+                <a:tc>
+                  <a:txBody>
+                    <a:bodyPr/>
+                    <a:lstStyle/>
+                    <a:p>
+                      <a:pPr algn="ctr"/>
+                      <a:endParaRPr lang="de-DE" sz="500" dirty="0"/>
+                    </a:p>
+                  </a:txBody>
+                  <a:tcPr marL="0" marR="0" marT="0" marB="0"/>
+                </a:tc>
+                <a:tc>
+                  <a:txBody>
+                    <a:bodyPr/>
+                    <a:lstStyle/>
+                    <a:p>
+                      <a:pPr algn="ctr"/>
+                      <a:r>
+                        <a:rPr lang="de-DE" sz="500" dirty="0"/>
+                        <a:t>Free</a:t>
+                      </a:r>
+                    </a:p>
+                  </a:txBody>
+                  <a:tcPr marL="0" marR="0" marT="0" marB="0"/>
+                </a:tc>
+                <a:extLst>
+                  <a:ext uri="{0D108BD9-81ED-4DB2-BD59-A6C34878D82A}">
+                    <a16:rowId xmlns:a16="http://schemas.microsoft.com/office/drawing/2014/main" val="2749798710"/>
+                  </a:ext>
+                </a:extLst>
+              </a:tr>
+              <a:tr h="92226">
+                <a:tc>
+                  <a:txBody>
+                    <a:bodyPr/>
+                    <a:lstStyle/>
+                    <a:p>
+                      <a:pPr algn="ctr"/>
+                      <a:endParaRPr lang="de-DE" sz="500" dirty="0"/>
+                    </a:p>
+                  </a:txBody>
+                  <a:tcPr marL="0" marR="0" marT="0" marB="0"/>
+                </a:tc>
+                <a:tc>
+                  <a:txBody>
+                    <a:bodyPr/>
+                    <a:lstStyle/>
+                    <a:p>
+                      <a:pPr algn="ctr"/>
+                      <a:r>
+                        <a:rPr lang="de-DE" sz="500" dirty="0"/>
+                        <a:t>Ethernet</a:t>
+                      </a:r>
+                    </a:p>
+                  </a:txBody>
+                  <a:tcPr marL="0" marR="0" marT="0" marB="0"/>
+                </a:tc>
+                <a:extLst>
+                  <a:ext uri="{0D108BD9-81ED-4DB2-BD59-A6C34878D82A}">
+                    <a16:rowId xmlns:a16="http://schemas.microsoft.com/office/drawing/2014/main" val="3963920753"/>
+                  </a:ext>
+                </a:extLst>
+              </a:tr>
+              <a:tr h="92226">
+                <a:tc>
+                  <a:txBody>
+                    <a:bodyPr/>
+                    <a:lstStyle/>
+                    <a:p>
+                      <a:pPr marL="0" marR="0" lvl="0" indent="0" algn="ctr" defTabSz="914400" rtl="0" eaLnBrk="1" fontAlgn="auto" latinLnBrk="0" hangingPunct="1">
+                        <a:lnSpc>
+                          <a:spcPct val="100000"/>
+                        </a:lnSpc>
+                        <a:spcBef>
+                          <a:spcPts val="0"/>
+                        </a:spcBef>
+                        <a:spcAft>
+                          <a:spcPts val="0"/>
+                        </a:spcAft>
+                        <a:buClrTx/>
+                        <a:buSzTx/>
+                        <a:buFontTx/>
+                        <a:buNone/>
+                        <a:tabLst/>
+                        <a:defRPr/>
+                      </a:pPr>
+                      <a:endParaRPr lang="de-DE" sz="500" dirty="0"/>
+                    </a:p>
+                  </a:txBody>
+                  <a:tcPr marL="0" marR="0" marT="0" marB="0"/>
+                </a:tc>
+                <a:tc>
+                  <a:txBody>
+                    <a:bodyPr/>
+                    <a:lstStyle/>
+                    <a:p>
+                      <a:pPr marL="0" marR="0" lvl="0" indent="0" algn="ctr" defTabSz="914400" rtl="0" eaLnBrk="1" fontAlgn="auto" latinLnBrk="0" hangingPunct="1">
+                        <a:lnSpc>
+                          <a:spcPct val="100000"/>
+                        </a:lnSpc>
+                        <a:spcBef>
+                          <a:spcPts val="0"/>
+                        </a:spcBef>
+                        <a:spcAft>
+                          <a:spcPts val="0"/>
+                        </a:spcAft>
+                        <a:buClrTx/>
+                        <a:buSzTx/>
+                        <a:buFontTx/>
+                        <a:buNone/>
+                        <a:tabLst/>
+                        <a:defRPr/>
+                      </a:pPr>
+                      <a:r>
+                        <a:rPr lang="de-DE" sz="500" dirty="0"/>
+                        <a:t>Lichtschranke Startmodul</a:t>
+                      </a:r>
+                    </a:p>
+                  </a:txBody>
+                  <a:tcPr marL="0" marR="0" marT="0" marB="0"/>
+                </a:tc>
+                <a:extLst>
+                  <a:ext uri="{0D108BD9-81ED-4DB2-BD59-A6C34878D82A}">
+                    <a16:rowId xmlns:a16="http://schemas.microsoft.com/office/drawing/2014/main" val="2487191324"/>
+                  </a:ext>
+                </a:extLst>
+              </a:tr>
+              <a:tr h="92226">
+                <a:tc>
+                  <a:txBody>
+                    <a:bodyPr/>
+                    <a:lstStyle/>
+                    <a:p>
+                      <a:pPr algn="ctr"/>
+                      <a:endParaRPr lang="de-DE" sz="500" dirty="0"/>
+                    </a:p>
+                  </a:txBody>
+                  <a:tcPr marL="0" marR="0" marT="0" marB="0"/>
+                </a:tc>
+                <a:tc>
+                  <a:txBody>
+                    <a:bodyPr/>
+                    <a:lstStyle/>
+                    <a:p>
+                      <a:pPr algn="ctr"/>
+                      <a:r>
+                        <a:rPr lang="de-DE" sz="500" dirty="0"/>
+                        <a:t>Wartungstüre Eis</a:t>
+                      </a:r>
+                    </a:p>
+                  </a:txBody>
+                  <a:tcPr marL="0" marR="0" marT="0" marB="0"/>
+                </a:tc>
+                <a:extLst>
+                  <a:ext uri="{0D108BD9-81ED-4DB2-BD59-A6C34878D82A}">
+                    <a16:rowId xmlns:a16="http://schemas.microsoft.com/office/drawing/2014/main" val="798089714"/>
+                  </a:ext>
+                </a:extLst>
+              </a:tr>
+              <a:tr h="92226">
+                <a:tc>
+                  <a:txBody>
+                    <a:bodyPr/>
+                    <a:lstStyle/>
+                    <a:p>
+                      <a:pPr algn="ctr"/>
+                      <a:endParaRPr lang="de-DE" sz="500" dirty="0"/>
+                    </a:p>
+                  </a:txBody>
+                  <a:tcPr marL="0" marR="0" marT="0" marB="0"/>
+                </a:tc>
+                <a:tc>
+                  <a:txBody>
+                    <a:bodyPr/>
+                    <a:lstStyle/>
+                    <a:p>
+                      <a:pPr algn="ctr"/>
+                      <a:r>
+                        <a:rPr lang="de-DE" sz="500" dirty="0"/>
+                        <a:t>Lichtschranke Eis 1</a:t>
+                      </a:r>
+                    </a:p>
+                  </a:txBody>
+                  <a:tcPr marL="0" marR="0" marT="0" marB="0"/>
+                </a:tc>
+                <a:extLst>
+                  <a:ext uri="{0D108BD9-81ED-4DB2-BD59-A6C34878D82A}">
+                    <a16:rowId xmlns:a16="http://schemas.microsoft.com/office/drawing/2014/main" val="1918283735"/>
+                  </a:ext>
+                </a:extLst>
+              </a:tr>
+              <a:tr h="92226">
+                <a:tc>
+                  <a:txBody>
+                    <a:bodyPr/>
+                    <a:lstStyle/>
+                    <a:p>
+                      <a:pPr algn="ctr"/>
+                      <a:endParaRPr lang="de-DE" sz="500" dirty="0"/>
+                    </a:p>
+                  </a:txBody>
+                  <a:tcPr marL="0" marR="0" marT="0" marB="0"/>
+                </a:tc>
+                <a:tc>
+                  <a:txBody>
+                    <a:bodyPr/>
+                    <a:lstStyle/>
+                    <a:p>
+                      <a:pPr algn="ctr"/>
+                      <a:r>
+                        <a:rPr lang="de-DE" sz="500" dirty="0"/>
+                        <a:t>NC</a:t>
+                      </a:r>
+                    </a:p>
+                  </a:txBody>
+                  <a:tcPr marL="0" marR="0" marT="0" marB="0"/>
+                </a:tc>
+                <a:extLst>
+                  <a:ext uri="{0D108BD9-81ED-4DB2-BD59-A6C34878D82A}">
+                    <a16:rowId xmlns:a16="http://schemas.microsoft.com/office/drawing/2014/main" val="1864289848"/>
+                  </a:ext>
+                </a:extLst>
+              </a:tr>
+              <a:tr h="92226">
+                <a:tc>
+                  <a:txBody>
+                    <a:bodyPr/>
+                    <a:lstStyle/>
+                    <a:p>
+                      <a:pPr algn="ctr"/>
+                      <a:endParaRPr lang="de-DE" sz="500" dirty="0"/>
+                    </a:p>
+                  </a:txBody>
+                  <a:tcPr marL="0" marR="0" marT="0" marB="0"/>
+                </a:tc>
+                <a:tc>
+                  <a:txBody>
+                    <a:bodyPr/>
+                    <a:lstStyle/>
+                    <a:p>
+                      <a:pPr algn="ctr"/>
+                      <a:r>
+                        <a:rPr lang="de-DE" sz="500" dirty="0"/>
+                        <a:t>Wartungstüre Startmodul</a:t>
+                      </a:r>
+                    </a:p>
+                  </a:txBody>
+                  <a:tcPr marL="0" marR="0" marT="0" marB="0"/>
+                </a:tc>
+                <a:extLst>
+                  <a:ext uri="{0D108BD9-81ED-4DB2-BD59-A6C34878D82A}">
+                    <a16:rowId xmlns:a16="http://schemas.microsoft.com/office/drawing/2014/main" val="971448709"/>
+                  </a:ext>
+                </a:extLst>
+              </a:tr>
+              <a:tr h="92226">
+                <a:tc>
+                  <a:txBody>
+                    <a:bodyPr/>
+                    <a:lstStyle/>
+                    <a:p>
+                      <a:pPr algn="ctr"/>
+                      <a:endParaRPr lang="de-DE" sz="500" dirty="0"/>
+                    </a:p>
+                  </a:txBody>
+                  <a:tcPr marL="0" marR="0" marT="0" marB="0"/>
+                </a:tc>
+                <a:tc>
+                  <a:txBody>
+                    <a:bodyPr/>
+                    <a:lstStyle/>
+                    <a:p>
+                      <a:pPr algn="ctr"/>
+                      <a:r>
+                        <a:rPr lang="de-DE" sz="500" dirty="0"/>
+                        <a:t>Free</a:t>
+                      </a:r>
+                    </a:p>
+                  </a:txBody>
+                  <a:tcPr marL="0" marR="0" marT="0" marB="0"/>
+                </a:tc>
+                <a:extLst>
+                  <a:ext uri="{0D108BD9-81ED-4DB2-BD59-A6C34878D82A}">
+                    <a16:rowId xmlns:a16="http://schemas.microsoft.com/office/drawing/2014/main" val="1746447337"/>
+                  </a:ext>
+                </a:extLst>
+              </a:tr>
+              <a:tr h="92226">
+                <a:tc>
+                  <a:txBody>
+                    <a:bodyPr/>
+                    <a:lstStyle/>
+                    <a:p>
+                      <a:pPr algn="ctr"/>
+                      <a:endParaRPr lang="de-DE" sz="500" dirty="0"/>
+                    </a:p>
+                  </a:txBody>
+                  <a:tcPr marL="0" marR="0" marT="0" marB="0"/>
+                </a:tc>
+                <a:tc>
+                  <a:txBody>
+                    <a:bodyPr/>
+                    <a:lstStyle/>
+                    <a:p>
+                      <a:pPr algn="ctr"/>
+                      <a:r>
+                        <a:rPr lang="de-DE" sz="500" dirty="0"/>
+                        <a:t>Free</a:t>
+                      </a:r>
+                    </a:p>
+                  </a:txBody>
+                  <a:tcPr marL="0" marR="0" marT="0" marB="0"/>
+                </a:tc>
+                <a:extLst>
+                  <a:ext uri="{0D108BD9-81ED-4DB2-BD59-A6C34878D82A}">
+                    <a16:rowId xmlns:a16="http://schemas.microsoft.com/office/drawing/2014/main" val="2120274072"/>
+                  </a:ext>
+                </a:extLst>
+              </a:tr>
+            </a:tbl>
+          </a:graphicData>
+        </a:graphic>
+      </p:graphicFrame>
+      <p:pic>
+        <p:nvPicPr>
+          <p:cNvPr id="8" name="Grafik 7" descr="Bildschirmausschnitt">
+            <a:extLst>
+              <a:ext uri="{FF2B5EF4-FFF2-40B4-BE49-F238E27FC236}">
+                <a16:creationId xmlns:a16="http://schemas.microsoft.com/office/drawing/2014/main" id="{99341F8E-7314-4A18-90FB-AA5F59176ECB}"/>
+              </a:ext>
+            </a:extLst>
+          </p:cNvPr>
+          <p:cNvPicPr>
+            <a:picLocks noChangeAspect="1"/>
+          </p:cNvPicPr>
+          <p:nvPr/>
+        </p:nvPicPr>
+        <p:blipFill rotWithShape="1">
+          <a:blip r:embed="rId2">
+            <a:extLst>
+              <a:ext uri="{28A0092B-C50C-407E-A947-70E740481C1C}">
+                <a14:useLocalDpi xmlns:a14="http://schemas.microsoft.com/office/drawing/2010/main" val="0"/>
+              </a:ext>
+            </a:extLst>
+          </a:blip>
+          <a:srcRect l="53972"/>
+          <a:stretch/>
+        </p:blipFill>
+        <p:spPr>
+          <a:xfrm>
+            <a:off x="6285054" y="536959"/>
+            <a:ext cx="2034442" cy="5784081"/>
+          </a:xfrm>
+          <a:prstGeom prst="rect">
+            <a:avLst/>
+          </a:prstGeom>
+        </p:spPr>
+      </p:pic>
+      <p:graphicFrame>
+        <p:nvGraphicFramePr>
+          <p:cNvPr id="9" name="Tabelle 8">
+            <a:extLst>
+              <a:ext uri="{FF2B5EF4-FFF2-40B4-BE49-F238E27FC236}">
+                <a16:creationId xmlns:a16="http://schemas.microsoft.com/office/drawing/2014/main" id="{751C2EBF-C2DA-425A-B716-C2EF620DF1F1}"/>
+              </a:ext>
+            </a:extLst>
+          </p:cNvPr>
+          <p:cNvGraphicFramePr>
+            <a:graphicFrameLocks noGrp="1"/>
+          </p:cNvGraphicFramePr>
+          <p:nvPr>
+            <p:extLst>
+              <p:ext uri="{D42A27DB-BD31-4B8C-83A1-F6EECF244321}">
+                <p14:modId xmlns:p14="http://schemas.microsoft.com/office/powerpoint/2010/main" val="3853413884"/>
+              </p:ext>
+            </p:extLst>
+          </p:nvPr>
+        </p:nvGraphicFramePr>
+        <p:xfrm>
+          <a:off x="3729553" y="3374474"/>
+          <a:ext cx="800585" cy="1376225"/>
+        </p:xfrm>
+        <a:graphic>
+          <a:graphicData uri="http://schemas.openxmlformats.org/drawingml/2006/table">
+            <a:tbl>
+              <a:tblPr bandRow="1">
+                <a:tableStyleId>{5C22544A-7EE6-4342-B048-85BDC9FD1C3A}</a:tableStyleId>
+              </a:tblPr>
+              <a:tblGrid>
+                <a:gridCol w="800585">
+                  <a:extLst>
+                    <a:ext uri="{9D8B030D-6E8A-4147-A177-3AD203B41FA5}">
+                      <a16:colId xmlns:a16="http://schemas.microsoft.com/office/drawing/2014/main" val="2247143488"/>
+                    </a:ext>
+                  </a:extLst>
+                </a:gridCol>
+              </a:tblGrid>
+              <a:tr h="88048">
+                <a:tc>
+                  <a:txBody>
+                    <a:bodyPr/>
+                    <a:lstStyle/>
+                    <a:p>
+                      <a:pPr algn="ctr"/>
+                      <a:r>
+                        <a:rPr lang="de-DE" sz="500" dirty="0"/>
+                        <a:t>Free</a:t>
+                      </a:r>
+                    </a:p>
+                  </a:txBody>
+                  <a:tcPr marL="0" marR="0" marT="0" marB="0"/>
+                </a:tc>
+                <a:extLst>
+                  <a:ext uri="{0D108BD9-81ED-4DB2-BD59-A6C34878D82A}">
+                    <a16:rowId xmlns:a16="http://schemas.microsoft.com/office/drawing/2014/main" val="757161003"/>
+                  </a:ext>
+                </a:extLst>
+              </a:tr>
+              <a:tr h="91820">
+                <a:tc>
+                  <a:txBody>
+                    <a:bodyPr/>
+                    <a:lstStyle/>
+                    <a:p>
+                      <a:pPr algn="ctr"/>
+                      <a:r>
+                        <a:rPr lang="de-DE" sz="500" dirty="0"/>
+                        <a:t>Free</a:t>
+                      </a:r>
+                    </a:p>
+                  </a:txBody>
+                  <a:tcPr marL="0" marR="0" marT="0" marB="0"/>
+                </a:tc>
+                <a:extLst>
+                  <a:ext uri="{0D108BD9-81ED-4DB2-BD59-A6C34878D82A}">
+                    <a16:rowId xmlns:a16="http://schemas.microsoft.com/office/drawing/2014/main" val="3585788346"/>
+                  </a:ext>
+                </a:extLst>
+              </a:tr>
+              <a:tr h="91820">
+                <a:tc>
+                  <a:txBody>
+                    <a:bodyPr/>
+                    <a:lstStyle/>
+                    <a:p>
+                      <a:pPr algn="ctr"/>
+                      <a:r>
+                        <a:rPr lang="de-DE" sz="500" dirty="0"/>
+                        <a:t>Free</a:t>
+                      </a:r>
+                    </a:p>
+                  </a:txBody>
+                  <a:tcPr marL="0" marR="0" marT="0" marB="0"/>
+                </a:tc>
+                <a:extLst>
+                  <a:ext uri="{0D108BD9-81ED-4DB2-BD59-A6C34878D82A}">
+                    <a16:rowId xmlns:a16="http://schemas.microsoft.com/office/drawing/2014/main" val="4011782113"/>
+                  </a:ext>
+                </a:extLst>
+              </a:tr>
+              <a:tr h="88048">
+                <a:tc>
+                  <a:txBody>
+                    <a:bodyPr/>
+                    <a:lstStyle/>
+                    <a:p>
+                      <a:pPr algn="ctr"/>
+                      <a:r>
+                        <a:rPr lang="de-DE" sz="500" dirty="0"/>
+                        <a:t>Free</a:t>
+                      </a:r>
+                    </a:p>
+                  </a:txBody>
+                  <a:tcPr marL="0" marR="0" marT="0" marB="0"/>
+                </a:tc>
+                <a:extLst>
+                  <a:ext uri="{0D108BD9-81ED-4DB2-BD59-A6C34878D82A}">
+                    <a16:rowId xmlns:a16="http://schemas.microsoft.com/office/drawing/2014/main" val="1776939531"/>
+                  </a:ext>
+                </a:extLst>
+              </a:tr>
+              <a:tr h="91820">
+                <a:tc>
+                  <a:txBody>
+                    <a:bodyPr/>
+                    <a:lstStyle/>
+                    <a:p>
+                      <a:pPr algn="ctr"/>
+                      <a:r>
+                        <a:rPr lang="de-DE" sz="500" dirty="0"/>
+                        <a:t>Free</a:t>
+                      </a:r>
+                    </a:p>
+                  </a:txBody>
+                  <a:tcPr marL="0" marR="0" marT="0" marB="0"/>
+                </a:tc>
+                <a:extLst>
+                  <a:ext uri="{0D108BD9-81ED-4DB2-BD59-A6C34878D82A}">
+                    <a16:rowId xmlns:a16="http://schemas.microsoft.com/office/drawing/2014/main" val="1683176861"/>
+                  </a:ext>
+                </a:extLst>
+              </a:tr>
+              <a:tr h="91820">
+                <a:tc>
+                  <a:txBody>
+                    <a:bodyPr/>
+                    <a:lstStyle/>
+                    <a:p>
+                      <a:pPr algn="ctr"/>
+                      <a:r>
+                        <a:rPr lang="de-DE" sz="500" dirty="0"/>
+                        <a:t>NC</a:t>
+                      </a:r>
+                    </a:p>
+                  </a:txBody>
+                  <a:tcPr marL="0" marR="0" marT="0" marB="0"/>
+                </a:tc>
+                <a:extLst>
+                  <a:ext uri="{0D108BD9-81ED-4DB2-BD59-A6C34878D82A}">
+                    <a16:rowId xmlns:a16="http://schemas.microsoft.com/office/drawing/2014/main" val="2497901086"/>
+                  </a:ext>
+                </a:extLst>
+              </a:tr>
+              <a:tr h="91820">
+                <a:tc>
+                  <a:txBody>
+                    <a:bodyPr/>
+                    <a:lstStyle/>
+                    <a:p>
+                      <a:pPr algn="ctr"/>
+                      <a:r>
+                        <a:rPr lang="de-DE" sz="500" dirty="0"/>
+                        <a:t>Wartungstüre Pumpe</a:t>
+                      </a:r>
+                    </a:p>
+                  </a:txBody>
+                  <a:tcPr marL="0" marR="0" marT="0" marB="0"/>
+                </a:tc>
+                <a:extLst>
+                  <a:ext uri="{0D108BD9-81ED-4DB2-BD59-A6C34878D82A}">
+                    <a16:rowId xmlns:a16="http://schemas.microsoft.com/office/drawing/2014/main" val="2749798710"/>
+                  </a:ext>
+                </a:extLst>
+              </a:tr>
+              <a:tr h="98289">
+                <a:tc>
+                  <a:txBody>
+                    <a:bodyPr/>
+                    <a:lstStyle/>
+                    <a:p>
+                      <a:pPr algn="ctr"/>
+                      <a:r>
+                        <a:rPr lang="de-DE" sz="500" dirty="0"/>
+                        <a:t>Wartungstüre Einschenken</a:t>
+                      </a:r>
+                    </a:p>
+                  </a:txBody>
+                  <a:tcPr marL="0" marR="0" marT="0" marB="0"/>
+                </a:tc>
+                <a:extLst>
+                  <a:ext uri="{0D108BD9-81ED-4DB2-BD59-A6C34878D82A}">
+                    <a16:rowId xmlns:a16="http://schemas.microsoft.com/office/drawing/2014/main" val="3963920753"/>
+                  </a:ext>
+                </a:extLst>
+              </a:tr>
+              <a:tr h="91820">
+                <a:tc>
+                  <a:txBody>
+                    <a:bodyPr/>
+                    <a:lstStyle/>
+                    <a:p>
+                      <a:pPr algn="ctr"/>
+                      <a:r>
+                        <a:rPr lang="de-DE" sz="500" dirty="0"/>
+                        <a:t>Endtaster hinten Einschenken</a:t>
+                      </a:r>
+                    </a:p>
+                  </a:txBody>
+                  <a:tcPr marL="0" marR="0" marT="0" marB="0"/>
+                </a:tc>
+                <a:extLst>
+                  <a:ext uri="{0D108BD9-81ED-4DB2-BD59-A6C34878D82A}">
+                    <a16:rowId xmlns:a16="http://schemas.microsoft.com/office/drawing/2014/main" val="2487191324"/>
+                  </a:ext>
+                </a:extLst>
+              </a:tr>
+              <a:tr h="91820">
+                <a:tc>
+                  <a:txBody>
+                    <a:bodyPr/>
+                    <a:lstStyle/>
+                    <a:p>
+                      <a:pPr algn="ctr"/>
+                      <a:r>
+                        <a:rPr lang="de-DE" sz="500" dirty="0"/>
+                        <a:t>Endtaster vorne Einschenken</a:t>
+                      </a:r>
+                    </a:p>
+                  </a:txBody>
+                  <a:tcPr marL="0" marR="0" marT="0" marB="0"/>
+                </a:tc>
+                <a:extLst>
+                  <a:ext uri="{0D108BD9-81ED-4DB2-BD59-A6C34878D82A}">
+                    <a16:rowId xmlns:a16="http://schemas.microsoft.com/office/drawing/2014/main" val="798089714"/>
+                  </a:ext>
+                </a:extLst>
+              </a:tr>
+              <a:tr h="91820">
+                <a:tc>
+                  <a:txBody>
+                    <a:bodyPr/>
+                    <a:lstStyle/>
+                    <a:p>
+                      <a:pPr algn="ctr"/>
+                      <a:r>
+                        <a:rPr lang="de-DE" sz="500" dirty="0"/>
+                        <a:t>Wartungstüre Einschenken</a:t>
+                      </a:r>
+                    </a:p>
+                  </a:txBody>
+                  <a:tcPr marL="0" marR="0" marT="0" marB="0"/>
+                </a:tc>
+                <a:extLst>
+                  <a:ext uri="{0D108BD9-81ED-4DB2-BD59-A6C34878D82A}">
+                    <a16:rowId xmlns:a16="http://schemas.microsoft.com/office/drawing/2014/main" val="1918283735"/>
+                  </a:ext>
+                </a:extLst>
+              </a:tr>
+              <a:tr h="91820">
+                <a:tc>
+                  <a:txBody>
+                    <a:bodyPr/>
+                    <a:lstStyle/>
+                    <a:p>
+                      <a:pPr algn="ctr"/>
+                      <a:r>
+                        <a:rPr lang="de-DE" sz="500" dirty="0"/>
+                        <a:t>Endtaster oben Rondell</a:t>
+                      </a:r>
+                    </a:p>
+                  </a:txBody>
+                  <a:tcPr marL="0" marR="0" marT="0" marB="0"/>
+                </a:tc>
+                <a:extLst>
+                  <a:ext uri="{0D108BD9-81ED-4DB2-BD59-A6C34878D82A}">
+                    <a16:rowId xmlns:a16="http://schemas.microsoft.com/office/drawing/2014/main" val="1864289848"/>
+                  </a:ext>
+                </a:extLst>
+              </a:tr>
+              <a:tr h="91820">
+                <a:tc>
+                  <a:txBody>
+                    <a:bodyPr/>
+                    <a:lstStyle/>
+                    <a:p>
+                      <a:pPr algn="ctr"/>
+                      <a:r>
+                        <a:rPr lang="de-DE" sz="500" dirty="0"/>
+                        <a:t>Endtaster unten Rondell</a:t>
+                      </a:r>
+                    </a:p>
+                  </a:txBody>
+                  <a:tcPr marL="0" marR="0" marT="0" marB="0"/>
+                </a:tc>
+                <a:extLst>
+                  <a:ext uri="{0D108BD9-81ED-4DB2-BD59-A6C34878D82A}">
+                    <a16:rowId xmlns:a16="http://schemas.microsoft.com/office/drawing/2014/main" val="971448709"/>
+                  </a:ext>
+                </a:extLst>
+              </a:tr>
+              <a:tr h="91820">
+                <a:tc>
+                  <a:txBody>
+                    <a:bodyPr/>
+                    <a:lstStyle/>
+                    <a:p>
+                      <a:pPr algn="ctr"/>
+                      <a:r>
+                        <a:rPr lang="de-DE" sz="500" dirty="0"/>
+                        <a:t>Lichtschranke Eis 2</a:t>
+                      </a:r>
+                    </a:p>
+                  </a:txBody>
+                  <a:tcPr marL="0" marR="0" marT="0" marB="0"/>
+                </a:tc>
+                <a:extLst>
+                  <a:ext uri="{0D108BD9-81ED-4DB2-BD59-A6C34878D82A}">
+                    <a16:rowId xmlns:a16="http://schemas.microsoft.com/office/drawing/2014/main" val="1746447337"/>
+                  </a:ext>
+                </a:extLst>
+              </a:tr>
+              <a:tr h="91820">
+                <a:tc>
+                  <a:txBody>
+                    <a:bodyPr/>
+                    <a:lstStyle/>
+                    <a:p>
+                      <a:pPr algn="ctr"/>
+                      <a:r>
+                        <a:rPr lang="de-DE" sz="500" dirty="0"/>
+                        <a:t>Free</a:t>
+                      </a:r>
+                    </a:p>
+                  </a:txBody>
+                  <a:tcPr marL="0" marR="0" marT="0" marB="0"/>
+                </a:tc>
+                <a:extLst>
+                  <a:ext uri="{0D108BD9-81ED-4DB2-BD59-A6C34878D82A}">
+                    <a16:rowId xmlns:a16="http://schemas.microsoft.com/office/drawing/2014/main" val="2120274072"/>
+                  </a:ext>
+                </a:extLst>
+              </a:tr>
+            </a:tbl>
+          </a:graphicData>
+        </a:graphic>
+      </p:graphicFrame>
+      <p:graphicFrame>
+        <p:nvGraphicFramePr>
+          <p:cNvPr id="10" name="Tabelle 9">
+            <a:extLst>
+              <a:ext uri="{FF2B5EF4-FFF2-40B4-BE49-F238E27FC236}">
+                <a16:creationId xmlns:a16="http://schemas.microsoft.com/office/drawing/2014/main" id="{78F963CD-55D6-4EA8-A2B9-55564F783B6B}"/>
+              </a:ext>
+            </a:extLst>
+          </p:cNvPr>
+          <p:cNvGraphicFramePr>
+            <a:graphicFrameLocks noGrp="1"/>
+          </p:cNvGraphicFramePr>
+          <p:nvPr>
+            <p:extLst>
+              <p:ext uri="{D42A27DB-BD31-4B8C-83A1-F6EECF244321}">
+                <p14:modId xmlns:p14="http://schemas.microsoft.com/office/powerpoint/2010/main" val="3793999517"/>
+              </p:ext>
+            </p:extLst>
+          </p:nvPr>
+        </p:nvGraphicFramePr>
+        <p:xfrm>
+          <a:off x="5273040" y="3185160"/>
+          <a:ext cx="1012014" cy="1543213"/>
+        </p:xfrm>
+        <a:graphic>
+          <a:graphicData uri="http://schemas.openxmlformats.org/drawingml/2006/table">
+            <a:tbl>
+              <a:tblPr bandRow="1">
+                <a:tableStyleId>{5C22544A-7EE6-4342-B048-85BDC9FD1C3A}</a:tableStyleId>
+              </a:tblPr>
+              <a:tblGrid>
+                <a:gridCol w="506007">
+                  <a:extLst>
+                    <a:ext uri="{9D8B030D-6E8A-4147-A177-3AD203B41FA5}">
+                      <a16:colId xmlns:a16="http://schemas.microsoft.com/office/drawing/2014/main" val="772889815"/>
+                    </a:ext>
+                  </a:extLst>
+                </a:gridCol>
+                <a:gridCol w="506007">
+                  <a:extLst>
+                    <a:ext uri="{9D8B030D-6E8A-4147-A177-3AD203B41FA5}">
+                      <a16:colId xmlns:a16="http://schemas.microsoft.com/office/drawing/2014/main" val="2247143488"/>
+                    </a:ext>
+                  </a:extLst>
+                </a:gridCol>
+              </a:tblGrid>
+              <a:tr h="87532">
+                <a:tc>
+                  <a:txBody>
+                    <a:bodyPr/>
+                    <a:lstStyle/>
+                    <a:p>
+                      <a:pPr algn="ctr"/>
+                      <a:endParaRPr lang="de-DE" sz="500" dirty="0"/>
+                    </a:p>
+                  </a:txBody>
+                  <a:tcPr marL="0" marR="0" marT="0" marB="0"/>
+                </a:tc>
+                <a:tc>
+                  <a:txBody>
+                    <a:bodyPr/>
+                    <a:lstStyle/>
+                    <a:p>
+                      <a:pPr algn="ctr"/>
+                      <a:r>
+                        <a:rPr lang="de-DE" sz="500" dirty="0"/>
+                        <a:t>NC</a:t>
+                      </a:r>
+                    </a:p>
+                  </a:txBody>
+                  <a:tcPr marL="0" marR="0" marT="0" marB="0"/>
+                </a:tc>
+                <a:extLst>
+                  <a:ext uri="{0D108BD9-81ED-4DB2-BD59-A6C34878D82A}">
+                    <a16:rowId xmlns:a16="http://schemas.microsoft.com/office/drawing/2014/main" val="4002941926"/>
+                  </a:ext>
+                </a:extLst>
+              </a:tr>
+              <a:tr h="87532">
+                <a:tc>
+                  <a:txBody>
+                    <a:bodyPr/>
+                    <a:lstStyle/>
+                    <a:p>
+                      <a:pPr algn="ctr"/>
+                      <a:endParaRPr lang="de-DE" sz="500" dirty="0"/>
+                    </a:p>
+                  </a:txBody>
+                  <a:tcPr marL="0" marR="0" marT="0" marB="0"/>
+                </a:tc>
+                <a:tc>
+                  <a:txBody>
+                    <a:bodyPr/>
+                    <a:lstStyle/>
+                    <a:p>
+                      <a:pPr algn="ctr"/>
+                      <a:r>
+                        <a:rPr lang="de-DE" sz="500" dirty="0"/>
+                        <a:t>NC</a:t>
+                      </a:r>
+                    </a:p>
+                  </a:txBody>
+                  <a:tcPr marL="0" marR="0" marT="0" marB="0"/>
+                </a:tc>
+                <a:extLst>
+                  <a:ext uri="{0D108BD9-81ED-4DB2-BD59-A6C34878D82A}">
+                    <a16:rowId xmlns:a16="http://schemas.microsoft.com/office/drawing/2014/main" val="1380056459"/>
+                  </a:ext>
+                </a:extLst>
+              </a:tr>
+              <a:tr h="87532">
+                <a:tc>
+                  <a:txBody>
+                    <a:bodyPr/>
+                    <a:lstStyle/>
+                    <a:p>
+                      <a:pPr algn="ctr"/>
+                      <a:endParaRPr lang="de-DE" sz="500" dirty="0"/>
+                    </a:p>
+                  </a:txBody>
+                  <a:tcPr marL="0" marR="0" marT="0" marB="0"/>
+                </a:tc>
+                <a:tc>
+                  <a:txBody>
+                    <a:bodyPr/>
+                    <a:lstStyle/>
+                    <a:p>
+                      <a:pPr algn="ctr"/>
+                      <a:r>
+                        <a:rPr lang="de-DE" sz="500" dirty="0"/>
+                        <a:t>NC</a:t>
+                      </a:r>
+                    </a:p>
+                  </a:txBody>
+                  <a:tcPr marL="0" marR="0" marT="0" marB="0"/>
+                </a:tc>
+                <a:extLst>
+                  <a:ext uri="{0D108BD9-81ED-4DB2-BD59-A6C34878D82A}">
+                    <a16:rowId xmlns:a16="http://schemas.microsoft.com/office/drawing/2014/main" val="757161003"/>
+                  </a:ext>
+                </a:extLst>
+              </a:tr>
+              <a:tr h="91281">
+                <a:tc>
+                  <a:txBody>
+                    <a:bodyPr/>
+                    <a:lstStyle/>
+                    <a:p>
+                      <a:pPr algn="ctr"/>
+                      <a:r>
+                        <a:rPr lang="de-DE" sz="500" dirty="0"/>
+                        <a:t>ADC1_IN9</a:t>
+                      </a:r>
+                    </a:p>
+                  </a:txBody>
+                  <a:tcPr marL="0" marR="0" marT="0" marB="0"/>
+                </a:tc>
+                <a:tc>
+                  <a:txBody>
+                    <a:bodyPr/>
+                    <a:lstStyle/>
+                    <a:p>
+                      <a:pPr algn="ctr"/>
+                      <a:r>
+                        <a:rPr lang="de-DE" sz="500" dirty="0"/>
+                        <a:t>Drehgeber Rondell</a:t>
+                      </a:r>
+                    </a:p>
+                  </a:txBody>
+                  <a:tcPr marL="0" marR="0" marT="0" marB="0"/>
+                </a:tc>
+                <a:extLst>
+                  <a:ext uri="{0D108BD9-81ED-4DB2-BD59-A6C34878D82A}">
+                    <a16:rowId xmlns:a16="http://schemas.microsoft.com/office/drawing/2014/main" val="3585788346"/>
+                  </a:ext>
+                </a:extLst>
+              </a:tr>
+              <a:tr h="91281">
+                <a:tc>
+                  <a:txBody>
+                    <a:bodyPr/>
+                    <a:lstStyle/>
+                    <a:p>
+                      <a:pPr algn="ctr"/>
+                      <a:endParaRPr lang="de-DE" sz="500" dirty="0"/>
+                    </a:p>
+                  </a:txBody>
+                  <a:tcPr marL="0" marR="0" marT="0" marB="0"/>
+                </a:tc>
+                <a:tc>
+                  <a:txBody>
+                    <a:bodyPr/>
+                    <a:lstStyle/>
+                    <a:p>
+                      <a:pPr algn="ctr"/>
+                      <a:r>
+                        <a:rPr lang="de-DE" sz="500" dirty="0"/>
+                        <a:t>Free</a:t>
+                      </a:r>
+                    </a:p>
+                  </a:txBody>
+                  <a:tcPr marL="0" marR="0" marT="0" marB="0"/>
+                </a:tc>
+                <a:extLst>
+                  <a:ext uri="{0D108BD9-81ED-4DB2-BD59-A6C34878D82A}">
+                    <a16:rowId xmlns:a16="http://schemas.microsoft.com/office/drawing/2014/main" val="4011782113"/>
+                  </a:ext>
+                </a:extLst>
+              </a:tr>
+              <a:tr h="87532">
+                <a:tc>
+                  <a:txBody>
+                    <a:bodyPr/>
+                    <a:lstStyle/>
+                    <a:p>
+                      <a:pPr algn="ctr"/>
+                      <a:endParaRPr lang="de-DE" sz="500" dirty="0"/>
+                    </a:p>
+                  </a:txBody>
+                  <a:tcPr marL="0" marR="0" marT="0" marB="0"/>
+                </a:tc>
+                <a:tc>
+                  <a:txBody>
+                    <a:bodyPr/>
+                    <a:lstStyle/>
+                    <a:p>
+                      <a:pPr algn="ctr"/>
+                      <a:r>
+                        <a:rPr lang="de-DE" sz="500" dirty="0"/>
+                        <a:t>Free</a:t>
+                      </a:r>
+                    </a:p>
+                  </a:txBody>
+                  <a:tcPr marL="0" marR="0" marT="0" marB="0"/>
+                </a:tc>
+                <a:extLst>
+                  <a:ext uri="{0D108BD9-81ED-4DB2-BD59-A6C34878D82A}">
+                    <a16:rowId xmlns:a16="http://schemas.microsoft.com/office/drawing/2014/main" val="1776939531"/>
+                  </a:ext>
+                </a:extLst>
+              </a:tr>
+              <a:tr h="91281">
+                <a:tc>
+                  <a:txBody>
+                    <a:bodyPr/>
+                    <a:lstStyle/>
+                    <a:p>
+                      <a:pPr algn="ctr"/>
+                      <a:endParaRPr lang="de-DE" sz="500" dirty="0"/>
+                    </a:p>
+                  </a:txBody>
+                  <a:tcPr marL="0" marR="0" marT="0" marB="0"/>
+                </a:tc>
+                <a:tc>
+                  <a:txBody>
+                    <a:bodyPr/>
+                    <a:lstStyle/>
+                    <a:p>
+                      <a:pPr algn="ctr"/>
+                      <a:r>
+                        <a:rPr lang="de-DE" sz="500" dirty="0"/>
+                        <a:t>USB</a:t>
+                      </a:r>
+                    </a:p>
+                  </a:txBody>
+                  <a:tcPr marL="0" marR="0" marT="0" marB="0"/>
+                </a:tc>
+                <a:extLst>
+                  <a:ext uri="{0D108BD9-81ED-4DB2-BD59-A6C34878D82A}">
+                    <a16:rowId xmlns:a16="http://schemas.microsoft.com/office/drawing/2014/main" val="1683176861"/>
+                  </a:ext>
+                </a:extLst>
+              </a:tr>
+              <a:tr h="91281">
+                <a:tc>
+                  <a:txBody>
+                    <a:bodyPr/>
+                    <a:lstStyle/>
+                    <a:p>
+                      <a:pPr algn="ctr"/>
+                      <a:endParaRPr lang="de-DE" sz="500" dirty="0"/>
+                    </a:p>
+                  </a:txBody>
+                  <a:tcPr marL="0" marR="0" marT="0" marB="0"/>
+                </a:tc>
+                <a:tc>
+                  <a:txBody>
+                    <a:bodyPr/>
+                    <a:lstStyle/>
+                    <a:p>
+                      <a:pPr algn="ctr"/>
+                      <a:r>
+                        <a:rPr lang="de-DE" sz="500" dirty="0"/>
+                        <a:t>Free</a:t>
+                      </a:r>
+                    </a:p>
+                  </a:txBody>
+                  <a:tcPr marL="0" marR="0" marT="0" marB="0"/>
+                </a:tc>
+                <a:extLst>
+                  <a:ext uri="{0D108BD9-81ED-4DB2-BD59-A6C34878D82A}">
+                    <a16:rowId xmlns:a16="http://schemas.microsoft.com/office/drawing/2014/main" val="2497901086"/>
+                  </a:ext>
+                </a:extLst>
+              </a:tr>
+              <a:tr h="91281">
+                <a:tc>
+                  <a:txBody>
+                    <a:bodyPr/>
+                    <a:lstStyle/>
+                    <a:p>
+                      <a:pPr algn="ctr"/>
+                      <a:endParaRPr lang="de-DE" sz="500" dirty="0"/>
+                    </a:p>
+                  </a:txBody>
+                  <a:tcPr marL="0" marR="0" marT="0" marB="0"/>
+                </a:tc>
+                <a:tc>
+                  <a:txBody>
+                    <a:bodyPr/>
+                    <a:lstStyle/>
+                    <a:p>
+                      <a:pPr algn="ctr"/>
+                      <a:r>
+                        <a:rPr lang="de-DE" sz="500" dirty="0"/>
+                        <a:t>NC</a:t>
+                      </a:r>
+                    </a:p>
+                  </a:txBody>
+                  <a:tcPr marL="0" marR="0" marT="0" marB="0"/>
+                </a:tc>
+                <a:extLst>
+                  <a:ext uri="{0D108BD9-81ED-4DB2-BD59-A6C34878D82A}">
+                    <a16:rowId xmlns:a16="http://schemas.microsoft.com/office/drawing/2014/main" val="2749798710"/>
+                  </a:ext>
+                </a:extLst>
+              </a:tr>
+              <a:tr h="97713">
+                <a:tc>
+                  <a:txBody>
+                    <a:bodyPr/>
+                    <a:lstStyle/>
+                    <a:p>
+                      <a:pPr marL="0" marR="0" lvl="0" indent="0" algn="ctr" defTabSz="914400" rtl="0" eaLnBrk="1" fontAlgn="auto" latinLnBrk="0" hangingPunct="1">
+                        <a:lnSpc>
+                          <a:spcPct val="100000"/>
+                        </a:lnSpc>
+                        <a:spcBef>
+                          <a:spcPts val="0"/>
+                        </a:spcBef>
+                        <a:spcAft>
+                          <a:spcPts val="0"/>
+                        </a:spcAft>
+                        <a:buClrTx/>
+                        <a:buSzTx/>
+                        <a:buFontTx/>
+                        <a:buNone/>
+                        <a:tabLst/>
+                        <a:defRPr/>
+                      </a:pPr>
+                      <a:r>
+                        <a:rPr lang="de-DE" sz="500" dirty="0"/>
+                        <a:t>TIM4_CH2</a:t>
+                      </a:r>
+                    </a:p>
+                  </a:txBody>
+                  <a:tcPr marL="0" marR="0" marT="0" marB="0"/>
+                </a:tc>
+                <a:tc>
+                  <a:txBody>
+                    <a:bodyPr/>
+                    <a:lstStyle/>
+                    <a:p>
+                      <a:pPr algn="ctr"/>
+                      <a:r>
+                        <a:rPr lang="de-DE" sz="500"/>
+                        <a:t>Motor Eis</a:t>
+                      </a:r>
+                      <a:endParaRPr lang="de-DE" sz="500" dirty="0"/>
+                    </a:p>
+                  </a:txBody>
+                  <a:tcPr marL="0" marR="0" marT="0" marB="0"/>
+                </a:tc>
+                <a:extLst>
+                  <a:ext uri="{0D108BD9-81ED-4DB2-BD59-A6C34878D82A}">
+                    <a16:rowId xmlns:a16="http://schemas.microsoft.com/office/drawing/2014/main" val="3963920753"/>
+                  </a:ext>
+                </a:extLst>
+              </a:tr>
+              <a:tr h="91281">
+                <a:tc>
+                  <a:txBody>
+                    <a:bodyPr/>
+                    <a:lstStyle/>
+                    <a:p>
+                      <a:pPr algn="ctr"/>
+                      <a:r>
+                        <a:rPr lang="de-DE" sz="500" dirty="0"/>
+                        <a:t>TIM4_CH1</a:t>
+                      </a:r>
+                    </a:p>
+                  </a:txBody>
+                  <a:tcPr marL="0" marR="0" marT="0" marB="0"/>
+                </a:tc>
+                <a:tc>
+                  <a:txBody>
+                    <a:bodyPr/>
+                    <a:lstStyle/>
+                    <a:p>
+                      <a:pPr algn="ctr"/>
+                      <a:r>
+                        <a:rPr lang="de-DE" sz="500" dirty="0"/>
+                        <a:t>Motor Pumpe</a:t>
+                      </a:r>
+                    </a:p>
+                  </a:txBody>
+                  <a:tcPr marL="0" marR="0" marT="0" marB="0"/>
+                </a:tc>
+                <a:extLst>
+                  <a:ext uri="{0D108BD9-81ED-4DB2-BD59-A6C34878D82A}">
+                    <a16:rowId xmlns:a16="http://schemas.microsoft.com/office/drawing/2014/main" val="2487191324"/>
+                  </a:ext>
+                </a:extLst>
+              </a:tr>
+              <a:tr h="91281">
+                <a:tc>
+                  <a:txBody>
+                    <a:bodyPr/>
+                    <a:lstStyle/>
+                    <a:p>
+                      <a:pPr algn="ctr"/>
+                      <a:endParaRPr lang="de-DE" sz="500" dirty="0"/>
+                    </a:p>
+                  </a:txBody>
+                  <a:tcPr marL="0" marR="0" marT="0" marB="0"/>
+                </a:tc>
+                <a:tc>
+                  <a:txBody>
+                    <a:bodyPr/>
+                    <a:lstStyle/>
+                    <a:p>
+                      <a:pPr algn="ctr"/>
+                      <a:r>
+                        <a:rPr lang="de-DE" sz="500" dirty="0"/>
+                        <a:t>Free</a:t>
+                      </a:r>
+                    </a:p>
+                  </a:txBody>
+                  <a:tcPr marL="0" marR="0" marT="0" marB="0"/>
+                </a:tc>
+                <a:extLst>
+                  <a:ext uri="{0D108BD9-81ED-4DB2-BD59-A6C34878D82A}">
+                    <a16:rowId xmlns:a16="http://schemas.microsoft.com/office/drawing/2014/main" val="798089714"/>
+                  </a:ext>
+                </a:extLst>
+              </a:tr>
+              <a:tr h="91281">
+                <a:tc>
+                  <a:txBody>
+                    <a:bodyPr/>
+                    <a:lstStyle/>
+                    <a:p>
+                      <a:pPr algn="ctr"/>
+                      <a:endParaRPr lang="de-DE" sz="500" dirty="0"/>
+                    </a:p>
+                  </a:txBody>
+                  <a:tcPr marL="0" marR="0" marT="0" marB="0"/>
+                </a:tc>
+                <a:tc>
+                  <a:txBody>
+                    <a:bodyPr/>
+                    <a:lstStyle/>
+                    <a:p>
+                      <a:pPr algn="ctr"/>
+                      <a:r>
+                        <a:rPr lang="de-DE" sz="500" dirty="0"/>
+                        <a:t>Free</a:t>
+                      </a:r>
+                    </a:p>
+                  </a:txBody>
+                  <a:tcPr marL="0" marR="0" marT="0" marB="0"/>
+                </a:tc>
+                <a:extLst>
+                  <a:ext uri="{0D108BD9-81ED-4DB2-BD59-A6C34878D82A}">
+                    <a16:rowId xmlns:a16="http://schemas.microsoft.com/office/drawing/2014/main" val="1918283735"/>
+                  </a:ext>
+                </a:extLst>
+              </a:tr>
+              <a:tr h="91281">
+                <a:tc>
+                  <a:txBody>
+                    <a:bodyPr/>
+                    <a:lstStyle/>
+                    <a:p>
+                      <a:pPr algn="ctr"/>
+                      <a:endParaRPr lang="de-DE" sz="500" dirty="0"/>
+                    </a:p>
+                  </a:txBody>
+                  <a:tcPr marL="0" marR="0" marT="0" marB="0"/>
+                </a:tc>
+                <a:tc>
+                  <a:txBody>
+                    <a:bodyPr/>
+                    <a:lstStyle/>
+                    <a:p>
+                      <a:pPr algn="ctr"/>
+                      <a:r>
+                        <a:rPr lang="de-DE" sz="500" dirty="0"/>
+                        <a:t>NC</a:t>
+                      </a:r>
+                    </a:p>
+                  </a:txBody>
+                  <a:tcPr marL="0" marR="0" marT="0" marB="0"/>
+                </a:tc>
+                <a:extLst>
+                  <a:ext uri="{0D108BD9-81ED-4DB2-BD59-A6C34878D82A}">
+                    <a16:rowId xmlns:a16="http://schemas.microsoft.com/office/drawing/2014/main" val="1864289848"/>
+                  </a:ext>
+                </a:extLst>
+              </a:tr>
+              <a:tr h="91281">
+                <a:tc>
+                  <a:txBody>
+                    <a:bodyPr/>
+                    <a:lstStyle/>
+                    <a:p>
+                      <a:pPr algn="ctr"/>
+                      <a:r>
+                        <a:rPr lang="de-DE" sz="500" dirty="0"/>
+                        <a:t>TIM2_CH1</a:t>
+                      </a:r>
+                    </a:p>
+                  </a:txBody>
+                  <a:tcPr marL="0" marR="0" marT="0" marB="0"/>
+                </a:tc>
+                <a:tc>
+                  <a:txBody>
+                    <a:bodyPr/>
+                    <a:lstStyle/>
+                    <a:p>
+                      <a:pPr algn="ctr"/>
+                      <a:r>
+                        <a:rPr lang="de-DE" sz="500" dirty="0"/>
+                        <a:t>Motor Transport</a:t>
+                      </a:r>
+                    </a:p>
+                  </a:txBody>
+                  <a:tcPr marL="0" marR="0" marT="0" marB="0"/>
+                </a:tc>
+                <a:extLst>
+                  <a:ext uri="{0D108BD9-81ED-4DB2-BD59-A6C34878D82A}">
+                    <a16:rowId xmlns:a16="http://schemas.microsoft.com/office/drawing/2014/main" val="971448709"/>
+                  </a:ext>
+                </a:extLst>
+              </a:tr>
+              <a:tr h="91281">
+                <a:tc>
+                  <a:txBody>
+                    <a:bodyPr/>
+                    <a:lstStyle/>
+                    <a:p>
+                      <a:pPr algn="ctr"/>
+                      <a:endParaRPr lang="de-DE" sz="500" dirty="0"/>
+                    </a:p>
+                  </a:txBody>
+                  <a:tcPr marL="0" marR="0" marT="0" marB="0"/>
+                </a:tc>
+                <a:tc>
+                  <a:txBody>
+                    <a:bodyPr/>
+                    <a:lstStyle/>
+                    <a:p>
+                      <a:pPr algn="ctr"/>
+                      <a:r>
+                        <a:rPr lang="de-DE" sz="500" dirty="0"/>
+                        <a:t>LED Grün</a:t>
+                      </a:r>
+                    </a:p>
+                  </a:txBody>
+                  <a:tcPr marL="0" marR="0" marT="0" marB="0"/>
+                </a:tc>
+                <a:extLst>
+                  <a:ext uri="{0D108BD9-81ED-4DB2-BD59-A6C34878D82A}">
+                    <a16:rowId xmlns:a16="http://schemas.microsoft.com/office/drawing/2014/main" val="1746447337"/>
+                  </a:ext>
+                </a:extLst>
+              </a:tr>
+              <a:tr h="91281">
+                <a:tc>
+                  <a:txBody>
+                    <a:bodyPr/>
+                    <a:lstStyle/>
+                    <a:p>
+                      <a:pPr algn="ctr"/>
+                      <a:endParaRPr lang="de-DE" sz="500" dirty="0"/>
+                    </a:p>
+                  </a:txBody>
+                  <a:tcPr marL="0" marR="0" marT="0" marB="0"/>
+                </a:tc>
+                <a:tc>
+                  <a:txBody>
+                    <a:bodyPr/>
+                    <a:lstStyle/>
+                    <a:p>
+                      <a:pPr algn="ctr"/>
+                      <a:r>
+                        <a:rPr lang="de-DE" sz="500" dirty="0"/>
+                        <a:t>Free</a:t>
+                      </a:r>
+                    </a:p>
+                  </a:txBody>
+                  <a:tcPr marL="0" marR="0" marT="0" marB="0"/>
+                </a:tc>
+                <a:extLst>
+                  <a:ext uri="{0D108BD9-81ED-4DB2-BD59-A6C34878D82A}">
+                    <a16:rowId xmlns:a16="http://schemas.microsoft.com/office/drawing/2014/main" val="2120274072"/>
+                  </a:ext>
+                </a:extLst>
+              </a:tr>
+            </a:tbl>
+          </a:graphicData>
+        </a:graphic>
+      </p:graphicFrame>
+      <p:graphicFrame>
+        <p:nvGraphicFramePr>
+          <p:cNvPr id="11" name="Tabelle 10">
+            <a:extLst>
+              <a:ext uri="{FF2B5EF4-FFF2-40B4-BE49-F238E27FC236}">
+                <a16:creationId xmlns:a16="http://schemas.microsoft.com/office/drawing/2014/main" id="{02F5013E-2F17-4EBB-8CFC-C2495C1CF58D}"/>
+              </a:ext>
+            </a:extLst>
+          </p:cNvPr>
+          <p:cNvGraphicFramePr>
+            <a:graphicFrameLocks noGrp="1"/>
+          </p:cNvGraphicFramePr>
+          <p:nvPr>
+            <p:extLst>
+              <p:ext uri="{D42A27DB-BD31-4B8C-83A1-F6EECF244321}">
+                <p14:modId xmlns:p14="http://schemas.microsoft.com/office/powerpoint/2010/main" val="1717056016"/>
+              </p:ext>
+            </p:extLst>
+          </p:nvPr>
+        </p:nvGraphicFramePr>
+        <p:xfrm>
+          <a:off x="3735114" y="2505793"/>
+          <a:ext cx="1164546" cy="747952"/>
+        </p:xfrm>
+        <a:graphic>
+          <a:graphicData uri="http://schemas.openxmlformats.org/drawingml/2006/table">
+            <a:tbl>
+              <a:tblPr bandRow="1">
+                <a:tableStyleId>{5C22544A-7EE6-4342-B048-85BDC9FD1C3A}</a:tableStyleId>
+              </a:tblPr>
+              <a:tblGrid>
+                <a:gridCol w="582273">
+                  <a:extLst>
+                    <a:ext uri="{9D8B030D-6E8A-4147-A177-3AD203B41FA5}">
+                      <a16:colId xmlns:a16="http://schemas.microsoft.com/office/drawing/2014/main" val="2247143488"/>
+                    </a:ext>
+                  </a:extLst>
+                </a:gridCol>
+                <a:gridCol w="582273">
+                  <a:extLst>
+                    <a:ext uri="{9D8B030D-6E8A-4147-A177-3AD203B41FA5}">
+                      <a16:colId xmlns:a16="http://schemas.microsoft.com/office/drawing/2014/main" val="1689027359"/>
+                    </a:ext>
+                  </a:extLst>
+                </a:gridCol>
+              </a:tblGrid>
+              <a:tr h="90584">
+                <a:tc>
+                  <a:txBody>
+                    <a:bodyPr/>
+                    <a:lstStyle/>
+                    <a:p>
+                      <a:pPr algn="ctr"/>
+                      <a:r>
+                        <a:rPr lang="de-DE" sz="500" dirty="0"/>
+                        <a:t>Motor Wahl Pumpen</a:t>
+                      </a:r>
+                    </a:p>
+                  </a:txBody>
+                  <a:tcPr marL="0" marR="0" marT="0" marB="0"/>
+                </a:tc>
+                <a:tc>
+                  <a:txBody>
+                    <a:bodyPr/>
+                    <a:lstStyle/>
+                    <a:p>
+                      <a:pPr algn="ctr"/>
+                      <a:r>
+                        <a:rPr lang="de-DE" sz="500" dirty="0"/>
+                        <a:t>TIM3_CH3</a:t>
+                      </a:r>
+                    </a:p>
+                  </a:txBody>
+                  <a:tcPr marL="0" marR="0" marT="0" marB="0"/>
+                </a:tc>
+                <a:extLst>
+                  <a:ext uri="{0D108BD9-81ED-4DB2-BD59-A6C34878D82A}">
+                    <a16:rowId xmlns:a16="http://schemas.microsoft.com/office/drawing/2014/main" val="757161003"/>
+                  </a:ext>
+                </a:extLst>
+              </a:tr>
+              <a:tr h="94464">
+                <a:tc>
+                  <a:txBody>
+                    <a:bodyPr/>
+                    <a:lstStyle/>
+                    <a:p>
+                      <a:pPr algn="ctr"/>
+                      <a:r>
+                        <a:rPr lang="de-DE" sz="500" dirty="0"/>
+                        <a:t>Free</a:t>
+                      </a:r>
+                    </a:p>
+                  </a:txBody>
+                  <a:tcPr marL="0" marR="0" marT="0" marB="0"/>
+                </a:tc>
+                <a:tc>
+                  <a:txBody>
+                    <a:bodyPr/>
+                    <a:lstStyle/>
+                    <a:p>
+                      <a:pPr algn="ctr"/>
+                      <a:endParaRPr lang="de-DE" sz="500" dirty="0"/>
+                    </a:p>
+                  </a:txBody>
+                  <a:tcPr marL="0" marR="0" marT="0" marB="0"/>
+                </a:tc>
+                <a:extLst>
+                  <a:ext uri="{0D108BD9-81ED-4DB2-BD59-A6C34878D82A}">
+                    <a16:rowId xmlns:a16="http://schemas.microsoft.com/office/drawing/2014/main" val="3585788346"/>
+                  </a:ext>
+                </a:extLst>
+              </a:tr>
+              <a:tr h="94464">
+                <a:tc>
+                  <a:txBody>
+                    <a:bodyPr/>
+                    <a:lstStyle/>
+                    <a:p>
+                      <a:pPr algn="ctr"/>
+                      <a:r>
+                        <a:rPr lang="de-DE" sz="500" dirty="0"/>
+                        <a:t>Free</a:t>
+                      </a:r>
+                    </a:p>
+                  </a:txBody>
+                  <a:tcPr marL="0" marR="0" marT="0" marB="0"/>
+                </a:tc>
+                <a:tc>
+                  <a:txBody>
+                    <a:bodyPr/>
+                    <a:lstStyle/>
+                    <a:p>
+                      <a:pPr algn="ctr"/>
+                      <a:endParaRPr lang="de-DE" sz="500" dirty="0"/>
+                    </a:p>
+                  </a:txBody>
+                  <a:tcPr marL="0" marR="0" marT="0" marB="0"/>
+                </a:tc>
+                <a:extLst>
+                  <a:ext uri="{0D108BD9-81ED-4DB2-BD59-A6C34878D82A}">
+                    <a16:rowId xmlns:a16="http://schemas.microsoft.com/office/drawing/2014/main" val="4011782113"/>
+                  </a:ext>
+                </a:extLst>
+              </a:tr>
+              <a:tr h="90584">
+                <a:tc>
+                  <a:txBody>
+                    <a:bodyPr/>
+                    <a:lstStyle/>
+                    <a:p>
+                      <a:pPr algn="ctr"/>
+                      <a:r>
+                        <a:rPr lang="de-DE" sz="500" dirty="0"/>
+                        <a:t>Free</a:t>
+                      </a:r>
+                    </a:p>
+                  </a:txBody>
+                  <a:tcPr marL="0" marR="0" marT="0" marB="0"/>
+                </a:tc>
+                <a:tc>
+                  <a:txBody>
+                    <a:bodyPr/>
+                    <a:lstStyle/>
+                    <a:p>
+                      <a:pPr algn="ctr"/>
+                      <a:endParaRPr lang="de-DE" sz="500" dirty="0"/>
+                    </a:p>
+                  </a:txBody>
+                  <a:tcPr marL="0" marR="0" marT="0" marB="0"/>
+                </a:tc>
+                <a:extLst>
+                  <a:ext uri="{0D108BD9-81ED-4DB2-BD59-A6C34878D82A}">
+                    <a16:rowId xmlns:a16="http://schemas.microsoft.com/office/drawing/2014/main" val="1776939531"/>
+                  </a:ext>
+                </a:extLst>
+              </a:tr>
+              <a:tr h="94464">
+                <a:tc>
+                  <a:txBody>
+                    <a:bodyPr/>
+                    <a:lstStyle/>
+                    <a:p>
+                      <a:pPr algn="ctr"/>
+                      <a:r>
+                        <a:rPr lang="de-DE" sz="500" dirty="0"/>
+                        <a:t>Free</a:t>
+                      </a:r>
+                    </a:p>
+                  </a:txBody>
+                  <a:tcPr marL="0" marR="0" marT="0" marB="0"/>
+                </a:tc>
+                <a:tc>
+                  <a:txBody>
+                    <a:bodyPr/>
+                    <a:lstStyle/>
+                    <a:p>
+                      <a:pPr algn="ctr"/>
+                      <a:endParaRPr lang="de-DE" sz="500" dirty="0"/>
+                    </a:p>
+                  </a:txBody>
+                  <a:tcPr marL="0" marR="0" marT="0" marB="0"/>
+                </a:tc>
+                <a:extLst>
+                  <a:ext uri="{0D108BD9-81ED-4DB2-BD59-A6C34878D82A}">
+                    <a16:rowId xmlns:a16="http://schemas.microsoft.com/office/drawing/2014/main" val="1683176861"/>
+                  </a:ext>
+                </a:extLst>
+              </a:tr>
+              <a:tr h="94464">
+                <a:tc>
+                  <a:txBody>
+                    <a:bodyPr/>
+                    <a:lstStyle/>
+                    <a:p>
+                      <a:pPr algn="ctr"/>
+                      <a:r>
+                        <a:rPr lang="de-DE" sz="500" dirty="0"/>
+                        <a:t>Free</a:t>
+                      </a:r>
+                    </a:p>
+                  </a:txBody>
+                  <a:tcPr marL="0" marR="0" marT="0" marB="0"/>
+                </a:tc>
+                <a:tc>
+                  <a:txBody>
+                    <a:bodyPr/>
+                    <a:lstStyle/>
+                    <a:p>
+                      <a:pPr algn="ctr"/>
+                      <a:endParaRPr lang="de-DE" sz="500" dirty="0"/>
+                    </a:p>
+                  </a:txBody>
+                  <a:tcPr marL="0" marR="0" marT="0" marB="0"/>
+                </a:tc>
+                <a:extLst>
+                  <a:ext uri="{0D108BD9-81ED-4DB2-BD59-A6C34878D82A}">
+                    <a16:rowId xmlns:a16="http://schemas.microsoft.com/office/drawing/2014/main" val="2497901086"/>
+                  </a:ext>
+                </a:extLst>
+              </a:tr>
+              <a:tr h="94464">
+                <a:tc>
+                  <a:txBody>
+                    <a:bodyPr/>
+                    <a:lstStyle/>
+                    <a:p>
+                      <a:pPr algn="ctr"/>
+                      <a:r>
+                        <a:rPr lang="de-DE" sz="500" dirty="0"/>
+                        <a:t>Free</a:t>
+                      </a:r>
+                    </a:p>
+                  </a:txBody>
+                  <a:tcPr marL="0" marR="0" marT="0" marB="0"/>
+                </a:tc>
+                <a:tc>
+                  <a:txBody>
+                    <a:bodyPr/>
+                    <a:lstStyle/>
+                    <a:p>
+                      <a:pPr algn="ctr"/>
+                      <a:endParaRPr lang="de-DE" sz="500" dirty="0"/>
+                    </a:p>
+                  </a:txBody>
+                  <a:tcPr marL="0" marR="0" marT="0" marB="0"/>
+                </a:tc>
+                <a:extLst>
+                  <a:ext uri="{0D108BD9-81ED-4DB2-BD59-A6C34878D82A}">
+                    <a16:rowId xmlns:a16="http://schemas.microsoft.com/office/drawing/2014/main" val="2749798710"/>
+                  </a:ext>
+                </a:extLst>
+              </a:tr>
+              <a:tr h="94464">
+                <a:tc>
+                  <a:txBody>
+                    <a:bodyPr/>
+                    <a:lstStyle/>
+                    <a:p>
+                      <a:pPr algn="ctr"/>
+                      <a:r>
+                        <a:rPr lang="de-DE" sz="500" dirty="0"/>
+                        <a:t>Free</a:t>
+                      </a:r>
+                    </a:p>
+                  </a:txBody>
+                  <a:tcPr marL="0" marR="0" marT="0" marB="0"/>
+                </a:tc>
+                <a:tc>
+                  <a:txBody>
+                    <a:bodyPr/>
+                    <a:lstStyle/>
+                    <a:p>
+                      <a:pPr algn="ctr"/>
+                      <a:endParaRPr lang="de-DE" sz="500" dirty="0"/>
+                    </a:p>
+                  </a:txBody>
+                  <a:tcPr marL="0" marR="0" marT="0" marB="0"/>
+                </a:tc>
+                <a:extLst>
+                  <a:ext uri="{0D108BD9-81ED-4DB2-BD59-A6C34878D82A}">
+                    <a16:rowId xmlns:a16="http://schemas.microsoft.com/office/drawing/2014/main" val="3963920753"/>
+                  </a:ext>
+                </a:extLst>
+              </a:tr>
+            </a:tbl>
+          </a:graphicData>
+        </a:graphic>
+      </p:graphicFrame>
+      <p:graphicFrame>
+        <p:nvGraphicFramePr>
+          <p:cNvPr id="12" name="Tabelle 11">
+            <a:extLst>
+              <a:ext uri="{FF2B5EF4-FFF2-40B4-BE49-F238E27FC236}">
+                <a16:creationId xmlns:a16="http://schemas.microsoft.com/office/drawing/2014/main" id="{A4762665-3220-491B-A729-BB7745B47548}"/>
+              </a:ext>
+            </a:extLst>
+          </p:cNvPr>
+          <p:cNvGraphicFramePr>
+            <a:graphicFrameLocks noGrp="1"/>
+          </p:cNvGraphicFramePr>
+          <p:nvPr>
+            <p:extLst>
+              <p:ext uri="{D42A27DB-BD31-4B8C-83A1-F6EECF244321}">
+                <p14:modId xmlns:p14="http://schemas.microsoft.com/office/powerpoint/2010/main" val="3169050021"/>
+              </p:ext>
+            </p:extLst>
+          </p:nvPr>
+        </p:nvGraphicFramePr>
+        <p:xfrm>
+          <a:off x="5193030" y="2200993"/>
+          <a:ext cx="1092024" cy="936880"/>
+        </p:xfrm>
+        <a:graphic>
+          <a:graphicData uri="http://schemas.openxmlformats.org/drawingml/2006/table">
+            <a:tbl>
+              <a:tblPr bandRow="1">
+                <a:tableStyleId>{5C22544A-7EE6-4342-B048-85BDC9FD1C3A}</a:tableStyleId>
+              </a:tblPr>
+              <a:tblGrid>
+                <a:gridCol w="289560">
+                  <a:extLst>
+                    <a:ext uri="{9D8B030D-6E8A-4147-A177-3AD203B41FA5}">
+                      <a16:colId xmlns:a16="http://schemas.microsoft.com/office/drawing/2014/main" val="2247143488"/>
+                    </a:ext>
+                  </a:extLst>
+                </a:gridCol>
+                <a:gridCol w="802464">
+                  <a:extLst>
+                    <a:ext uri="{9D8B030D-6E8A-4147-A177-3AD203B41FA5}">
+                      <a16:colId xmlns:a16="http://schemas.microsoft.com/office/drawing/2014/main" val="1689027359"/>
+                    </a:ext>
+                  </a:extLst>
+                </a:gridCol>
+              </a:tblGrid>
+              <a:tr h="90584">
+                <a:tc>
+                  <a:txBody>
+                    <a:bodyPr/>
+                    <a:lstStyle/>
+                    <a:p>
+                      <a:pPr algn="ctr"/>
+                      <a:endParaRPr lang="de-DE" sz="500" dirty="0"/>
+                    </a:p>
+                  </a:txBody>
+                  <a:tcPr marL="0" marR="0" marT="0" marB="0"/>
+                </a:tc>
+                <a:tc>
+                  <a:txBody>
+                    <a:bodyPr/>
+                    <a:lstStyle/>
+                    <a:p>
+                      <a:pPr algn="ctr"/>
+                      <a:r>
+                        <a:rPr lang="de-DE" sz="500" dirty="0"/>
+                        <a:t>Free</a:t>
+                      </a:r>
+                    </a:p>
+                  </a:txBody>
+                  <a:tcPr marL="0" marR="0" marT="0" marB="0"/>
+                </a:tc>
+                <a:extLst>
+                  <a:ext uri="{0D108BD9-81ED-4DB2-BD59-A6C34878D82A}">
+                    <a16:rowId xmlns:a16="http://schemas.microsoft.com/office/drawing/2014/main" val="757161003"/>
+                  </a:ext>
+                </a:extLst>
+              </a:tr>
+              <a:tr h="94464">
+                <a:tc>
+                  <a:txBody>
+                    <a:bodyPr/>
+                    <a:lstStyle/>
+                    <a:p>
+                      <a:pPr algn="ctr"/>
+                      <a:endParaRPr lang="de-DE" sz="500" dirty="0"/>
+                    </a:p>
+                  </a:txBody>
+                  <a:tcPr marL="0" marR="0" marT="0" marB="0"/>
+                </a:tc>
+                <a:tc>
+                  <a:txBody>
+                    <a:bodyPr/>
+                    <a:lstStyle/>
+                    <a:p>
+                      <a:pPr algn="ctr"/>
+                      <a:r>
+                        <a:rPr lang="de-DE" sz="500" dirty="0" err="1"/>
+                        <a:t>Einschenktaster</a:t>
+                      </a:r>
+                      <a:r>
+                        <a:rPr lang="de-DE" sz="500" dirty="0"/>
+                        <a:t> Einschenken</a:t>
+                      </a:r>
+                    </a:p>
+                  </a:txBody>
+                  <a:tcPr marL="0" marR="0" marT="0" marB="0"/>
+                </a:tc>
+                <a:extLst>
+                  <a:ext uri="{0D108BD9-81ED-4DB2-BD59-A6C34878D82A}">
+                    <a16:rowId xmlns:a16="http://schemas.microsoft.com/office/drawing/2014/main" val="3585788346"/>
+                  </a:ext>
+                </a:extLst>
+              </a:tr>
+              <a:tr h="94464">
+                <a:tc>
+                  <a:txBody>
+                    <a:bodyPr/>
+                    <a:lstStyle/>
+                    <a:p>
+                      <a:pPr algn="ctr"/>
+                      <a:endParaRPr lang="de-DE" sz="500" dirty="0"/>
+                    </a:p>
+                  </a:txBody>
+                  <a:tcPr marL="0" marR="0" marT="0" marB="0"/>
+                </a:tc>
+                <a:tc>
+                  <a:txBody>
+                    <a:bodyPr/>
+                    <a:lstStyle/>
+                    <a:p>
+                      <a:pPr algn="ctr"/>
+                      <a:r>
+                        <a:rPr lang="de-DE" sz="500" dirty="0"/>
+                        <a:t>Ethernet</a:t>
+                      </a:r>
+                    </a:p>
+                  </a:txBody>
+                  <a:tcPr marL="0" marR="0" marT="0" marB="0"/>
+                </a:tc>
+                <a:extLst>
+                  <a:ext uri="{0D108BD9-81ED-4DB2-BD59-A6C34878D82A}">
+                    <a16:rowId xmlns:a16="http://schemas.microsoft.com/office/drawing/2014/main" val="4011782113"/>
+                  </a:ext>
+                </a:extLst>
+              </a:tr>
+              <a:tr h="90584">
+                <a:tc>
+                  <a:txBody>
+                    <a:bodyPr/>
+                    <a:lstStyle/>
+                    <a:p>
+                      <a:pPr algn="ctr"/>
+                      <a:endParaRPr lang="de-DE" sz="500" dirty="0"/>
+                    </a:p>
+                  </a:txBody>
+                  <a:tcPr marL="0" marR="0" marT="0" marB="0"/>
+                </a:tc>
+                <a:tc>
+                  <a:txBody>
+                    <a:bodyPr/>
+                    <a:lstStyle/>
+                    <a:p>
+                      <a:pPr algn="ctr"/>
+                      <a:r>
+                        <a:rPr lang="de-DE" sz="500" dirty="0"/>
+                        <a:t>Endtaster Glas </a:t>
+                      </a:r>
+                      <a:r>
+                        <a:rPr lang="de-DE" sz="500" dirty="0" err="1"/>
+                        <a:t>Endmodul</a:t>
+                      </a:r>
+                      <a:endParaRPr lang="de-DE" sz="500" dirty="0"/>
+                    </a:p>
+                  </a:txBody>
+                  <a:tcPr marL="0" marR="0" marT="0" marB="0"/>
+                </a:tc>
+                <a:extLst>
+                  <a:ext uri="{0D108BD9-81ED-4DB2-BD59-A6C34878D82A}">
+                    <a16:rowId xmlns:a16="http://schemas.microsoft.com/office/drawing/2014/main" val="1776939531"/>
+                  </a:ext>
+                </a:extLst>
+              </a:tr>
+              <a:tr h="94464">
+                <a:tc>
+                  <a:txBody>
+                    <a:bodyPr/>
+                    <a:lstStyle/>
+                    <a:p>
+                      <a:pPr algn="ctr"/>
+                      <a:endParaRPr lang="de-DE" sz="500" dirty="0"/>
+                    </a:p>
+                  </a:txBody>
+                  <a:tcPr marL="0" marR="0" marT="0" marB="0"/>
+                </a:tc>
+                <a:tc>
+                  <a:txBody>
+                    <a:bodyPr/>
+                    <a:lstStyle/>
+                    <a:p>
+                      <a:pPr algn="ctr"/>
+                      <a:r>
+                        <a:rPr lang="de-DE" sz="500" dirty="0"/>
+                        <a:t>Lichtschranke Herausholen</a:t>
+                      </a:r>
+                    </a:p>
+                  </a:txBody>
+                  <a:tcPr marL="0" marR="0" marT="0" marB="0"/>
+                </a:tc>
+                <a:extLst>
+                  <a:ext uri="{0D108BD9-81ED-4DB2-BD59-A6C34878D82A}">
+                    <a16:rowId xmlns:a16="http://schemas.microsoft.com/office/drawing/2014/main" val="1683176861"/>
+                  </a:ext>
+                </a:extLst>
+              </a:tr>
+              <a:tr h="94464">
+                <a:tc>
+                  <a:txBody>
+                    <a:bodyPr/>
+                    <a:lstStyle/>
+                    <a:p>
+                      <a:pPr algn="ctr"/>
+                      <a:r>
+                        <a:rPr lang="de-DE" sz="500" dirty="0"/>
+                        <a:t>TIM3_CH2</a:t>
+                      </a:r>
+                    </a:p>
+                  </a:txBody>
+                  <a:tcPr marL="0" marR="0" marT="0" marB="0"/>
+                </a:tc>
+                <a:tc>
+                  <a:txBody>
+                    <a:bodyPr/>
+                    <a:lstStyle/>
+                    <a:p>
+                      <a:pPr algn="ctr"/>
+                      <a:r>
+                        <a:rPr lang="de-DE" sz="500" dirty="0"/>
+                        <a:t>Motor Einschenken</a:t>
+                      </a:r>
+                    </a:p>
+                  </a:txBody>
+                  <a:tcPr marL="0" marR="0" marT="0" marB="0"/>
+                </a:tc>
+                <a:extLst>
+                  <a:ext uri="{0D108BD9-81ED-4DB2-BD59-A6C34878D82A}">
+                    <a16:rowId xmlns:a16="http://schemas.microsoft.com/office/drawing/2014/main" val="2497901086"/>
+                  </a:ext>
+                </a:extLst>
+              </a:tr>
+              <a:tr h="94464">
+                <a:tc>
+                  <a:txBody>
+                    <a:bodyPr/>
+                    <a:lstStyle/>
+                    <a:p>
+                      <a:pPr algn="ctr"/>
+                      <a:endParaRPr lang="de-DE" sz="500" dirty="0"/>
+                    </a:p>
+                  </a:txBody>
+                  <a:tcPr marL="0" marR="0" marT="0" marB="0"/>
+                </a:tc>
+                <a:tc>
+                  <a:txBody>
+                    <a:bodyPr/>
+                    <a:lstStyle/>
+                    <a:p>
+                      <a:pPr algn="ctr"/>
+                      <a:r>
+                        <a:rPr lang="de-DE" sz="500" dirty="0"/>
+                        <a:t>Free</a:t>
+                      </a:r>
+                    </a:p>
+                  </a:txBody>
+                  <a:tcPr marL="0" marR="0" marT="0" marB="0"/>
+                </a:tc>
+                <a:extLst>
+                  <a:ext uri="{0D108BD9-81ED-4DB2-BD59-A6C34878D82A}">
+                    <a16:rowId xmlns:a16="http://schemas.microsoft.com/office/drawing/2014/main" val="1674122405"/>
+                  </a:ext>
+                </a:extLst>
+              </a:tr>
+              <a:tr h="94464">
+                <a:tc>
+                  <a:txBody>
+                    <a:bodyPr/>
+                    <a:lstStyle/>
+                    <a:p>
+                      <a:pPr algn="ctr"/>
+                      <a:endParaRPr lang="de-DE" sz="500" dirty="0"/>
+                    </a:p>
+                  </a:txBody>
+                  <a:tcPr marL="0" marR="0" marT="0" marB="0"/>
+                </a:tc>
+                <a:tc>
+                  <a:txBody>
+                    <a:bodyPr/>
+                    <a:lstStyle/>
+                    <a:p>
+                      <a:pPr algn="ctr"/>
+                      <a:r>
+                        <a:rPr lang="de-DE" sz="500" dirty="0"/>
+                        <a:t>USB</a:t>
+                      </a:r>
+                    </a:p>
+                  </a:txBody>
+                  <a:tcPr marL="0" marR="0" marT="0" marB="0"/>
+                </a:tc>
+                <a:extLst>
+                  <a:ext uri="{0D108BD9-81ED-4DB2-BD59-A6C34878D82A}">
+                    <a16:rowId xmlns:a16="http://schemas.microsoft.com/office/drawing/2014/main" val="2120531629"/>
+                  </a:ext>
+                </a:extLst>
+              </a:tr>
+              <a:tr h="94464">
+                <a:tc>
+                  <a:txBody>
+                    <a:bodyPr/>
+                    <a:lstStyle/>
+                    <a:p>
+                      <a:pPr algn="ctr"/>
+                      <a:endParaRPr lang="de-DE" sz="500" dirty="0"/>
+                    </a:p>
+                  </a:txBody>
+                  <a:tcPr marL="0" marR="0" marT="0" marB="0"/>
+                </a:tc>
+                <a:tc>
+                  <a:txBody>
+                    <a:bodyPr/>
+                    <a:lstStyle/>
+                    <a:p>
+                      <a:pPr algn="ctr"/>
+                      <a:r>
+                        <a:rPr lang="de-DE" sz="500" dirty="0"/>
+                        <a:t>Free</a:t>
+                      </a:r>
+                    </a:p>
+                  </a:txBody>
+                  <a:tcPr marL="0" marR="0" marT="0" marB="0"/>
+                </a:tc>
+                <a:extLst>
+                  <a:ext uri="{0D108BD9-81ED-4DB2-BD59-A6C34878D82A}">
+                    <a16:rowId xmlns:a16="http://schemas.microsoft.com/office/drawing/2014/main" val="2749798710"/>
+                  </a:ext>
+                </a:extLst>
+              </a:tr>
+              <a:tr h="94464">
+                <a:tc>
+                  <a:txBody>
+                    <a:bodyPr/>
+                    <a:lstStyle/>
+                    <a:p>
+                      <a:pPr algn="ctr"/>
+                      <a:endParaRPr lang="de-DE" sz="500" dirty="0"/>
+                    </a:p>
+                  </a:txBody>
+                  <a:tcPr marL="0" marR="0" marT="0" marB="0"/>
+                </a:tc>
+                <a:tc>
+                  <a:txBody>
+                    <a:bodyPr/>
+                    <a:lstStyle/>
+                    <a:p>
+                      <a:pPr algn="ctr"/>
+                      <a:r>
+                        <a:rPr lang="de-DE" sz="500" dirty="0"/>
+                        <a:t>Free</a:t>
+                      </a:r>
+                    </a:p>
+                  </a:txBody>
+                  <a:tcPr marL="0" marR="0" marT="0" marB="0"/>
+                </a:tc>
+                <a:extLst>
+                  <a:ext uri="{0D108BD9-81ED-4DB2-BD59-A6C34878D82A}">
+                    <a16:rowId xmlns:a16="http://schemas.microsoft.com/office/drawing/2014/main" val="3963920753"/>
+                  </a:ext>
+                </a:extLst>
+              </a:tr>
+            </a:tbl>
+          </a:graphicData>
+        </a:graphic>
+      </p:graphicFrame>
+      <p:graphicFrame>
+        <p:nvGraphicFramePr>
+          <p:cNvPr id="13" name="Tabelle 12">
+            <a:extLst>
+              <a:ext uri="{FF2B5EF4-FFF2-40B4-BE49-F238E27FC236}">
+                <a16:creationId xmlns:a16="http://schemas.microsoft.com/office/drawing/2014/main" id="{ED14D7C9-F2CF-4822-A712-ECB44179C4C2}"/>
+              </a:ext>
+            </a:extLst>
+          </p:cNvPr>
+          <p:cNvGraphicFramePr>
+            <a:graphicFrameLocks noGrp="1"/>
+          </p:cNvGraphicFramePr>
+          <p:nvPr>
+            <p:extLst>
+              <p:ext uri="{D42A27DB-BD31-4B8C-83A1-F6EECF244321}">
+                <p14:modId xmlns:p14="http://schemas.microsoft.com/office/powerpoint/2010/main" val="4178539578"/>
+              </p:ext>
+            </p:extLst>
+          </p:nvPr>
+        </p:nvGraphicFramePr>
+        <p:xfrm>
+          <a:off x="8319496" y="3185160"/>
+          <a:ext cx="1012014" cy="1543213"/>
+        </p:xfrm>
+        <a:graphic>
+          <a:graphicData uri="http://schemas.openxmlformats.org/drawingml/2006/table">
+            <a:tbl>
+              <a:tblPr bandRow="1">
+                <a:tableStyleId>{5C22544A-7EE6-4342-B048-85BDC9FD1C3A}</a:tableStyleId>
+              </a:tblPr>
+              <a:tblGrid>
+                <a:gridCol w="506007">
+                  <a:extLst>
+                    <a:ext uri="{9D8B030D-6E8A-4147-A177-3AD203B41FA5}">
+                      <a16:colId xmlns:a16="http://schemas.microsoft.com/office/drawing/2014/main" val="772889815"/>
+                    </a:ext>
+                  </a:extLst>
+                </a:gridCol>
+                <a:gridCol w="506007">
+                  <a:extLst>
+                    <a:ext uri="{9D8B030D-6E8A-4147-A177-3AD203B41FA5}">
+                      <a16:colId xmlns:a16="http://schemas.microsoft.com/office/drawing/2014/main" val="2247143488"/>
+                    </a:ext>
+                  </a:extLst>
+                </a:gridCol>
+              </a:tblGrid>
+              <a:tr h="87532">
+                <a:tc>
+                  <a:txBody>
+                    <a:bodyPr/>
+                    <a:lstStyle/>
+                    <a:p>
+                      <a:pPr algn="ctr"/>
+                      <a:r>
+                        <a:rPr lang="de-DE" sz="500" dirty="0"/>
+                        <a:t>Free</a:t>
+                      </a:r>
+                    </a:p>
+                  </a:txBody>
+                  <a:tcPr marL="0" marR="0" marT="0" marB="0"/>
+                </a:tc>
+                <a:tc>
+                  <a:txBody>
+                    <a:bodyPr/>
+                    <a:lstStyle/>
+                    <a:p>
+                      <a:pPr algn="ctr"/>
+                      <a:endParaRPr lang="de-DE" sz="500" dirty="0"/>
+                    </a:p>
+                  </a:txBody>
+                  <a:tcPr marL="0" marR="0" marT="0" marB="0"/>
+                </a:tc>
+                <a:extLst>
+                  <a:ext uri="{0D108BD9-81ED-4DB2-BD59-A6C34878D82A}">
+                    <a16:rowId xmlns:a16="http://schemas.microsoft.com/office/drawing/2014/main" val="4002941926"/>
+                  </a:ext>
+                </a:extLst>
+              </a:tr>
+              <a:tr h="87532">
+                <a:tc>
+                  <a:txBody>
+                    <a:bodyPr/>
+                    <a:lstStyle/>
+                    <a:p>
+                      <a:pPr algn="ctr"/>
+                      <a:r>
+                        <a:rPr lang="de-DE" sz="500" dirty="0"/>
+                        <a:t>Free</a:t>
+                      </a:r>
+                    </a:p>
+                  </a:txBody>
+                  <a:tcPr marL="0" marR="0" marT="0" marB="0"/>
+                </a:tc>
+                <a:tc>
+                  <a:txBody>
+                    <a:bodyPr/>
+                    <a:lstStyle/>
+                    <a:p>
+                      <a:pPr algn="ctr"/>
+                      <a:endParaRPr lang="de-DE" sz="500" dirty="0"/>
+                    </a:p>
+                  </a:txBody>
+                  <a:tcPr marL="0" marR="0" marT="0" marB="0"/>
+                </a:tc>
+                <a:extLst>
+                  <a:ext uri="{0D108BD9-81ED-4DB2-BD59-A6C34878D82A}">
+                    <a16:rowId xmlns:a16="http://schemas.microsoft.com/office/drawing/2014/main" val="1380056459"/>
+                  </a:ext>
+                </a:extLst>
+              </a:tr>
+              <a:tr h="87532">
+                <a:tc>
+                  <a:txBody>
+                    <a:bodyPr/>
+                    <a:lstStyle/>
+                    <a:p>
+                      <a:pPr algn="ctr"/>
+                      <a:r>
+                        <a:rPr lang="de-DE" sz="500" dirty="0"/>
+                        <a:t>Free</a:t>
+                      </a:r>
+                    </a:p>
+                  </a:txBody>
+                  <a:tcPr marL="0" marR="0" marT="0" marB="0"/>
+                </a:tc>
+                <a:tc>
+                  <a:txBody>
+                    <a:bodyPr/>
+                    <a:lstStyle/>
+                    <a:p>
+                      <a:pPr algn="ctr"/>
+                      <a:endParaRPr lang="de-DE" sz="500" dirty="0"/>
+                    </a:p>
+                  </a:txBody>
+                  <a:tcPr marL="0" marR="0" marT="0" marB="0"/>
+                </a:tc>
+                <a:extLst>
+                  <a:ext uri="{0D108BD9-81ED-4DB2-BD59-A6C34878D82A}">
+                    <a16:rowId xmlns:a16="http://schemas.microsoft.com/office/drawing/2014/main" val="757161003"/>
+                  </a:ext>
+                </a:extLst>
+              </a:tr>
+              <a:tr h="91281">
+                <a:tc>
+                  <a:txBody>
+                    <a:bodyPr/>
+                    <a:lstStyle/>
+                    <a:p>
+                      <a:pPr algn="ctr"/>
+                      <a:r>
+                        <a:rPr lang="de-DE" sz="500" dirty="0"/>
+                        <a:t>Free</a:t>
+                      </a:r>
+                    </a:p>
+                  </a:txBody>
+                  <a:tcPr marL="0" marR="0" marT="0" marB="0"/>
+                </a:tc>
+                <a:tc>
+                  <a:txBody>
+                    <a:bodyPr/>
+                    <a:lstStyle/>
+                    <a:p>
+                      <a:pPr algn="ctr"/>
+                      <a:endParaRPr lang="de-DE" sz="500" dirty="0"/>
+                    </a:p>
+                  </a:txBody>
+                  <a:tcPr marL="0" marR="0" marT="0" marB="0"/>
+                </a:tc>
+                <a:extLst>
+                  <a:ext uri="{0D108BD9-81ED-4DB2-BD59-A6C34878D82A}">
+                    <a16:rowId xmlns:a16="http://schemas.microsoft.com/office/drawing/2014/main" val="3585788346"/>
+                  </a:ext>
+                </a:extLst>
+              </a:tr>
+              <a:tr h="91281">
+                <a:tc>
+                  <a:txBody>
+                    <a:bodyPr/>
+                    <a:lstStyle/>
+                    <a:p>
+                      <a:pPr algn="ctr"/>
+                      <a:r>
+                        <a:rPr lang="de-DE" sz="500" dirty="0"/>
+                        <a:t>Free</a:t>
+                      </a:r>
+                    </a:p>
+                  </a:txBody>
+                  <a:tcPr marL="0" marR="0" marT="0" marB="0"/>
+                </a:tc>
+                <a:tc>
+                  <a:txBody>
+                    <a:bodyPr/>
+                    <a:lstStyle/>
+                    <a:p>
+                      <a:pPr algn="ctr"/>
+                      <a:endParaRPr lang="de-DE" sz="500" dirty="0"/>
+                    </a:p>
+                  </a:txBody>
+                  <a:tcPr marL="0" marR="0" marT="0" marB="0"/>
+                </a:tc>
+                <a:extLst>
+                  <a:ext uri="{0D108BD9-81ED-4DB2-BD59-A6C34878D82A}">
+                    <a16:rowId xmlns:a16="http://schemas.microsoft.com/office/drawing/2014/main" val="4011782113"/>
+                  </a:ext>
+                </a:extLst>
+              </a:tr>
+              <a:tr h="87532">
+                <a:tc>
+                  <a:txBody>
+                    <a:bodyPr/>
+                    <a:lstStyle/>
+                    <a:p>
+                      <a:pPr algn="ctr"/>
+                      <a:r>
+                        <a:rPr lang="de-DE" sz="500" dirty="0"/>
+                        <a:t>Free</a:t>
+                      </a:r>
+                    </a:p>
+                  </a:txBody>
+                  <a:tcPr marL="0" marR="0" marT="0" marB="0"/>
+                </a:tc>
+                <a:tc>
+                  <a:txBody>
+                    <a:bodyPr/>
+                    <a:lstStyle/>
+                    <a:p>
+                      <a:pPr algn="ctr"/>
+                      <a:endParaRPr lang="de-DE" sz="500" dirty="0"/>
+                    </a:p>
+                  </a:txBody>
+                  <a:tcPr marL="0" marR="0" marT="0" marB="0"/>
+                </a:tc>
+                <a:extLst>
+                  <a:ext uri="{0D108BD9-81ED-4DB2-BD59-A6C34878D82A}">
+                    <a16:rowId xmlns:a16="http://schemas.microsoft.com/office/drawing/2014/main" val="1776939531"/>
+                  </a:ext>
+                </a:extLst>
+              </a:tr>
+              <a:tr h="91281">
+                <a:tc>
+                  <a:txBody>
+                    <a:bodyPr/>
+                    <a:lstStyle/>
+                    <a:p>
+                      <a:pPr algn="ctr"/>
+                      <a:r>
+                        <a:rPr lang="de-DE" sz="500" dirty="0"/>
+                        <a:t>Free</a:t>
+                      </a:r>
+                    </a:p>
+                  </a:txBody>
+                  <a:tcPr marL="0" marR="0" marT="0" marB="0"/>
+                </a:tc>
+                <a:tc>
+                  <a:txBody>
+                    <a:bodyPr/>
+                    <a:lstStyle/>
+                    <a:p>
+                      <a:pPr algn="ctr"/>
+                      <a:endParaRPr lang="de-DE" sz="500" dirty="0"/>
+                    </a:p>
+                  </a:txBody>
+                  <a:tcPr marL="0" marR="0" marT="0" marB="0"/>
+                </a:tc>
+                <a:extLst>
+                  <a:ext uri="{0D108BD9-81ED-4DB2-BD59-A6C34878D82A}">
+                    <a16:rowId xmlns:a16="http://schemas.microsoft.com/office/drawing/2014/main" val="1683176861"/>
+                  </a:ext>
+                </a:extLst>
+              </a:tr>
+              <a:tr h="91281">
+                <a:tc>
+                  <a:txBody>
+                    <a:bodyPr/>
+                    <a:lstStyle/>
+                    <a:p>
+                      <a:pPr algn="ctr"/>
+                      <a:r>
+                        <a:rPr lang="de-DE" sz="500" dirty="0"/>
+                        <a:t>Free</a:t>
+                      </a:r>
+                    </a:p>
+                  </a:txBody>
+                  <a:tcPr marL="0" marR="0" marT="0" marB="0"/>
+                </a:tc>
+                <a:tc>
+                  <a:txBody>
+                    <a:bodyPr/>
+                    <a:lstStyle/>
+                    <a:p>
+                      <a:pPr algn="ctr"/>
+                      <a:endParaRPr lang="de-DE" sz="500" dirty="0"/>
+                    </a:p>
+                  </a:txBody>
+                  <a:tcPr marL="0" marR="0" marT="0" marB="0"/>
+                </a:tc>
+                <a:extLst>
+                  <a:ext uri="{0D108BD9-81ED-4DB2-BD59-A6C34878D82A}">
+                    <a16:rowId xmlns:a16="http://schemas.microsoft.com/office/drawing/2014/main" val="2497901086"/>
+                  </a:ext>
+                </a:extLst>
+              </a:tr>
+              <a:tr h="91281">
+                <a:tc>
+                  <a:txBody>
+                    <a:bodyPr/>
+                    <a:lstStyle/>
+                    <a:p>
+                      <a:pPr algn="ctr"/>
+                      <a:r>
+                        <a:rPr lang="de-DE" sz="500" dirty="0"/>
+                        <a:t>Free</a:t>
+                      </a:r>
+                    </a:p>
+                  </a:txBody>
+                  <a:tcPr marL="0" marR="0" marT="0" marB="0"/>
+                </a:tc>
+                <a:tc>
+                  <a:txBody>
+                    <a:bodyPr/>
+                    <a:lstStyle/>
+                    <a:p>
+                      <a:pPr algn="ctr"/>
+                      <a:endParaRPr lang="de-DE" sz="500" dirty="0"/>
+                    </a:p>
+                  </a:txBody>
+                  <a:tcPr marL="0" marR="0" marT="0" marB="0"/>
+                </a:tc>
+                <a:extLst>
+                  <a:ext uri="{0D108BD9-81ED-4DB2-BD59-A6C34878D82A}">
+                    <a16:rowId xmlns:a16="http://schemas.microsoft.com/office/drawing/2014/main" val="2749798710"/>
+                  </a:ext>
+                </a:extLst>
+              </a:tr>
+              <a:tr h="97713">
+                <a:tc>
+                  <a:txBody>
+                    <a:bodyPr/>
+                    <a:lstStyle/>
+                    <a:p>
+                      <a:pPr marL="0" marR="0" lvl="0" indent="0" algn="ctr" defTabSz="914400" rtl="0" eaLnBrk="1" fontAlgn="auto" latinLnBrk="0" hangingPunct="1">
+                        <a:lnSpc>
+                          <a:spcPct val="100000"/>
+                        </a:lnSpc>
+                        <a:spcBef>
+                          <a:spcPts val="0"/>
+                        </a:spcBef>
+                        <a:spcAft>
+                          <a:spcPts val="0"/>
+                        </a:spcAft>
+                        <a:buClrTx/>
+                        <a:buSzTx/>
+                        <a:buFontTx/>
+                        <a:buNone/>
+                        <a:tabLst/>
+                        <a:defRPr/>
+                      </a:pPr>
+                      <a:r>
+                        <a:rPr lang="de-DE" sz="500" dirty="0"/>
+                        <a:t>Free</a:t>
+                      </a:r>
+                    </a:p>
+                  </a:txBody>
+                  <a:tcPr marL="0" marR="0" marT="0" marB="0"/>
+                </a:tc>
+                <a:tc>
+                  <a:txBody>
+                    <a:bodyPr/>
+                    <a:lstStyle/>
+                    <a:p>
+                      <a:pPr algn="ctr"/>
+                      <a:endParaRPr lang="de-DE" sz="500" dirty="0"/>
+                    </a:p>
+                  </a:txBody>
+                  <a:tcPr marL="0" marR="0" marT="0" marB="0"/>
+                </a:tc>
+                <a:extLst>
+                  <a:ext uri="{0D108BD9-81ED-4DB2-BD59-A6C34878D82A}">
+                    <a16:rowId xmlns:a16="http://schemas.microsoft.com/office/drawing/2014/main" val="3963920753"/>
+                  </a:ext>
+                </a:extLst>
+              </a:tr>
+              <a:tr h="91281">
+                <a:tc>
+                  <a:txBody>
+                    <a:bodyPr/>
+                    <a:lstStyle/>
+                    <a:p>
+                      <a:pPr algn="ctr"/>
+                      <a:r>
+                        <a:rPr lang="de-DE" sz="500" dirty="0"/>
+                        <a:t>NC</a:t>
+                      </a:r>
+                    </a:p>
+                  </a:txBody>
+                  <a:tcPr marL="0" marR="0" marT="0" marB="0"/>
+                </a:tc>
+                <a:tc>
+                  <a:txBody>
+                    <a:bodyPr/>
+                    <a:lstStyle/>
+                    <a:p>
+                      <a:pPr algn="ctr"/>
+                      <a:endParaRPr lang="de-DE" sz="500" dirty="0"/>
+                    </a:p>
+                  </a:txBody>
+                  <a:tcPr marL="0" marR="0" marT="0" marB="0"/>
+                </a:tc>
+                <a:extLst>
+                  <a:ext uri="{0D108BD9-81ED-4DB2-BD59-A6C34878D82A}">
+                    <a16:rowId xmlns:a16="http://schemas.microsoft.com/office/drawing/2014/main" val="2487191324"/>
+                  </a:ext>
+                </a:extLst>
+              </a:tr>
+              <a:tr h="91281">
+                <a:tc>
+                  <a:txBody>
+                    <a:bodyPr/>
+                    <a:lstStyle/>
+                    <a:p>
+                      <a:pPr algn="ctr"/>
+                      <a:r>
+                        <a:rPr lang="de-DE" sz="500" dirty="0"/>
+                        <a:t>Free</a:t>
+                      </a:r>
+                    </a:p>
+                  </a:txBody>
+                  <a:tcPr marL="0" marR="0" marT="0" marB="0"/>
+                </a:tc>
+                <a:tc>
+                  <a:txBody>
+                    <a:bodyPr/>
+                    <a:lstStyle/>
+                    <a:p>
+                      <a:pPr algn="ctr"/>
+                      <a:endParaRPr lang="de-DE" sz="500" dirty="0"/>
+                    </a:p>
+                  </a:txBody>
+                  <a:tcPr marL="0" marR="0" marT="0" marB="0"/>
+                </a:tc>
+                <a:extLst>
+                  <a:ext uri="{0D108BD9-81ED-4DB2-BD59-A6C34878D82A}">
+                    <a16:rowId xmlns:a16="http://schemas.microsoft.com/office/drawing/2014/main" val="798089714"/>
+                  </a:ext>
+                </a:extLst>
+              </a:tr>
+              <a:tr h="91281">
+                <a:tc>
+                  <a:txBody>
+                    <a:bodyPr/>
+                    <a:lstStyle/>
+                    <a:p>
+                      <a:pPr algn="ctr"/>
+                      <a:r>
+                        <a:rPr lang="de-DE" sz="500" dirty="0"/>
+                        <a:t>Free</a:t>
+                      </a:r>
+                    </a:p>
+                  </a:txBody>
+                  <a:tcPr marL="0" marR="0" marT="0" marB="0"/>
+                </a:tc>
+                <a:tc>
+                  <a:txBody>
+                    <a:bodyPr/>
+                    <a:lstStyle/>
+                    <a:p>
+                      <a:pPr algn="ctr"/>
+                      <a:endParaRPr lang="de-DE" sz="500" dirty="0"/>
+                    </a:p>
+                  </a:txBody>
+                  <a:tcPr marL="0" marR="0" marT="0" marB="0"/>
+                </a:tc>
+                <a:extLst>
+                  <a:ext uri="{0D108BD9-81ED-4DB2-BD59-A6C34878D82A}">
+                    <a16:rowId xmlns:a16="http://schemas.microsoft.com/office/drawing/2014/main" val="1918283735"/>
+                  </a:ext>
+                </a:extLst>
+              </a:tr>
+              <a:tr h="91281">
+                <a:tc>
+                  <a:txBody>
+                    <a:bodyPr/>
+                    <a:lstStyle/>
+                    <a:p>
+                      <a:pPr algn="ctr"/>
+                      <a:r>
+                        <a:rPr lang="de-DE" sz="500" dirty="0"/>
+                        <a:t>Free</a:t>
+                      </a:r>
+                    </a:p>
+                  </a:txBody>
+                  <a:tcPr marL="0" marR="0" marT="0" marB="0"/>
+                </a:tc>
+                <a:tc>
+                  <a:txBody>
+                    <a:bodyPr/>
+                    <a:lstStyle/>
+                    <a:p>
+                      <a:pPr algn="ctr"/>
+                      <a:endParaRPr lang="de-DE" sz="500" dirty="0"/>
+                    </a:p>
+                  </a:txBody>
+                  <a:tcPr marL="0" marR="0" marT="0" marB="0"/>
+                </a:tc>
+                <a:extLst>
+                  <a:ext uri="{0D108BD9-81ED-4DB2-BD59-A6C34878D82A}">
+                    <a16:rowId xmlns:a16="http://schemas.microsoft.com/office/drawing/2014/main" val="1864289848"/>
+                  </a:ext>
+                </a:extLst>
+              </a:tr>
+              <a:tr h="91281">
+                <a:tc>
+                  <a:txBody>
+                    <a:bodyPr/>
+                    <a:lstStyle/>
+                    <a:p>
+                      <a:pPr algn="ctr"/>
+                      <a:r>
+                        <a:rPr lang="de-DE" sz="500" dirty="0"/>
+                        <a:t>Free</a:t>
+                      </a:r>
+                    </a:p>
+                  </a:txBody>
+                  <a:tcPr marL="0" marR="0" marT="0" marB="0"/>
+                </a:tc>
+                <a:tc>
+                  <a:txBody>
+                    <a:bodyPr/>
+                    <a:lstStyle/>
+                    <a:p>
+                      <a:pPr algn="ctr"/>
+                      <a:endParaRPr lang="de-DE" sz="500" dirty="0"/>
+                    </a:p>
+                  </a:txBody>
+                  <a:tcPr marL="0" marR="0" marT="0" marB="0"/>
+                </a:tc>
+                <a:extLst>
+                  <a:ext uri="{0D108BD9-81ED-4DB2-BD59-A6C34878D82A}">
+                    <a16:rowId xmlns:a16="http://schemas.microsoft.com/office/drawing/2014/main" val="971448709"/>
+                  </a:ext>
+                </a:extLst>
+              </a:tr>
+              <a:tr h="91281">
+                <a:tc>
+                  <a:txBody>
+                    <a:bodyPr/>
+                    <a:lstStyle/>
+                    <a:p>
+                      <a:pPr algn="ctr"/>
+                      <a:r>
+                        <a:rPr lang="de-DE" sz="500" dirty="0"/>
+                        <a:t>Motor Plattform</a:t>
+                      </a:r>
+                    </a:p>
+                  </a:txBody>
+                  <a:tcPr marL="0" marR="0" marT="0" marB="0"/>
+                </a:tc>
+                <a:tc>
+                  <a:txBody>
+                    <a:bodyPr/>
+                    <a:lstStyle/>
+                    <a:p>
+                      <a:pPr algn="ctr"/>
+                      <a:r>
+                        <a:rPr lang="de-DE" sz="500" dirty="0"/>
+                        <a:t>TIM2_CH3</a:t>
+                      </a:r>
+                    </a:p>
+                  </a:txBody>
+                  <a:tcPr marL="0" marR="0" marT="0" marB="0"/>
+                </a:tc>
+                <a:extLst>
+                  <a:ext uri="{0D108BD9-81ED-4DB2-BD59-A6C34878D82A}">
+                    <a16:rowId xmlns:a16="http://schemas.microsoft.com/office/drawing/2014/main" val="1746447337"/>
+                  </a:ext>
+                </a:extLst>
+              </a:tr>
+              <a:tr h="91281">
+                <a:tc>
+                  <a:txBody>
+                    <a:bodyPr/>
+                    <a:lstStyle/>
+                    <a:p>
+                      <a:pPr algn="ctr"/>
+                      <a:r>
+                        <a:rPr lang="de-DE" sz="500" dirty="0"/>
+                        <a:t>Free</a:t>
+                      </a:r>
+                    </a:p>
+                  </a:txBody>
+                  <a:tcPr marL="0" marR="0" marT="0" marB="0"/>
+                </a:tc>
+                <a:tc>
+                  <a:txBody>
+                    <a:bodyPr/>
+                    <a:lstStyle/>
+                    <a:p>
+                      <a:pPr algn="ctr"/>
+                      <a:endParaRPr lang="de-DE" sz="500" dirty="0"/>
+                    </a:p>
+                  </a:txBody>
+                  <a:tcPr marL="0" marR="0" marT="0" marB="0"/>
+                </a:tc>
+                <a:extLst>
+                  <a:ext uri="{0D108BD9-81ED-4DB2-BD59-A6C34878D82A}">
+                    <a16:rowId xmlns:a16="http://schemas.microsoft.com/office/drawing/2014/main" val="2120274072"/>
+                  </a:ext>
+                </a:extLst>
+              </a:tr>
+            </a:tbl>
+          </a:graphicData>
+        </a:graphic>
+      </p:graphicFrame>
+      <p:graphicFrame>
+        <p:nvGraphicFramePr>
+          <p:cNvPr id="14" name="Tabelle 13">
+            <a:extLst>
+              <a:ext uri="{FF2B5EF4-FFF2-40B4-BE49-F238E27FC236}">
+                <a16:creationId xmlns:a16="http://schemas.microsoft.com/office/drawing/2014/main" id="{9FD412E5-A5FA-4ABD-81C8-2575C9FA184D}"/>
+              </a:ext>
+            </a:extLst>
+          </p:cNvPr>
+          <p:cNvGraphicFramePr>
+            <a:graphicFrameLocks noGrp="1"/>
+          </p:cNvGraphicFramePr>
+          <p:nvPr>
+            <p:extLst>
+              <p:ext uri="{D42A27DB-BD31-4B8C-83A1-F6EECF244321}">
+                <p14:modId xmlns:p14="http://schemas.microsoft.com/office/powerpoint/2010/main" val="3799825524"/>
+              </p:ext>
+            </p:extLst>
+          </p:nvPr>
+        </p:nvGraphicFramePr>
+        <p:xfrm>
+          <a:off x="8319496" y="2200993"/>
+          <a:ext cx="1418864" cy="936880"/>
+        </p:xfrm>
+        <a:graphic>
+          <a:graphicData uri="http://schemas.openxmlformats.org/drawingml/2006/table">
+            <a:tbl>
+              <a:tblPr bandRow="1">
+                <a:tableStyleId>{5C22544A-7EE6-4342-B048-85BDC9FD1C3A}</a:tableStyleId>
+              </a:tblPr>
+              <a:tblGrid>
+                <a:gridCol w="660399">
+                  <a:extLst>
+                    <a:ext uri="{9D8B030D-6E8A-4147-A177-3AD203B41FA5}">
+                      <a16:colId xmlns:a16="http://schemas.microsoft.com/office/drawing/2014/main" val="2247143488"/>
+                    </a:ext>
+                  </a:extLst>
+                </a:gridCol>
+                <a:gridCol w="758465">
+                  <a:extLst>
+                    <a:ext uri="{9D8B030D-6E8A-4147-A177-3AD203B41FA5}">
+                      <a16:colId xmlns:a16="http://schemas.microsoft.com/office/drawing/2014/main" val="1689027359"/>
+                    </a:ext>
+                  </a:extLst>
+                </a:gridCol>
+              </a:tblGrid>
+              <a:tr h="90584">
+                <a:tc>
+                  <a:txBody>
+                    <a:bodyPr/>
+                    <a:lstStyle/>
+                    <a:p>
+                      <a:pPr algn="ctr"/>
+                      <a:r>
+                        <a:rPr lang="de-DE" sz="500" dirty="0"/>
+                        <a:t>Free</a:t>
+                      </a:r>
+                    </a:p>
+                  </a:txBody>
+                  <a:tcPr marL="0" marR="0" marT="0" marB="0"/>
+                </a:tc>
+                <a:tc>
+                  <a:txBody>
+                    <a:bodyPr/>
+                    <a:lstStyle/>
+                    <a:p>
+                      <a:pPr algn="ctr"/>
+                      <a:endParaRPr lang="de-DE" sz="500" dirty="0"/>
+                    </a:p>
+                  </a:txBody>
+                  <a:tcPr marL="0" marR="0" marT="0" marB="0"/>
+                </a:tc>
+                <a:extLst>
+                  <a:ext uri="{0D108BD9-81ED-4DB2-BD59-A6C34878D82A}">
+                    <a16:rowId xmlns:a16="http://schemas.microsoft.com/office/drawing/2014/main" val="757161003"/>
+                  </a:ext>
+                </a:extLst>
+              </a:tr>
+              <a:tr h="94464">
+                <a:tc>
+                  <a:txBody>
+                    <a:bodyPr/>
+                    <a:lstStyle/>
+                    <a:p>
+                      <a:pPr algn="ctr"/>
+                      <a:r>
+                        <a:rPr lang="de-DE" sz="500" dirty="0"/>
+                        <a:t>Wartungstüre </a:t>
+                      </a:r>
+                      <a:r>
+                        <a:rPr lang="de-DE" sz="500" dirty="0" err="1"/>
+                        <a:t>Endmodul</a:t>
+                      </a:r>
+                      <a:endParaRPr lang="de-DE" sz="500" dirty="0"/>
+                    </a:p>
+                  </a:txBody>
+                  <a:tcPr marL="0" marR="0" marT="0" marB="0"/>
+                </a:tc>
+                <a:tc>
+                  <a:txBody>
+                    <a:bodyPr/>
+                    <a:lstStyle/>
+                    <a:p>
+                      <a:pPr algn="ctr"/>
+                      <a:endParaRPr lang="de-DE" sz="500" dirty="0"/>
+                    </a:p>
+                  </a:txBody>
+                  <a:tcPr marL="0" marR="0" marT="0" marB="0"/>
+                </a:tc>
+                <a:extLst>
+                  <a:ext uri="{0D108BD9-81ED-4DB2-BD59-A6C34878D82A}">
+                    <a16:rowId xmlns:a16="http://schemas.microsoft.com/office/drawing/2014/main" val="3585788346"/>
+                  </a:ext>
+                </a:extLst>
+              </a:tr>
+              <a:tr h="94464">
+                <a:tc>
+                  <a:txBody>
+                    <a:bodyPr/>
+                    <a:lstStyle/>
+                    <a:p>
+                      <a:pPr algn="ctr"/>
+                      <a:r>
+                        <a:rPr lang="de-DE" sz="500" dirty="0"/>
+                        <a:t>NC</a:t>
+                      </a:r>
+                    </a:p>
+                  </a:txBody>
+                  <a:tcPr marL="0" marR="0" marT="0" marB="0"/>
+                </a:tc>
+                <a:tc>
+                  <a:txBody>
+                    <a:bodyPr/>
+                    <a:lstStyle/>
+                    <a:p>
+                      <a:pPr algn="ctr"/>
+                      <a:endParaRPr lang="de-DE" sz="500" dirty="0"/>
+                    </a:p>
+                  </a:txBody>
+                  <a:tcPr marL="0" marR="0" marT="0" marB="0"/>
+                </a:tc>
+                <a:extLst>
+                  <a:ext uri="{0D108BD9-81ED-4DB2-BD59-A6C34878D82A}">
+                    <a16:rowId xmlns:a16="http://schemas.microsoft.com/office/drawing/2014/main" val="4011782113"/>
+                  </a:ext>
+                </a:extLst>
+              </a:tr>
+              <a:tr h="90584">
+                <a:tc>
+                  <a:txBody>
+                    <a:bodyPr/>
+                    <a:lstStyle/>
+                    <a:p>
+                      <a:pPr algn="ctr"/>
+                      <a:r>
+                        <a:rPr lang="de-DE" sz="500" dirty="0"/>
+                        <a:t>NC</a:t>
+                      </a:r>
+                    </a:p>
+                  </a:txBody>
+                  <a:tcPr marL="0" marR="0" marT="0" marB="0"/>
+                </a:tc>
+                <a:tc>
+                  <a:txBody>
+                    <a:bodyPr/>
+                    <a:lstStyle/>
+                    <a:p>
+                      <a:pPr algn="ctr"/>
+                      <a:endParaRPr lang="de-DE" sz="500" dirty="0"/>
+                    </a:p>
+                  </a:txBody>
+                  <a:tcPr marL="0" marR="0" marT="0" marB="0"/>
+                </a:tc>
+                <a:extLst>
+                  <a:ext uri="{0D108BD9-81ED-4DB2-BD59-A6C34878D82A}">
+                    <a16:rowId xmlns:a16="http://schemas.microsoft.com/office/drawing/2014/main" val="1776939531"/>
+                  </a:ext>
+                </a:extLst>
+              </a:tr>
+              <a:tr h="94464">
+                <a:tc>
+                  <a:txBody>
+                    <a:bodyPr/>
+                    <a:lstStyle/>
+                    <a:p>
+                      <a:pPr algn="ctr"/>
+                      <a:r>
+                        <a:rPr lang="de-DE" sz="500" dirty="0"/>
+                        <a:t>Free</a:t>
+                      </a:r>
+                    </a:p>
+                  </a:txBody>
+                  <a:tcPr marL="0" marR="0" marT="0" marB="0"/>
+                </a:tc>
+                <a:tc>
+                  <a:txBody>
+                    <a:bodyPr/>
+                    <a:lstStyle/>
+                    <a:p>
+                      <a:pPr algn="ctr"/>
+                      <a:endParaRPr lang="de-DE" sz="500" dirty="0"/>
+                    </a:p>
+                  </a:txBody>
+                  <a:tcPr marL="0" marR="0" marT="0" marB="0"/>
+                </a:tc>
+                <a:extLst>
+                  <a:ext uri="{0D108BD9-81ED-4DB2-BD59-A6C34878D82A}">
+                    <a16:rowId xmlns:a16="http://schemas.microsoft.com/office/drawing/2014/main" val="1683176861"/>
+                  </a:ext>
+                </a:extLst>
+              </a:tr>
+              <a:tr h="94464">
+                <a:tc>
+                  <a:txBody>
+                    <a:bodyPr/>
+                    <a:lstStyle/>
+                    <a:p>
+                      <a:pPr algn="ctr"/>
+                      <a:r>
+                        <a:rPr lang="de-DE" sz="500" dirty="0"/>
+                        <a:t>Motor Baum</a:t>
+                      </a:r>
+                    </a:p>
+                  </a:txBody>
+                  <a:tcPr marL="0" marR="0" marT="0" marB="0"/>
+                </a:tc>
+                <a:tc>
+                  <a:txBody>
+                    <a:bodyPr/>
+                    <a:lstStyle/>
+                    <a:p>
+                      <a:pPr algn="ctr"/>
+                      <a:r>
+                        <a:rPr lang="de-DE" sz="500" dirty="0"/>
+                        <a:t>TIM3_CH1</a:t>
+                      </a:r>
+                    </a:p>
+                  </a:txBody>
+                  <a:tcPr marL="0" marR="0" marT="0" marB="0"/>
+                </a:tc>
+                <a:extLst>
+                  <a:ext uri="{0D108BD9-81ED-4DB2-BD59-A6C34878D82A}">
+                    <a16:rowId xmlns:a16="http://schemas.microsoft.com/office/drawing/2014/main" val="2497901086"/>
+                  </a:ext>
+                </a:extLst>
+              </a:tr>
+              <a:tr h="94464">
+                <a:tc>
+                  <a:txBody>
+                    <a:bodyPr/>
+                    <a:lstStyle/>
+                    <a:p>
+                      <a:pPr algn="ctr"/>
+                      <a:r>
+                        <a:rPr lang="de-DE" sz="500" dirty="0"/>
+                        <a:t>Ethernet</a:t>
+                      </a:r>
+                    </a:p>
+                  </a:txBody>
+                  <a:tcPr marL="0" marR="0" marT="0" marB="0"/>
+                </a:tc>
+                <a:tc>
+                  <a:txBody>
+                    <a:bodyPr/>
+                    <a:lstStyle/>
+                    <a:p>
+                      <a:pPr algn="ctr"/>
+                      <a:endParaRPr lang="de-DE" sz="500" dirty="0"/>
+                    </a:p>
+                  </a:txBody>
+                  <a:tcPr marL="0" marR="0" marT="0" marB="0"/>
+                </a:tc>
+                <a:extLst>
+                  <a:ext uri="{0D108BD9-81ED-4DB2-BD59-A6C34878D82A}">
+                    <a16:rowId xmlns:a16="http://schemas.microsoft.com/office/drawing/2014/main" val="1674122405"/>
+                  </a:ext>
+                </a:extLst>
+              </a:tr>
+              <a:tr h="94464">
+                <a:tc>
+                  <a:txBody>
+                    <a:bodyPr/>
+                    <a:lstStyle/>
+                    <a:p>
+                      <a:pPr algn="ctr"/>
+                      <a:r>
+                        <a:rPr lang="de-DE" sz="500" dirty="0"/>
+                        <a:t>Free</a:t>
+                      </a:r>
+                    </a:p>
+                  </a:txBody>
+                  <a:tcPr marL="0" marR="0" marT="0" marB="0"/>
+                </a:tc>
+                <a:tc>
+                  <a:txBody>
+                    <a:bodyPr/>
+                    <a:lstStyle/>
+                    <a:p>
+                      <a:pPr algn="ctr"/>
+                      <a:endParaRPr lang="de-DE" sz="500" dirty="0"/>
+                    </a:p>
+                  </a:txBody>
+                  <a:tcPr marL="0" marR="0" marT="0" marB="0"/>
+                </a:tc>
+                <a:extLst>
+                  <a:ext uri="{0D108BD9-81ED-4DB2-BD59-A6C34878D82A}">
+                    <a16:rowId xmlns:a16="http://schemas.microsoft.com/office/drawing/2014/main" val="2120531629"/>
+                  </a:ext>
+                </a:extLst>
+              </a:tr>
+              <a:tr h="94464">
+                <a:tc>
+                  <a:txBody>
+                    <a:bodyPr/>
+                    <a:lstStyle/>
+                    <a:p>
+                      <a:pPr algn="ctr"/>
+                      <a:r>
+                        <a:rPr lang="de-DE" sz="500" dirty="0"/>
+                        <a:t>Free</a:t>
+                      </a:r>
+                    </a:p>
+                  </a:txBody>
+                  <a:tcPr marL="0" marR="0" marT="0" marB="0"/>
+                </a:tc>
+                <a:tc>
+                  <a:txBody>
+                    <a:bodyPr/>
+                    <a:lstStyle/>
+                    <a:p>
+                      <a:pPr algn="ctr"/>
+                      <a:endParaRPr lang="de-DE" sz="500" dirty="0"/>
+                    </a:p>
+                  </a:txBody>
+                  <a:tcPr marL="0" marR="0" marT="0" marB="0"/>
+                </a:tc>
+                <a:extLst>
+                  <a:ext uri="{0D108BD9-81ED-4DB2-BD59-A6C34878D82A}">
+                    <a16:rowId xmlns:a16="http://schemas.microsoft.com/office/drawing/2014/main" val="2749798710"/>
+                  </a:ext>
+                </a:extLst>
+              </a:tr>
+              <a:tr h="94464">
+                <a:tc>
+                  <a:txBody>
+                    <a:bodyPr/>
+                    <a:lstStyle/>
+                    <a:p>
+                      <a:pPr algn="ctr"/>
+                      <a:r>
+                        <a:rPr lang="de-DE" sz="500" dirty="0"/>
+                        <a:t>Free</a:t>
+                      </a:r>
+                    </a:p>
+                  </a:txBody>
+                  <a:tcPr marL="0" marR="0" marT="0" marB="0"/>
+                </a:tc>
+                <a:tc>
+                  <a:txBody>
+                    <a:bodyPr/>
+                    <a:lstStyle/>
+                    <a:p>
+                      <a:pPr algn="ctr"/>
+                      <a:endParaRPr lang="de-DE" sz="500" dirty="0"/>
+                    </a:p>
+                  </a:txBody>
+                  <a:tcPr marL="0" marR="0" marT="0" marB="0"/>
+                </a:tc>
+                <a:extLst>
+                  <a:ext uri="{0D108BD9-81ED-4DB2-BD59-A6C34878D82A}">
+                    <a16:rowId xmlns:a16="http://schemas.microsoft.com/office/drawing/2014/main" val="3963920753"/>
+                  </a:ext>
+                </a:extLst>
+              </a:tr>
+            </a:tbl>
+          </a:graphicData>
+        </a:graphic>
+      </p:graphicFrame>
     </p:spTree>
     <p:extLst>
       <p:ext uri="{BB962C8B-B14F-4D97-AF65-F5344CB8AC3E}">

--- a/Documents/Pinup.pptx
+++ b/Documents/Pinup.pptx
@@ -263,7 +263,7 @@
           <a:p>
             <a:fld id="{F2382EA5-9EA5-419F-BAA4-0DC6A82442DC}" type="datetimeFigureOut">
               <a:rPr lang="de-DE" smtClean="0"/>
-              <a:t>30.08.2017</a:t>
+              <a:t>31.08.2017</a:t>
             </a:fld>
             <a:endParaRPr lang="de-DE"/>
           </a:p>
@@ -461,7 +461,7 @@
           <a:p>
             <a:fld id="{F2382EA5-9EA5-419F-BAA4-0DC6A82442DC}" type="datetimeFigureOut">
               <a:rPr lang="de-DE" smtClean="0"/>
-              <a:t>30.08.2017</a:t>
+              <a:t>31.08.2017</a:t>
             </a:fld>
             <a:endParaRPr lang="de-DE"/>
           </a:p>
@@ -669,7 +669,7 @@
           <a:p>
             <a:fld id="{F2382EA5-9EA5-419F-BAA4-0DC6A82442DC}" type="datetimeFigureOut">
               <a:rPr lang="de-DE" smtClean="0"/>
-              <a:t>30.08.2017</a:t>
+              <a:t>31.08.2017</a:t>
             </a:fld>
             <a:endParaRPr lang="de-DE"/>
           </a:p>
@@ -867,7 +867,7 @@
           <a:p>
             <a:fld id="{F2382EA5-9EA5-419F-BAA4-0DC6A82442DC}" type="datetimeFigureOut">
               <a:rPr lang="de-DE" smtClean="0"/>
-              <a:t>30.08.2017</a:t>
+              <a:t>31.08.2017</a:t>
             </a:fld>
             <a:endParaRPr lang="de-DE"/>
           </a:p>
@@ -1142,7 +1142,7 @@
           <a:p>
             <a:fld id="{F2382EA5-9EA5-419F-BAA4-0DC6A82442DC}" type="datetimeFigureOut">
               <a:rPr lang="de-DE" smtClean="0"/>
-              <a:t>30.08.2017</a:t>
+              <a:t>31.08.2017</a:t>
             </a:fld>
             <a:endParaRPr lang="de-DE"/>
           </a:p>
@@ -1407,7 +1407,7 @@
           <a:p>
             <a:fld id="{F2382EA5-9EA5-419F-BAA4-0DC6A82442DC}" type="datetimeFigureOut">
               <a:rPr lang="de-DE" smtClean="0"/>
-              <a:t>30.08.2017</a:t>
+              <a:t>31.08.2017</a:t>
             </a:fld>
             <a:endParaRPr lang="de-DE"/>
           </a:p>
@@ -1819,7 +1819,7 @@
           <a:p>
             <a:fld id="{F2382EA5-9EA5-419F-BAA4-0DC6A82442DC}" type="datetimeFigureOut">
               <a:rPr lang="de-DE" smtClean="0"/>
-              <a:t>30.08.2017</a:t>
+              <a:t>31.08.2017</a:t>
             </a:fld>
             <a:endParaRPr lang="de-DE"/>
           </a:p>
@@ -1960,7 +1960,7 @@
           <a:p>
             <a:fld id="{F2382EA5-9EA5-419F-BAA4-0DC6A82442DC}" type="datetimeFigureOut">
               <a:rPr lang="de-DE" smtClean="0"/>
-              <a:t>30.08.2017</a:t>
+              <a:t>31.08.2017</a:t>
             </a:fld>
             <a:endParaRPr lang="de-DE"/>
           </a:p>
@@ -2073,7 +2073,7 @@
           <a:p>
             <a:fld id="{F2382EA5-9EA5-419F-BAA4-0DC6A82442DC}" type="datetimeFigureOut">
               <a:rPr lang="de-DE" smtClean="0"/>
-              <a:t>30.08.2017</a:t>
+              <a:t>31.08.2017</a:t>
             </a:fld>
             <a:endParaRPr lang="de-DE"/>
           </a:p>
@@ -2384,7 +2384,7 @@
           <a:p>
             <a:fld id="{F2382EA5-9EA5-419F-BAA4-0DC6A82442DC}" type="datetimeFigureOut">
               <a:rPr lang="de-DE" smtClean="0"/>
-              <a:t>30.08.2017</a:t>
+              <a:t>31.08.2017</a:t>
             </a:fld>
             <a:endParaRPr lang="de-DE"/>
           </a:p>
@@ -2672,7 +2672,7 @@
           <a:p>
             <a:fld id="{F2382EA5-9EA5-419F-BAA4-0DC6A82442DC}" type="datetimeFigureOut">
               <a:rPr lang="de-DE" smtClean="0"/>
-              <a:t>30.08.2017</a:t>
+              <a:t>31.08.2017</a:t>
             </a:fld>
             <a:endParaRPr lang="de-DE"/>
           </a:p>
@@ -2913,7 +2913,7 @@
           <a:p>
             <a:fld id="{F2382EA5-9EA5-419F-BAA4-0DC6A82442DC}" type="datetimeFigureOut">
               <a:rPr lang="de-DE" smtClean="0"/>
-              <a:t>30.08.2017</a:t>
+              <a:t>31.08.2017</a:t>
             </a:fld>
             <a:endParaRPr lang="de-DE"/>
           </a:p>
@@ -5896,7 +5896,7 @@
           <p:nvPr>
             <p:extLst>
               <p:ext uri="{D42A27DB-BD31-4B8C-83A1-F6EECF244321}">
-                <p14:modId xmlns:p14="http://schemas.microsoft.com/office/powerpoint/2010/main" val="4178539578"/>
+                <p14:modId xmlns:p14="http://schemas.microsoft.com/office/powerpoint/2010/main" val="2587622977"/>
               </p:ext>
             </p:extLst>
           </p:nvPr>
@@ -5968,7 +5968,7 @@
                       <a:pPr algn="ctr"/>
                       <a:r>
                         <a:rPr lang="de-DE" sz="500" dirty="0"/>
-                        <a:t>Free</a:t>
+                        <a:t>Motor Eis In A</a:t>
                       </a:r>
                     </a:p>
                   </a:txBody>
@@ -6000,7 +6000,7 @@
                       <a:pPr algn="ctr"/>
                       <a:r>
                         <a:rPr lang="de-DE" sz="500" dirty="0"/>
-                        <a:t>Free</a:t>
+                        <a:t>Motor Eis In B</a:t>
                       </a:r>
                     </a:p>
                   </a:txBody>

--- a/Documents/Pinup.pptx
+++ b/Documents/Pinup.pptx
@@ -263,7 +263,7 @@
           <a:p>
             <a:fld id="{F2382EA5-9EA5-419F-BAA4-0DC6A82442DC}" type="datetimeFigureOut">
               <a:rPr lang="de-DE" smtClean="0"/>
-              <a:t>31.08.2017</a:t>
+              <a:t>23.09.2017</a:t>
             </a:fld>
             <a:endParaRPr lang="de-DE"/>
           </a:p>
@@ -461,7 +461,7 @@
           <a:p>
             <a:fld id="{F2382EA5-9EA5-419F-BAA4-0DC6A82442DC}" type="datetimeFigureOut">
               <a:rPr lang="de-DE" smtClean="0"/>
-              <a:t>31.08.2017</a:t>
+              <a:t>23.09.2017</a:t>
             </a:fld>
             <a:endParaRPr lang="de-DE"/>
           </a:p>
@@ -669,7 +669,7 @@
           <a:p>
             <a:fld id="{F2382EA5-9EA5-419F-BAA4-0DC6A82442DC}" type="datetimeFigureOut">
               <a:rPr lang="de-DE" smtClean="0"/>
-              <a:t>31.08.2017</a:t>
+              <a:t>23.09.2017</a:t>
             </a:fld>
             <a:endParaRPr lang="de-DE"/>
           </a:p>
@@ -867,7 +867,7 @@
           <a:p>
             <a:fld id="{F2382EA5-9EA5-419F-BAA4-0DC6A82442DC}" type="datetimeFigureOut">
               <a:rPr lang="de-DE" smtClean="0"/>
-              <a:t>31.08.2017</a:t>
+              <a:t>23.09.2017</a:t>
             </a:fld>
             <a:endParaRPr lang="de-DE"/>
           </a:p>
@@ -1142,7 +1142,7 @@
           <a:p>
             <a:fld id="{F2382EA5-9EA5-419F-BAA4-0DC6A82442DC}" type="datetimeFigureOut">
               <a:rPr lang="de-DE" smtClean="0"/>
-              <a:t>31.08.2017</a:t>
+              <a:t>23.09.2017</a:t>
             </a:fld>
             <a:endParaRPr lang="de-DE"/>
           </a:p>
@@ -1407,7 +1407,7 @@
           <a:p>
             <a:fld id="{F2382EA5-9EA5-419F-BAA4-0DC6A82442DC}" type="datetimeFigureOut">
               <a:rPr lang="de-DE" smtClean="0"/>
-              <a:t>31.08.2017</a:t>
+              <a:t>23.09.2017</a:t>
             </a:fld>
             <a:endParaRPr lang="de-DE"/>
           </a:p>
@@ -1819,7 +1819,7 @@
           <a:p>
             <a:fld id="{F2382EA5-9EA5-419F-BAA4-0DC6A82442DC}" type="datetimeFigureOut">
               <a:rPr lang="de-DE" smtClean="0"/>
-              <a:t>31.08.2017</a:t>
+              <a:t>23.09.2017</a:t>
             </a:fld>
             <a:endParaRPr lang="de-DE"/>
           </a:p>
@@ -1960,7 +1960,7 @@
           <a:p>
             <a:fld id="{F2382EA5-9EA5-419F-BAA4-0DC6A82442DC}" type="datetimeFigureOut">
               <a:rPr lang="de-DE" smtClean="0"/>
-              <a:t>31.08.2017</a:t>
+              <a:t>23.09.2017</a:t>
             </a:fld>
             <a:endParaRPr lang="de-DE"/>
           </a:p>
@@ -2073,7 +2073,7 @@
           <a:p>
             <a:fld id="{F2382EA5-9EA5-419F-BAA4-0DC6A82442DC}" type="datetimeFigureOut">
               <a:rPr lang="de-DE" smtClean="0"/>
-              <a:t>31.08.2017</a:t>
+              <a:t>23.09.2017</a:t>
             </a:fld>
             <a:endParaRPr lang="de-DE"/>
           </a:p>
@@ -2384,7 +2384,7 @@
           <a:p>
             <a:fld id="{F2382EA5-9EA5-419F-BAA4-0DC6A82442DC}" type="datetimeFigureOut">
               <a:rPr lang="de-DE" smtClean="0"/>
-              <a:t>31.08.2017</a:t>
+              <a:t>23.09.2017</a:t>
             </a:fld>
             <a:endParaRPr lang="de-DE"/>
           </a:p>
@@ -2672,7 +2672,7 @@
           <a:p>
             <a:fld id="{F2382EA5-9EA5-419F-BAA4-0DC6A82442DC}" type="datetimeFigureOut">
               <a:rPr lang="de-DE" smtClean="0"/>
-              <a:t>31.08.2017</a:t>
+              <a:t>23.09.2017</a:t>
             </a:fld>
             <a:endParaRPr lang="de-DE"/>
           </a:p>
@@ -2913,7 +2913,7 @@
           <a:p>
             <a:fld id="{F2382EA5-9EA5-419F-BAA4-0DC6A82442DC}" type="datetimeFigureOut">
               <a:rPr lang="de-DE" smtClean="0"/>
-              <a:t>31.08.2017</a:t>
+              <a:t>23.09.2017</a:t>
             </a:fld>
             <a:endParaRPr lang="de-DE"/>
           </a:p>
@@ -5896,14 +5896,14 @@
           <p:nvPr>
             <p:extLst>
               <p:ext uri="{D42A27DB-BD31-4B8C-83A1-F6EECF244321}">
-                <p14:modId xmlns:p14="http://schemas.microsoft.com/office/powerpoint/2010/main" val="2587622977"/>
+                <p14:modId xmlns:p14="http://schemas.microsoft.com/office/powerpoint/2010/main" val="3880665943"/>
               </p:ext>
             </p:extLst>
           </p:nvPr>
         </p:nvGraphicFramePr>
         <p:xfrm>
           <a:off x="8319496" y="3185160"/>
-          <a:ext cx="1012014" cy="1543213"/>
+          <a:ext cx="1164864" cy="1543213"/>
         </p:xfrm>
         <a:graphic>
           <a:graphicData uri="http://schemas.openxmlformats.org/drawingml/2006/table">
@@ -5912,14 +5912,14 @@
                 <a:tableStyleId>{5C22544A-7EE6-4342-B048-85BDC9FD1C3A}</a:tableStyleId>
               </a:tblPr>
               <a:tblGrid>
-                <a:gridCol w="506007">
+                <a:gridCol w="582432">
                   <a:extLst>
                     <a:ext uri="{9D8B030D-6E8A-4147-A177-3AD203B41FA5}">
                       <a16:colId xmlns:a16="http://schemas.microsoft.com/office/drawing/2014/main" val="772889815"/>
                     </a:ext>
                   </a:extLst>
                 </a:gridCol>
-                <a:gridCol w="506007">
+                <a:gridCol w="582432">
                   <a:extLst>
                     <a:ext uri="{9D8B030D-6E8A-4147-A177-3AD203B41FA5}">
                       <a16:colId xmlns:a16="http://schemas.microsoft.com/office/drawing/2014/main" val="2247143488"/>
@@ -5936,7 +5936,7 @@
                       <a:pPr algn="ctr"/>
                       <a:r>
                         <a:rPr lang="de-DE" sz="500" dirty="0"/>
-                        <a:t>Free</a:t>
+                        <a:t>Motor Einschenken B</a:t>
                       </a:r>
                     </a:p>
                   </a:txBody>
@@ -6032,7 +6032,7 @@
                       <a:pPr algn="ctr"/>
                       <a:r>
                         <a:rPr lang="de-DE" sz="500" dirty="0"/>
-                        <a:t>Free</a:t>
+                        <a:t>Motor Baum A</a:t>
                       </a:r>
                     </a:p>
                   </a:txBody>
@@ -6064,7 +6064,7 @@
                       <a:pPr algn="ctr"/>
                       <a:r>
                         <a:rPr lang="de-DE" sz="500" dirty="0"/>
-                        <a:t>Free</a:t>
+                        <a:t>Motor Baum B</a:t>
                       </a:r>
                     </a:p>
                   </a:txBody>
@@ -6096,7 +6096,7 @@
                       <a:pPr algn="ctr"/>
                       <a:r>
                         <a:rPr lang="de-DE" sz="500" dirty="0"/>
-                        <a:t>Free</a:t>
+                        <a:t>Motor Pumpe A</a:t>
                       </a:r>
                     </a:p>
                   </a:txBody>
@@ -6128,7 +6128,7 @@
                       <a:pPr algn="ctr"/>
                       <a:r>
                         <a:rPr lang="de-DE" sz="500" dirty="0"/>
-                        <a:t>Free</a:t>
+                        <a:t>Motor Pumpe B</a:t>
                       </a:r>
                     </a:p>
                   </a:txBody>
@@ -6160,7 +6160,7 @@
                       <a:pPr algn="ctr"/>
                       <a:r>
                         <a:rPr lang="de-DE" sz="500" dirty="0"/>
-                        <a:t>Free</a:t>
+                        <a:t>Motor Transport A</a:t>
                       </a:r>
                     </a:p>
                   </a:txBody>
@@ -6192,7 +6192,7 @@
                       <a:pPr algn="ctr"/>
                       <a:r>
                         <a:rPr lang="de-DE" sz="500" dirty="0"/>
-                        <a:t>Free</a:t>
+                        <a:t>Motor Transport B</a:t>
                       </a:r>
                     </a:p>
                   </a:txBody>
@@ -6302,6 +6302,35 @@
                     <a:lstStyle/>
                     <a:p>
                       <a:pPr algn="ctr"/>
+                      <a:endParaRPr lang="de-DE" sz="500" dirty="0"/>
+                    </a:p>
+                  </a:txBody>
+                  <a:tcPr marL="0" marR="0" marT="0" marB="0"/>
+                </a:tc>
+                <a:tc>
+                  <a:txBody>
+                    <a:bodyPr/>
+                    <a:lstStyle/>
+                    <a:p>
+                      <a:pPr algn="ctr"/>
+                      <a:endParaRPr lang="de-DE" sz="500" dirty="0"/>
+                    </a:p>
+                  </a:txBody>
+                  <a:tcPr marL="0" marR="0" marT="0" marB="0"/>
+                </a:tc>
+                <a:extLst>
+                  <a:ext uri="{0D108BD9-81ED-4DB2-BD59-A6C34878D82A}">
+                    <a16:rowId xmlns:a16="http://schemas.microsoft.com/office/drawing/2014/main" val="798089714"/>
+                  </a:ext>
+                </a:extLst>
+              </a:tr>
+              <a:tr h="91281">
+                <a:tc>
+                  <a:txBody>
+                    <a:bodyPr/>
+                    <a:lstStyle/>
+                    <a:p>
+                      <a:pPr algn="ctr"/>
                       <a:r>
                         <a:rPr lang="de-DE" sz="500" dirty="0"/>
                         <a:t>Free</a:t>
@@ -6323,7 +6352,7 @@
                 </a:tc>
                 <a:extLst>
                   <a:ext uri="{0D108BD9-81ED-4DB2-BD59-A6C34878D82A}">
-                    <a16:rowId xmlns:a16="http://schemas.microsoft.com/office/drawing/2014/main" val="798089714"/>
+                    <a16:rowId xmlns:a16="http://schemas.microsoft.com/office/drawing/2014/main" val="1918283735"/>
                   </a:ext>
                 </a:extLst>
               </a:tr>
@@ -6336,7 +6365,7 @@
                       <a:pPr algn="ctr"/>
                       <a:r>
                         <a:rPr lang="de-DE" sz="500" dirty="0"/>
-                        <a:t>Free</a:t>
+                        <a:t>Motor Plattform A</a:t>
                       </a:r>
                     </a:p>
                   </a:txBody>
@@ -6355,7 +6384,7 @@
                 </a:tc>
                 <a:extLst>
                   <a:ext uri="{0D108BD9-81ED-4DB2-BD59-A6C34878D82A}">
-                    <a16:rowId xmlns:a16="http://schemas.microsoft.com/office/drawing/2014/main" val="1918283735"/>
+                    <a16:rowId xmlns:a16="http://schemas.microsoft.com/office/drawing/2014/main" val="1864289848"/>
                   </a:ext>
                 </a:extLst>
               </a:tr>
@@ -6368,39 +6397,7 @@
                       <a:pPr algn="ctr"/>
                       <a:r>
                         <a:rPr lang="de-DE" sz="500" dirty="0"/>
-                        <a:t>Free</a:t>
-                      </a:r>
-                    </a:p>
-                  </a:txBody>
-                  <a:tcPr marL="0" marR="0" marT="0" marB="0"/>
-                </a:tc>
-                <a:tc>
-                  <a:txBody>
-                    <a:bodyPr/>
-                    <a:lstStyle/>
-                    <a:p>
-                      <a:pPr algn="ctr"/>
-                      <a:endParaRPr lang="de-DE" sz="500" dirty="0"/>
-                    </a:p>
-                  </a:txBody>
-                  <a:tcPr marL="0" marR="0" marT="0" marB="0"/>
-                </a:tc>
-                <a:extLst>
-                  <a:ext uri="{0D108BD9-81ED-4DB2-BD59-A6C34878D82A}">
-                    <a16:rowId xmlns:a16="http://schemas.microsoft.com/office/drawing/2014/main" val="1864289848"/>
-                  </a:ext>
-                </a:extLst>
-              </a:tr>
-              <a:tr h="91281">
-                <a:tc>
-                  <a:txBody>
-                    <a:bodyPr/>
-                    <a:lstStyle/>
-                    <a:p>
-                      <a:pPr algn="ctr"/>
-                      <a:r>
-                        <a:rPr lang="de-DE" sz="500" dirty="0"/>
-                        <a:t>Free</a:t>
+                        <a:t>Motor Plattform B</a:t>
                       </a:r>
                     </a:p>
                   </a:txBody>
@@ -6509,7 +6506,7 @@
           <p:nvPr>
             <p:extLst>
               <p:ext uri="{D42A27DB-BD31-4B8C-83A1-F6EECF244321}">
-                <p14:modId xmlns:p14="http://schemas.microsoft.com/office/powerpoint/2010/main" val="3799825524"/>
+                <p14:modId xmlns:p14="http://schemas.microsoft.com/office/powerpoint/2010/main" val="1768849033"/>
               </p:ext>
             </p:extLst>
           </p:nvPr>
@@ -6781,7 +6778,7 @@
                       <a:pPr algn="ctr"/>
                       <a:r>
                         <a:rPr lang="de-DE" sz="500" dirty="0"/>
-                        <a:t>Free</a:t>
+                        <a:t>Motor Wahl Pumpe A</a:t>
                       </a:r>
                     </a:p>
                   </a:txBody>
@@ -6813,7 +6810,7 @@
                       <a:pPr algn="ctr"/>
                       <a:r>
                         <a:rPr lang="de-DE" sz="500" dirty="0"/>
-                        <a:t>Free</a:t>
+                        <a:t>Motor Wahl Pumpe B</a:t>
                       </a:r>
                     </a:p>
                   </a:txBody>
@@ -6845,7 +6842,7 @@
                       <a:pPr algn="ctr"/>
                       <a:r>
                         <a:rPr lang="de-DE" sz="500" dirty="0"/>
-                        <a:t>Free</a:t>
+                        <a:t>Motor Einschenken A</a:t>
                       </a:r>
                     </a:p>
                   </a:txBody>

--- a/Documents/Pinup.pptx
+++ b/Documents/Pinup.pptx
@@ -263,7 +263,7 @@
           <a:p>
             <a:fld id="{F2382EA5-9EA5-419F-BAA4-0DC6A82442DC}" type="datetimeFigureOut">
               <a:rPr lang="de-DE" smtClean="0"/>
-              <a:t>23.09.2017</a:t>
+              <a:t>29.09.2017</a:t>
             </a:fld>
             <a:endParaRPr lang="de-DE"/>
           </a:p>
@@ -461,7 +461,7 @@
           <a:p>
             <a:fld id="{F2382EA5-9EA5-419F-BAA4-0DC6A82442DC}" type="datetimeFigureOut">
               <a:rPr lang="de-DE" smtClean="0"/>
-              <a:t>23.09.2017</a:t>
+              <a:t>29.09.2017</a:t>
             </a:fld>
             <a:endParaRPr lang="de-DE"/>
           </a:p>
@@ -669,7 +669,7 @@
           <a:p>
             <a:fld id="{F2382EA5-9EA5-419F-BAA4-0DC6A82442DC}" type="datetimeFigureOut">
               <a:rPr lang="de-DE" smtClean="0"/>
-              <a:t>23.09.2017</a:t>
+              <a:t>29.09.2017</a:t>
             </a:fld>
             <a:endParaRPr lang="de-DE"/>
           </a:p>
@@ -867,7 +867,7 @@
           <a:p>
             <a:fld id="{F2382EA5-9EA5-419F-BAA4-0DC6A82442DC}" type="datetimeFigureOut">
               <a:rPr lang="de-DE" smtClean="0"/>
-              <a:t>23.09.2017</a:t>
+              <a:t>29.09.2017</a:t>
             </a:fld>
             <a:endParaRPr lang="de-DE"/>
           </a:p>
@@ -1142,7 +1142,7 @@
           <a:p>
             <a:fld id="{F2382EA5-9EA5-419F-BAA4-0DC6A82442DC}" type="datetimeFigureOut">
               <a:rPr lang="de-DE" smtClean="0"/>
-              <a:t>23.09.2017</a:t>
+              <a:t>29.09.2017</a:t>
             </a:fld>
             <a:endParaRPr lang="de-DE"/>
           </a:p>
@@ -1407,7 +1407,7 @@
           <a:p>
             <a:fld id="{F2382EA5-9EA5-419F-BAA4-0DC6A82442DC}" type="datetimeFigureOut">
               <a:rPr lang="de-DE" smtClean="0"/>
-              <a:t>23.09.2017</a:t>
+              <a:t>29.09.2017</a:t>
             </a:fld>
             <a:endParaRPr lang="de-DE"/>
           </a:p>
@@ -1819,7 +1819,7 @@
           <a:p>
             <a:fld id="{F2382EA5-9EA5-419F-BAA4-0DC6A82442DC}" type="datetimeFigureOut">
               <a:rPr lang="de-DE" smtClean="0"/>
-              <a:t>23.09.2017</a:t>
+              <a:t>29.09.2017</a:t>
             </a:fld>
             <a:endParaRPr lang="de-DE"/>
           </a:p>
@@ -1960,7 +1960,7 @@
           <a:p>
             <a:fld id="{F2382EA5-9EA5-419F-BAA4-0DC6A82442DC}" type="datetimeFigureOut">
               <a:rPr lang="de-DE" smtClean="0"/>
-              <a:t>23.09.2017</a:t>
+              <a:t>29.09.2017</a:t>
             </a:fld>
             <a:endParaRPr lang="de-DE"/>
           </a:p>
@@ -2073,7 +2073,7 @@
           <a:p>
             <a:fld id="{F2382EA5-9EA5-419F-BAA4-0DC6A82442DC}" type="datetimeFigureOut">
               <a:rPr lang="de-DE" smtClean="0"/>
-              <a:t>23.09.2017</a:t>
+              <a:t>29.09.2017</a:t>
             </a:fld>
             <a:endParaRPr lang="de-DE"/>
           </a:p>
@@ -2384,7 +2384,7 @@
           <a:p>
             <a:fld id="{F2382EA5-9EA5-419F-BAA4-0DC6A82442DC}" type="datetimeFigureOut">
               <a:rPr lang="de-DE" smtClean="0"/>
-              <a:t>23.09.2017</a:t>
+              <a:t>29.09.2017</a:t>
             </a:fld>
             <a:endParaRPr lang="de-DE"/>
           </a:p>
@@ -2672,7 +2672,7 @@
           <a:p>
             <a:fld id="{F2382EA5-9EA5-419F-BAA4-0DC6A82442DC}" type="datetimeFigureOut">
               <a:rPr lang="de-DE" smtClean="0"/>
-              <a:t>23.09.2017</a:t>
+              <a:t>29.09.2017</a:t>
             </a:fld>
             <a:endParaRPr lang="de-DE"/>
           </a:p>
@@ -2913,7 +2913,7 @@
           <a:p>
             <a:fld id="{F2382EA5-9EA5-419F-BAA4-0DC6A82442DC}" type="datetimeFigureOut">
               <a:rPr lang="de-DE" smtClean="0"/>
-              <a:t>23.09.2017</a:t>
+              <a:t>29.09.2017</a:t>
             </a:fld>
             <a:endParaRPr lang="de-DE"/>
           </a:p>
@@ -3612,14 +3612,14 @@
           <p:nvPr>
             <p:extLst>
               <p:ext uri="{D42A27DB-BD31-4B8C-83A1-F6EECF244321}">
-                <p14:modId xmlns:p14="http://schemas.microsoft.com/office/powerpoint/2010/main" val="3015533901"/>
+                <p14:modId xmlns:p14="http://schemas.microsoft.com/office/powerpoint/2010/main" val="1887438527"/>
               </p:ext>
             </p:extLst>
           </p:nvPr>
         </p:nvGraphicFramePr>
         <p:xfrm>
           <a:off x="621030" y="3374474"/>
-          <a:ext cx="1200634" cy="1496162"/>
+          <a:ext cx="1200634" cy="1375814"/>
         </p:xfrm>
         <a:graphic>
           <a:graphicData uri="http://schemas.openxmlformats.org/drawingml/2006/table">
@@ -3628,14 +3628,14 @@
                 <a:tableStyleId>{5C22544A-7EE6-4342-B048-85BDC9FD1C3A}</a:tableStyleId>
               </a:tblPr>
               <a:tblGrid>
-                <a:gridCol w="600317">
+                <a:gridCol w="481330">
                   <a:extLst>
                     <a:ext uri="{9D8B030D-6E8A-4147-A177-3AD203B41FA5}">
                       <a16:colId xmlns:a16="http://schemas.microsoft.com/office/drawing/2014/main" val="2643634321"/>
                     </a:ext>
                   </a:extLst>
                 </a:gridCol>
-                <a:gridCol w="600317">
+                <a:gridCol w="719304">
                   <a:extLst>
                     <a:ext uri="{9D8B030D-6E8A-4147-A177-3AD203B41FA5}">
                       <a16:colId xmlns:a16="http://schemas.microsoft.com/office/drawing/2014/main" val="2247143488"/>
@@ -4224,7 +4224,7 @@
           <p:nvPr>
             <p:extLst>
               <p:ext uri="{D42A27DB-BD31-4B8C-83A1-F6EECF244321}">
-                <p14:modId xmlns:p14="http://schemas.microsoft.com/office/powerpoint/2010/main" val="3853413884"/>
+                <p14:modId xmlns:p14="http://schemas.microsoft.com/office/powerpoint/2010/main" val="967265613"/>
               </p:ext>
             </p:extLst>
           </p:nvPr>
@@ -4466,9 +4466,10 @@
                     <a:p>
                       <a:pPr algn="ctr"/>
                       <a:r>
-                        <a:rPr lang="de-DE" sz="500" dirty="0"/>
-                        <a:t>Wartungstüre Einschenken</a:t>
-                      </a:r>
+                        <a:rPr lang="de-DE" sz="500"/>
+                        <a:t>Wartungstüre Rondell</a:t>
+                      </a:r>
+                      <a:endParaRPr lang="de-DE" sz="500" dirty="0"/>
                     </a:p>
                   </a:txBody>
                   <a:tcPr marL="0" marR="0" marT="0" marB="0"/>
@@ -4942,10 +4943,9 @@
                     <a:p>
                       <a:pPr algn="ctr"/>
                       <a:r>
-                        <a:rPr lang="de-DE" sz="500"/>
+                        <a:rPr lang="de-DE" sz="500" dirty="0"/>
                         <a:t>Motor Eis</a:t>
                       </a:r>
-                      <a:endParaRPr lang="de-DE" sz="500" dirty="0"/>
                     </a:p>
                   </a:txBody>
                   <a:tcPr marL="0" marR="0" marT="0" marB="0"/>

--- a/Documents/Pinup.pptx
+++ b/Documents/Pinup.pptx
@@ -263,7 +263,7 @@
           <a:p>
             <a:fld id="{F2382EA5-9EA5-419F-BAA4-0DC6A82442DC}" type="datetimeFigureOut">
               <a:rPr lang="de-DE" smtClean="0"/>
-              <a:t>29.09.2017</a:t>
+              <a:t>25.10.2017</a:t>
             </a:fld>
             <a:endParaRPr lang="de-DE"/>
           </a:p>
@@ -461,7 +461,7 @@
           <a:p>
             <a:fld id="{F2382EA5-9EA5-419F-BAA4-0DC6A82442DC}" type="datetimeFigureOut">
               <a:rPr lang="de-DE" smtClean="0"/>
-              <a:t>29.09.2017</a:t>
+              <a:t>25.10.2017</a:t>
             </a:fld>
             <a:endParaRPr lang="de-DE"/>
           </a:p>
@@ -669,7 +669,7 @@
           <a:p>
             <a:fld id="{F2382EA5-9EA5-419F-BAA4-0DC6A82442DC}" type="datetimeFigureOut">
               <a:rPr lang="de-DE" smtClean="0"/>
-              <a:t>29.09.2017</a:t>
+              <a:t>25.10.2017</a:t>
             </a:fld>
             <a:endParaRPr lang="de-DE"/>
           </a:p>
@@ -867,7 +867,7 @@
           <a:p>
             <a:fld id="{F2382EA5-9EA5-419F-BAA4-0DC6A82442DC}" type="datetimeFigureOut">
               <a:rPr lang="de-DE" smtClean="0"/>
-              <a:t>29.09.2017</a:t>
+              <a:t>25.10.2017</a:t>
             </a:fld>
             <a:endParaRPr lang="de-DE"/>
           </a:p>
@@ -1142,7 +1142,7 @@
           <a:p>
             <a:fld id="{F2382EA5-9EA5-419F-BAA4-0DC6A82442DC}" type="datetimeFigureOut">
               <a:rPr lang="de-DE" smtClean="0"/>
-              <a:t>29.09.2017</a:t>
+              <a:t>25.10.2017</a:t>
             </a:fld>
             <a:endParaRPr lang="de-DE"/>
           </a:p>
@@ -1407,7 +1407,7 @@
           <a:p>
             <a:fld id="{F2382EA5-9EA5-419F-BAA4-0DC6A82442DC}" type="datetimeFigureOut">
               <a:rPr lang="de-DE" smtClean="0"/>
-              <a:t>29.09.2017</a:t>
+              <a:t>25.10.2017</a:t>
             </a:fld>
             <a:endParaRPr lang="de-DE"/>
           </a:p>
@@ -1819,7 +1819,7 @@
           <a:p>
             <a:fld id="{F2382EA5-9EA5-419F-BAA4-0DC6A82442DC}" type="datetimeFigureOut">
               <a:rPr lang="de-DE" smtClean="0"/>
-              <a:t>29.09.2017</a:t>
+              <a:t>25.10.2017</a:t>
             </a:fld>
             <a:endParaRPr lang="de-DE"/>
           </a:p>
@@ -1960,7 +1960,7 @@
           <a:p>
             <a:fld id="{F2382EA5-9EA5-419F-BAA4-0DC6A82442DC}" type="datetimeFigureOut">
               <a:rPr lang="de-DE" smtClean="0"/>
-              <a:t>29.09.2017</a:t>
+              <a:t>25.10.2017</a:t>
             </a:fld>
             <a:endParaRPr lang="de-DE"/>
           </a:p>
@@ -2073,7 +2073,7 @@
           <a:p>
             <a:fld id="{F2382EA5-9EA5-419F-BAA4-0DC6A82442DC}" type="datetimeFigureOut">
               <a:rPr lang="de-DE" smtClean="0"/>
-              <a:t>29.09.2017</a:t>
+              <a:t>25.10.2017</a:t>
             </a:fld>
             <a:endParaRPr lang="de-DE"/>
           </a:p>
@@ -2384,7 +2384,7 @@
           <a:p>
             <a:fld id="{F2382EA5-9EA5-419F-BAA4-0DC6A82442DC}" type="datetimeFigureOut">
               <a:rPr lang="de-DE" smtClean="0"/>
-              <a:t>29.09.2017</a:t>
+              <a:t>25.10.2017</a:t>
             </a:fld>
             <a:endParaRPr lang="de-DE"/>
           </a:p>
@@ -2672,7 +2672,7 @@
           <a:p>
             <a:fld id="{F2382EA5-9EA5-419F-BAA4-0DC6A82442DC}" type="datetimeFigureOut">
               <a:rPr lang="de-DE" smtClean="0"/>
-              <a:t>29.09.2017</a:t>
+              <a:t>25.10.2017</a:t>
             </a:fld>
             <a:endParaRPr lang="de-DE"/>
           </a:p>
@@ -2913,7 +2913,7 @@
           <a:p>
             <a:fld id="{F2382EA5-9EA5-419F-BAA4-0DC6A82442DC}" type="datetimeFigureOut">
               <a:rPr lang="de-DE" smtClean="0"/>
-              <a:t>29.09.2017</a:t>
+              <a:t>25.10.2017</a:t>
             </a:fld>
             <a:endParaRPr lang="de-DE"/>
           </a:p>
@@ -5514,7 +5514,7 @@
           <p:nvPr>
             <p:extLst>
               <p:ext uri="{D42A27DB-BD31-4B8C-83A1-F6EECF244321}">
-                <p14:modId xmlns:p14="http://schemas.microsoft.com/office/powerpoint/2010/main" val="3169050021"/>
+                <p14:modId xmlns:p14="http://schemas.microsoft.com/office/powerpoint/2010/main" val="3436262934"/>
               </p:ext>
             </p:extLst>
           </p:nvPr>
@@ -5600,9 +5600,10 @@
                         <a:t>Einschenktaster</a:t>
                       </a:r>
                       <a:r>
-                        <a:rPr lang="de-DE" sz="500" dirty="0"/>
-                        <a:t> Einschenken</a:t>
-                      </a:r>
+                        <a:rPr lang="de-DE" sz="500"/>
+                        <a:t> Rondell</a:t>
+                      </a:r>
+                      <a:endParaRPr lang="de-DE" sz="500" dirty="0"/>
                     </a:p>
                   </a:txBody>
                   <a:tcPr marL="0" marR="0" marT="0" marB="0"/>

--- a/Documents/Pinup.pptx
+++ b/Documents/Pinup.pptx
@@ -263,7 +263,7 @@
           <a:p>
             <a:fld id="{F2382EA5-9EA5-419F-BAA4-0DC6A82442DC}" type="datetimeFigureOut">
               <a:rPr lang="de-DE" smtClean="0"/>
-              <a:t>25.10.2017</a:t>
+              <a:t>30.10.2017</a:t>
             </a:fld>
             <a:endParaRPr lang="de-DE"/>
           </a:p>
@@ -461,7 +461,7 @@
           <a:p>
             <a:fld id="{F2382EA5-9EA5-419F-BAA4-0DC6A82442DC}" type="datetimeFigureOut">
               <a:rPr lang="de-DE" smtClean="0"/>
-              <a:t>25.10.2017</a:t>
+              <a:t>30.10.2017</a:t>
             </a:fld>
             <a:endParaRPr lang="de-DE"/>
           </a:p>
@@ -669,7 +669,7 @@
           <a:p>
             <a:fld id="{F2382EA5-9EA5-419F-BAA4-0DC6A82442DC}" type="datetimeFigureOut">
               <a:rPr lang="de-DE" smtClean="0"/>
-              <a:t>25.10.2017</a:t>
+              <a:t>30.10.2017</a:t>
             </a:fld>
             <a:endParaRPr lang="de-DE"/>
           </a:p>
@@ -867,7 +867,7 @@
           <a:p>
             <a:fld id="{F2382EA5-9EA5-419F-BAA4-0DC6A82442DC}" type="datetimeFigureOut">
               <a:rPr lang="de-DE" smtClean="0"/>
-              <a:t>25.10.2017</a:t>
+              <a:t>30.10.2017</a:t>
             </a:fld>
             <a:endParaRPr lang="de-DE"/>
           </a:p>
@@ -1142,7 +1142,7 @@
           <a:p>
             <a:fld id="{F2382EA5-9EA5-419F-BAA4-0DC6A82442DC}" type="datetimeFigureOut">
               <a:rPr lang="de-DE" smtClean="0"/>
-              <a:t>25.10.2017</a:t>
+              <a:t>30.10.2017</a:t>
             </a:fld>
             <a:endParaRPr lang="de-DE"/>
           </a:p>
@@ -1407,7 +1407,7 @@
           <a:p>
             <a:fld id="{F2382EA5-9EA5-419F-BAA4-0DC6A82442DC}" type="datetimeFigureOut">
               <a:rPr lang="de-DE" smtClean="0"/>
-              <a:t>25.10.2017</a:t>
+              <a:t>30.10.2017</a:t>
             </a:fld>
             <a:endParaRPr lang="de-DE"/>
           </a:p>
@@ -1819,7 +1819,7 @@
           <a:p>
             <a:fld id="{F2382EA5-9EA5-419F-BAA4-0DC6A82442DC}" type="datetimeFigureOut">
               <a:rPr lang="de-DE" smtClean="0"/>
-              <a:t>25.10.2017</a:t>
+              <a:t>30.10.2017</a:t>
             </a:fld>
             <a:endParaRPr lang="de-DE"/>
           </a:p>
@@ -1960,7 +1960,7 @@
           <a:p>
             <a:fld id="{F2382EA5-9EA5-419F-BAA4-0DC6A82442DC}" type="datetimeFigureOut">
               <a:rPr lang="de-DE" smtClean="0"/>
-              <a:t>25.10.2017</a:t>
+              <a:t>30.10.2017</a:t>
             </a:fld>
             <a:endParaRPr lang="de-DE"/>
           </a:p>
@@ -2073,7 +2073,7 @@
           <a:p>
             <a:fld id="{F2382EA5-9EA5-419F-BAA4-0DC6A82442DC}" type="datetimeFigureOut">
               <a:rPr lang="de-DE" smtClean="0"/>
-              <a:t>25.10.2017</a:t>
+              <a:t>30.10.2017</a:t>
             </a:fld>
             <a:endParaRPr lang="de-DE"/>
           </a:p>
@@ -2384,7 +2384,7 @@
           <a:p>
             <a:fld id="{F2382EA5-9EA5-419F-BAA4-0DC6A82442DC}" type="datetimeFigureOut">
               <a:rPr lang="de-DE" smtClean="0"/>
-              <a:t>25.10.2017</a:t>
+              <a:t>30.10.2017</a:t>
             </a:fld>
             <a:endParaRPr lang="de-DE"/>
           </a:p>
@@ -2672,7 +2672,7 @@
           <a:p>
             <a:fld id="{F2382EA5-9EA5-419F-BAA4-0DC6A82442DC}" type="datetimeFigureOut">
               <a:rPr lang="de-DE" smtClean="0"/>
-              <a:t>25.10.2017</a:t>
+              <a:t>30.10.2017</a:t>
             </a:fld>
             <a:endParaRPr lang="de-DE"/>
           </a:p>
@@ -2913,7 +2913,7 @@
           <a:p>
             <a:fld id="{F2382EA5-9EA5-419F-BAA4-0DC6A82442DC}" type="datetimeFigureOut">
               <a:rPr lang="de-DE" smtClean="0"/>
-              <a:t>25.10.2017</a:t>
+              <a:t>30.10.2017</a:t>
             </a:fld>
             <a:endParaRPr lang="de-DE"/>
           </a:p>
@@ -3612,7 +3612,7 @@
           <p:nvPr>
             <p:extLst>
               <p:ext uri="{D42A27DB-BD31-4B8C-83A1-F6EECF244321}">
-                <p14:modId xmlns:p14="http://schemas.microsoft.com/office/powerpoint/2010/main" val="1887438527"/>
+                <p14:modId xmlns:p14="http://schemas.microsoft.com/office/powerpoint/2010/main" val="674533612"/>
               </p:ext>
             </p:extLst>
           </p:nvPr>
@@ -3734,10 +3734,7 @@
                     <a:lstStyle/>
                     <a:p>
                       <a:pPr algn="ctr"/>
-                      <a:r>
-                        <a:rPr lang="de-DE" sz="500" dirty="0"/>
-                        <a:t>Pumpe Position Ventil</a:t>
-                      </a:r>
+                      <a:endParaRPr lang="de-DE" sz="500" dirty="0"/>
                     </a:p>
                   </a:txBody>
                   <a:tcPr marL="0" marR="0" marT="0" marB="0"/>
@@ -5514,7 +5511,7 @@
           <p:nvPr>
             <p:extLst>
               <p:ext uri="{D42A27DB-BD31-4B8C-83A1-F6EECF244321}">
-                <p14:modId xmlns:p14="http://schemas.microsoft.com/office/powerpoint/2010/main" val="3436262934"/>
+                <p14:modId xmlns:p14="http://schemas.microsoft.com/office/powerpoint/2010/main" val="1790486929"/>
               </p:ext>
             </p:extLst>
           </p:nvPr>
@@ -5530,14 +5527,14 @@
                 <a:tableStyleId>{5C22544A-7EE6-4342-B048-85BDC9FD1C3A}</a:tableStyleId>
               </a:tblPr>
               <a:tblGrid>
-                <a:gridCol w="289560">
+                <a:gridCol w="300990">
                   <a:extLst>
                     <a:ext uri="{9D8B030D-6E8A-4147-A177-3AD203B41FA5}">
                       <a16:colId xmlns:a16="http://schemas.microsoft.com/office/drawing/2014/main" val="2247143488"/>
                     </a:ext>
                   </a:extLst>
                 </a:gridCol>
-                <a:gridCol w="802464">
+                <a:gridCol w="791034">
                   <a:extLst>
                     <a:ext uri="{9D8B030D-6E8A-4147-A177-3AD203B41FA5}">
                       <a16:colId xmlns:a16="http://schemas.microsoft.com/office/drawing/2014/main" val="1689027359"/>
@@ -5897,7 +5894,7 @@
           <p:nvPr>
             <p:extLst>
               <p:ext uri="{D42A27DB-BD31-4B8C-83A1-F6EECF244321}">
-                <p14:modId xmlns:p14="http://schemas.microsoft.com/office/powerpoint/2010/main" val="3880665943"/>
+                <p14:modId xmlns:p14="http://schemas.microsoft.com/office/powerpoint/2010/main" val="651000102"/>
               </p:ext>
             </p:extLst>
           </p:nvPr>
@@ -6193,7 +6190,7 @@
                       <a:pPr algn="ctr"/>
                       <a:r>
                         <a:rPr lang="de-DE" sz="500" dirty="0"/>
-                        <a:t>Motor Transport B</a:t>
+                        <a:t>UART TX</a:t>
                       </a:r>
                     </a:p>
                   </a:txBody>
@@ -6240,9 +6237,10 @@
                         <a:defRPr/>
                       </a:pPr>
                       <a:r>
-                        <a:rPr lang="de-DE" sz="500" dirty="0"/>
-                        <a:t>Free</a:t>
-                      </a:r>
+                        <a:rPr lang="de-DE" sz="500"/>
+                        <a:t>UART_RX</a:t>
+                      </a:r>
+                      <a:endParaRPr lang="de-DE" sz="500" dirty="0"/>
                     </a:p>
                   </a:txBody>
                   <a:tcPr marL="0" marR="0" marT="0" marB="0"/>

--- a/Documents/Pinup.pptx
+++ b/Documents/Pinup.pptx
@@ -4221,14 +4221,14 @@
           <p:nvPr>
             <p:extLst>
               <p:ext uri="{D42A27DB-BD31-4B8C-83A1-F6EECF244321}">
-                <p14:modId xmlns:p14="http://schemas.microsoft.com/office/powerpoint/2010/main" val="967265613"/>
+                <p14:modId xmlns:p14="http://schemas.microsoft.com/office/powerpoint/2010/main" val="588782993"/>
               </p:ext>
             </p:extLst>
           </p:nvPr>
         </p:nvGraphicFramePr>
         <p:xfrm>
           <a:off x="3729553" y="3374474"/>
-          <a:ext cx="800585" cy="1376225"/>
+          <a:ext cx="800585" cy="1436805"/>
         </p:xfrm>
         <a:graphic>
           <a:graphicData uri="http://schemas.openxmlformats.org/drawingml/2006/table">
@@ -4254,6 +4254,90 @@
                       <a:pPr algn="ctr"/>
                       <a:r>
                         <a:rPr lang="de-DE" sz="500" dirty="0"/>
+                        <a:t>Lichtschranke Pump 4</a:t>
+                      </a:r>
+                    </a:p>
+                  </a:txBody>
+                  <a:tcPr marL="0" marR="0" marT="0" marB="0"/>
+                </a:tc>
+                <a:extLst>
+                  <a:ext uri="{0D108BD9-81ED-4DB2-BD59-A6C34878D82A}">
+                    <a16:rowId xmlns:a16="http://schemas.microsoft.com/office/drawing/2014/main" val="757161003"/>
+                  </a:ext>
+                </a:extLst>
+              </a:tr>
+              <a:tr h="91820">
+                <a:tc>
+                  <a:txBody>
+                    <a:bodyPr/>
+                    <a:lstStyle/>
+                    <a:p>
+                      <a:pPr algn="ctr"/>
+                      <a:r>
+                        <a:rPr lang="de-DE" sz="500" dirty="0"/>
+                        <a:t>Lichtschranke Pump 5</a:t>
+                      </a:r>
+                    </a:p>
+                  </a:txBody>
+                  <a:tcPr marL="0" marR="0" marT="0" marB="0"/>
+                </a:tc>
+                <a:extLst>
+                  <a:ext uri="{0D108BD9-81ED-4DB2-BD59-A6C34878D82A}">
+                    <a16:rowId xmlns:a16="http://schemas.microsoft.com/office/drawing/2014/main" val="3585788346"/>
+                  </a:ext>
+                </a:extLst>
+              </a:tr>
+              <a:tr h="91820">
+                <a:tc>
+                  <a:txBody>
+                    <a:bodyPr/>
+                    <a:lstStyle/>
+                    <a:p>
+                      <a:pPr algn="ctr"/>
+                      <a:r>
+                        <a:rPr lang="de-DE" sz="500" dirty="0"/>
+                        <a:t>Lichtschranke Pump 6</a:t>
+                      </a:r>
+                    </a:p>
+                  </a:txBody>
+                  <a:tcPr marL="0" marR="0" marT="0" marB="0"/>
+                </a:tc>
+                <a:extLst>
+                  <a:ext uri="{0D108BD9-81ED-4DB2-BD59-A6C34878D82A}">
+                    <a16:rowId xmlns:a16="http://schemas.microsoft.com/office/drawing/2014/main" val="4011782113"/>
+                  </a:ext>
+                </a:extLst>
+              </a:tr>
+              <a:tr h="88048">
+                <a:tc>
+                  <a:txBody>
+                    <a:bodyPr/>
+                    <a:lstStyle/>
+                    <a:p>
+                      <a:pPr algn="ctr"/>
+                      <a:r>
+                        <a:rPr lang="de-DE" sz="500" dirty="0"/>
+                        <a:t>Lichtschranke Pump 7</a:t>
+                      </a:r>
+                    </a:p>
+                  </a:txBody>
+                  <a:tcPr marL="0" marR="0" marT="0" marB="0"/>
+                </a:tc>
+                <a:extLst>
+                  <a:ext uri="{0D108BD9-81ED-4DB2-BD59-A6C34878D82A}">
+                    <a16:rowId xmlns:a16="http://schemas.microsoft.com/office/drawing/2014/main" val="1776939531"/>
+                  </a:ext>
+                </a:extLst>
+              </a:tr>
+              <a:tr h="91820">
+                <a:tc>
+                  <a:txBody>
+                    <a:bodyPr/>
+                    <a:lstStyle/>
+                    <a:p>
+                      <a:pPr algn="ctr"/>
+                      <a:r>
+                        <a:rPr lang="de-DE" sz="500" dirty="0"/>
                         <a:t>Free</a:t>
                       </a:r>
                     </a:p>
@@ -4262,7 +4346,7 @@
                 </a:tc>
                 <a:extLst>
                   <a:ext uri="{0D108BD9-81ED-4DB2-BD59-A6C34878D82A}">
-                    <a16:rowId xmlns:a16="http://schemas.microsoft.com/office/drawing/2014/main" val="757161003"/>
+                    <a16:rowId xmlns:a16="http://schemas.microsoft.com/office/drawing/2014/main" val="1683176861"/>
                   </a:ext>
                 </a:extLst>
               </a:tr>
@@ -4275,15 +4359,15 @@
                       <a:pPr algn="ctr"/>
                       <a:r>
                         <a:rPr lang="de-DE" sz="500" dirty="0"/>
-                        <a:t>Free</a:t>
-                      </a:r>
-                    </a:p>
-                  </a:txBody>
-                  <a:tcPr marL="0" marR="0" marT="0" marB="0"/>
-                </a:tc>
-                <a:extLst>
-                  <a:ext uri="{0D108BD9-81ED-4DB2-BD59-A6C34878D82A}">
-                    <a16:rowId xmlns:a16="http://schemas.microsoft.com/office/drawing/2014/main" val="3585788346"/>
+                        <a:t>NC</a:t>
+                      </a:r>
+                    </a:p>
+                  </a:txBody>
+                  <a:tcPr marL="0" marR="0" marT="0" marB="0"/>
+                </a:tc>
+                <a:extLst>
+                  <a:ext uri="{0D108BD9-81ED-4DB2-BD59-A6C34878D82A}">
+                    <a16:rowId xmlns:a16="http://schemas.microsoft.com/office/drawing/2014/main" val="2497901086"/>
                   </a:ext>
                 </a:extLst>
               </a:tr>
@@ -4296,36 +4380,36 @@
                       <a:pPr algn="ctr"/>
                       <a:r>
                         <a:rPr lang="de-DE" sz="500" dirty="0"/>
-                        <a:t>Free</a:t>
-                      </a:r>
-                    </a:p>
-                  </a:txBody>
-                  <a:tcPr marL="0" marR="0" marT="0" marB="0"/>
-                </a:tc>
-                <a:extLst>
-                  <a:ext uri="{0D108BD9-81ED-4DB2-BD59-A6C34878D82A}">
-                    <a16:rowId xmlns:a16="http://schemas.microsoft.com/office/drawing/2014/main" val="4011782113"/>
-                  </a:ext>
-                </a:extLst>
-              </a:tr>
-              <a:tr h="88048">
-                <a:tc>
-                  <a:txBody>
-                    <a:bodyPr/>
-                    <a:lstStyle/>
-                    <a:p>
-                      <a:pPr algn="ctr"/>
-                      <a:r>
-                        <a:rPr lang="de-DE" sz="500" dirty="0"/>
-                        <a:t>Free</a:t>
-                      </a:r>
-                    </a:p>
-                  </a:txBody>
-                  <a:tcPr marL="0" marR="0" marT="0" marB="0"/>
-                </a:tc>
-                <a:extLst>
-                  <a:ext uri="{0D108BD9-81ED-4DB2-BD59-A6C34878D82A}">
-                    <a16:rowId xmlns:a16="http://schemas.microsoft.com/office/drawing/2014/main" val="1776939531"/>
+                        <a:t>Wartungstüre Pumpe</a:t>
+                      </a:r>
+                    </a:p>
+                  </a:txBody>
+                  <a:tcPr marL="0" marR="0" marT="0" marB="0"/>
+                </a:tc>
+                <a:extLst>
+                  <a:ext uri="{0D108BD9-81ED-4DB2-BD59-A6C34878D82A}">
+                    <a16:rowId xmlns:a16="http://schemas.microsoft.com/office/drawing/2014/main" val="2749798710"/>
+                  </a:ext>
+                </a:extLst>
+              </a:tr>
+              <a:tr h="98289">
+                <a:tc>
+                  <a:txBody>
+                    <a:bodyPr/>
+                    <a:lstStyle/>
+                    <a:p>
+                      <a:pPr algn="ctr"/>
+                      <a:r>
+                        <a:rPr lang="de-DE" sz="500" dirty="0"/>
+                        <a:t>Wartungstüre Einschenken</a:t>
+                      </a:r>
+                    </a:p>
+                  </a:txBody>
+                  <a:tcPr marL="0" marR="0" marT="0" marB="0"/>
+                </a:tc>
+                <a:extLst>
+                  <a:ext uri="{0D108BD9-81ED-4DB2-BD59-A6C34878D82A}">
+                    <a16:rowId xmlns:a16="http://schemas.microsoft.com/office/drawing/2014/main" val="3963920753"/>
                   </a:ext>
                 </a:extLst>
               </a:tr>
@@ -4338,15 +4422,15 @@
                       <a:pPr algn="ctr"/>
                       <a:r>
                         <a:rPr lang="de-DE" sz="500" dirty="0"/>
-                        <a:t>Free</a:t>
-                      </a:r>
-                    </a:p>
-                  </a:txBody>
-                  <a:tcPr marL="0" marR="0" marT="0" marB="0"/>
-                </a:tc>
-                <a:extLst>
-                  <a:ext uri="{0D108BD9-81ED-4DB2-BD59-A6C34878D82A}">
-                    <a16:rowId xmlns:a16="http://schemas.microsoft.com/office/drawing/2014/main" val="1683176861"/>
+                        <a:t>Endtaster hinten Einschenken</a:t>
+                      </a:r>
+                    </a:p>
+                  </a:txBody>
+                  <a:tcPr marL="0" marR="0" marT="0" marB="0"/>
+                </a:tc>
+                <a:extLst>
+                  <a:ext uri="{0D108BD9-81ED-4DB2-BD59-A6C34878D82A}">
+                    <a16:rowId xmlns:a16="http://schemas.microsoft.com/office/drawing/2014/main" val="2487191324"/>
                   </a:ext>
                 </a:extLst>
               </a:tr>
@@ -4359,15 +4443,15 @@
                       <a:pPr algn="ctr"/>
                       <a:r>
                         <a:rPr lang="de-DE" sz="500" dirty="0"/>
-                        <a:t>NC</a:t>
-                      </a:r>
-                    </a:p>
-                  </a:txBody>
-                  <a:tcPr marL="0" marR="0" marT="0" marB="0"/>
-                </a:tc>
-                <a:extLst>
-                  <a:ext uri="{0D108BD9-81ED-4DB2-BD59-A6C34878D82A}">
-                    <a16:rowId xmlns:a16="http://schemas.microsoft.com/office/drawing/2014/main" val="2497901086"/>
+                        <a:t>Endtaster vorne Einschenken</a:t>
+                      </a:r>
+                    </a:p>
+                  </a:txBody>
+                  <a:tcPr marL="0" marR="0" marT="0" marB="0"/>
+                </a:tc>
+                <a:extLst>
+                  <a:ext uri="{0D108BD9-81ED-4DB2-BD59-A6C34878D82A}">
+                    <a16:rowId xmlns:a16="http://schemas.microsoft.com/office/drawing/2014/main" val="798089714"/>
                   </a:ext>
                 </a:extLst>
               </a:tr>
@@ -4380,36 +4464,15 @@
                       <a:pPr algn="ctr"/>
                       <a:r>
                         <a:rPr lang="de-DE" sz="500" dirty="0"/>
-                        <a:t>Wartungstüre Pumpe</a:t>
-                      </a:r>
-                    </a:p>
-                  </a:txBody>
-                  <a:tcPr marL="0" marR="0" marT="0" marB="0"/>
-                </a:tc>
-                <a:extLst>
-                  <a:ext uri="{0D108BD9-81ED-4DB2-BD59-A6C34878D82A}">
-                    <a16:rowId xmlns:a16="http://schemas.microsoft.com/office/drawing/2014/main" val="2749798710"/>
-                  </a:ext>
-                </a:extLst>
-              </a:tr>
-              <a:tr h="98289">
-                <a:tc>
-                  <a:txBody>
-                    <a:bodyPr/>
-                    <a:lstStyle/>
-                    <a:p>
-                      <a:pPr algn="ctr"/>
-                      <a:r>
-                        <a:rPr lang="de-DE" sz="500" dirty="0"/>
-                        <a:t>Wartungstüre Einschenken</a:t>
-                      </a:r>
-                    </a:p>
-                  </a:txBody>
-                  <a:tcPr marL="0" marR="0" marT="0" marB="0"/>
-                </a:tc>
-                <a:extLst>
-                  <a:ext uri="{0D108BD9-81ED-4DB2-BD59-A6C34878D82A}">
-                    <a16:rowId xmlns:a16="http://schemas.microsoft.com/office/drawing/2014/main" val="3963920753"/>
+                        <a:t>Wartungstüre Rondell</a:t>
+                      </a:r>
+                    </a:p>
+                  </a:txBody>
+                  <a:tcPr marL="0" marR="0" marT="0" marB="0"/>
+                </a:tc>
+                <a:extLst>
+                  <a:ext uri="{0D108BD9-81ED-4DB2-BD59-A6C34878D82A}">
+                    <a16:rowId xmlns:a16="http://schemas.microsoft.com/office/drawing/2014/main" val="1918283735"/>
                   </a:ext>
                 </a:extLst>
               </a:tr>
@@ -4422,15 +4485,15 @@
                       <a:pPr algn="ctr"/>
                       <a:r>
                         <a:rPr lang="de-DE" sz="500" dirty="0"/>
-                        <a:t>Endtaster hinten Einschenken</a:t>
-                      </a:r>
-                    </a:p>
-                  </a:txBody>
-                  <a:tcPr marL="0" marR="0" marT="0" marB="0"/>
-                </a:tc>
-                <a:extLst>
-                  <a:ext uri="{0D108BD9-81ED-4DB2-BD59-A6C34878D82A}">
-                    <a16:rowId xmlns:a16="http://schemas.microsoft.com/office/drawing/2014/main" val="2487191324"/>
+                        <a:t>Endtaster oben Rondell</a:t>
+                      </a:r>
+                    </a:p>
+                  </a:txBody>
+                  <a:tcPr marL="0" marR="0" marT="0" marB="0"/>
+                </a:tc>
+                <a:extLst>
+                  <a:ext uri="{0D108BD9-81ED-4DB2-BD59-A6C34878D82A}">
+                    <a16:rowId xmlns:a16="http://schemas.microsoft.com/office/drawing/2014/main" val="1864289848"/>
                   </a:ext>
                 </a:extLst>
               </a:tr>
@@ -4443,15 +4506,15 @@
                       <a:pPr algn="ctr"/>
                       <a:r>
                         <a:rPr lang="de-DE" sz="500" dirty="0"/>
-                        <a:t>Endtaster vorne Einschenken</a:t>
-                      </a:r>
-                    </a:p>
-                  </a:txBody>
-                  <a:tcPr marL="0" marR="0" marT="0" marB="0"/>
-                </a:tc>
-                <a:extLst>
-                  <a:ext uri="{0D108BD9-81ED-4DB2-BD59-A6C34878D82A}">
-                    <a16:rowId xmlns:a16="http://schemas.microsoft.com/office/drawing/2014/main" val="798089714"/>
+                        <a:t>Endtaster unten Rondell</a:t>
+                      </a:r>
+                    </a:p>
+                  </a:txBody>
+                  <a:tcPr marL="0" marR="0" marT="0" marB="0"/>
+                </a:tc>
+                <a:extLst>
+                  <a:ext uri="{0D108BD9-81ED-4DB2-BD59-A6C34878D82A}">
+                    <a16:rowId xmlns:a16="http://schemas.microsoft.com/office/drawing/2014/main" val="971448709"/>
                   </a:ext>
                 </a:extLst>
               </a:tr>
@@ -4463,94 +4526,55 @@
                     <a:p>
                       <a:pPr algn="ctr"/>
                       <a:r>
-                        <a:rPr lang="de-DE" sz="500"/>
-                        <a:t>Wartungstüre Rondell</a:t>
+                        <a:rPr lang="de-DE" sz="500" dirty="0"/>
+                        <a:t>Lichtschranke Eis 2</a:t>
+                      </a:r>
+                    </a:p>
+                  </a:txBody>
+                  <a:tcPr marL="0" marR="0" marT="0" marB="0"/>
+                </a:tc>
+                <a:extLst>
+                  <a:ext uri="{0D108BD9-81ED-4DB2-BD59-A6C34878D82A}">
+                    <a16:rowId xmlns:a16="http://schemas.microsoft.com/office/drawing/2014/main" val="1746447337"/>
+                  </a:ext>
+                </a:extLst>
+              </a:tr>
+              <a:tr h="91820">
+                <a:tc>
+                  <a:txBody>
+                    <a:bodyPr/>
+                    <a:lstStyle/>
+                    <a:p>
+                      <a:pPr marL="0" marR="0" lvl="0" indent="0" algn="ctr" defTabSz="914400" rtl="0" eaLnBrk="1" fontAlgn="auto" latinLnBrk="0" hangingPunct="1">
+                        <a:lnSpc>
+                          <a:spcPct val="100000"/>
+                        </a:lnSpc>
+                        <a:spcBef>
+                          <a:spcPts val="0"/>
+                        </a:spcBef>
+                        <a:spcAft>
+                          <a:spcPts val="0"/>
+                        </a:spcAft>
+                        <a:buClrTx/>
+                        <a:buSzTx/>
+                        <a:buFontTx/>
+                        <a:buNone/>
+                        <a:tabLst/>
+                        <a:defRPr/>
+                      </a:pPr>
+                      <a:r>
+                        <a:rPr lang="de-DE" sz="500" dirty="0"/>
+                        <a:t>Endtaster Glas </a:t>
+                      </a:r>
+                      <a:r>
+                        <a:rPr lang="de-DE" sz="500" dirty="0" err="1"/>
+                        <a:t>Endmodul</a:t>
                       </a:r>
                       <a:endParaRPr lang="de-DE" sz="500" dirty="0"/>
                     </a:p>
-                  </a:txBody>
-                  <a:tcPr marL="0" marR="0" marT="0" marB="0"/>
-                </a:tc>
-                <a:extLst>
-                  <a:ext uri="{0D108BD9-81ED-4DB2-BD59-A6C34878D82A}">
-                    <a16:rowId xmlns:a16="http://schemas.microsoft.com/office/drawing/2014/main" val="1918283735"/>
-                  </a:ext>
-                </a:extLst>
-              </a:tr>
-              <a:tr h="91820">
-                <a:tc>
-                  <a:txBody>
-                    <a:bodyPr/>
-                    <a:lstStyle/>
-                    <a:p>
-                      <a:pPr algn="ctr"/>
-                      <a:r>
-                        <a:rPr lang="de-DE" sz="500" dirty="0"/>
-                        <a:t>Endtaster oben Rondell</a:t>
-                      </a:r>
-                    </a:p>
-                  </a:txBody>
-                  <a:tcPr marL="0" marR="0" marT="0" marB="0"/>
-                </a:tc>
-                <a:extLst>
-                  <a:ext uri="{0D108BD9-81ED-4DB2-BD59-A6C34878D82A}">
-                    <a16:rowId xmlns:a16="http://schemas.microsoft.com/office/drawing/2014/main" val="1864289848"/>
-                  </a:ext>
-                </a:extLst>
-              </a:tr>
-              <a:tr h="91820">
-                <a:tc>
-                  <a:txBody>
-                    <a:bodyPr/>
-                    <a:lstStyle/>
-                    <a:p>
-                      <a:pPr algn="ctr"/>
-                      <a:r>
-                        <a:rPr lang="de-DE" sz="500" dirty="0"/>
-                        <a:t>Endtaster unten Rondell</a:t>
-                      </a:r>
-                    </a:p>
-                  </a:txBody>
-                  <a:tcPr marL="0" marR="0" marT="0" marB="0"/>
-                </a:tc>
-                <a:extLst>
-                  <a:ext uri="{0D108BD9-81ED-4DB2-BD59-A6C34878D82A}">
-                    <a16:rowId xmlns:a16="http://schemas.microsoft.com/office/drawing/2014/main" val="971448709"/>
-                  </a:ext>
-                </a:extLst>
-              </a:tr>
-              <a:tr h="91820">
-                <a:tc>
-                  <a:txBody>
-                    <a:bodyPr/>
-                    <a:lstStyle/>
-                    <a:p>
-                      <a:pPr algn="ctr"/>
-                      <a:r>
-                        <a:rPr lang="de-DE" sz="500" dirty="0"/>
-                        <a:t>Lichtschranke Eis 2</a:t>
-                      </a:r>
-                    </a:p>
-                  </a:txBody>
-                  <a:tcPr marL="0" marR="0" marT="0" marB="0"/>
-                </a:tc>
-                <a:extLst>
-                  <a:ext uri="{0D108BD9-81ED-4DB2-BD59-A6C34878D82A}">
-                    <a16:rowId xmlns:a16="http://schemas.microsoft.com/office/drawing/2014/main" val="1746447337"/>
-                  </a:ext>
-                </a:extLst>
-              </a:tr>
-              <a:tr h="91820">
-                <a:tc>
-                  <a:txBody>
-                    <a:bodyPr/>
-                    <a:lstStyle/>
-                    <a:p>
-                      <a:pPr algn="ctr"/>
-                      <a:r>
-                        <a:rPr lang="de-DE" sz="500" dirty="0"/>
-                        <a:t>Free</a:t>
-                      </a:r>
+                    <a:p>
+                      <a:pPr algn="ctr"/>
+                      <a:endParaRPr lang="de-DE" sz="500" dirty="0"/>
                     </a:p>
                   </a:txBody>
                   <a:tcPr marL="0" marR="0" marT="0" marB="0"/>
@@ -5202,7 +5226,7 @@
           <p:nvPr>
             <p:extLst>
               <p:ext uri="{D42A27DB-BD31-4B8C-83A1-F6EECF244321}">
-                <p14:modId xmlns:p14="http://schemas.microsoft.com/office/powerpoint/2010/main" val="1717056016"/>
+                <p14:modId xmlns:p14="http://schemas.microsoft.com/office/powerpoint/2010/main" val="967678626"/>
               </p:ext>
             </p:extLst>
           </p:nvPr>
@@ -5277,6 +5301,182 @@
                       <a:pPr algn="ctr"/>
                       <a:r>
                         <a:rPr lang="de-DE" sz="500" dirty="0"/>
+                        <a:t>Lichtschranke Pump 0</a:t>
+                      </a:r>
+                    </a:p>
+                  </a:txBody>
+                  <a:tcPr marL="0" marR="0" marT="0" marB="0"/>
+                </a:tc>
+                <a:tc>
+                  <a:txBody>
+                    <a:bodyPr/>
+                    <a:lstStyle/>
+                    <a:p>
+                      <a:pPr algn="ctr"/>
+                      <a:endParaRPr lang="de-DE" sz="500" dirty="0"/>
+                    </a:p>
+                  </a:txBody>
+                  <a:tcPr marL="0" marR="0" marT="0" marB="0"/>
+                </a:tc>
+                <a:extLst>
+                  <a:ext uri="{0D108BD9-81ED-4DB2-BD59-A6C34878D82A}">
+                    <a16:rowId xmlns:a16="http://schemas.microsoft.com/office/drawing/2014/main" val="3585788346"/>
+                  </a:ext>
+                </a:extLst>
+              </a:tr>
+              <a:tr h="94464">
+                <a:tc>
+                  <a:txBody>
+                    <a:bodyPr/>
+                    <a:lstStyle/>
+                    <a:p>
+                      <a:pPr algn="ctr"/>
+                      <a:r>
+                        <a:rPr lang="de-DE" sz="500" dirty="0"/>
+                        <a:t>Lichtschranke Pump 1</a:t>
+                      </a:r>
+                    </a:p>
+                  </a:txBody>
+                  <a:tcPr marL="0" marR="0" marT="0" marB="0"/>
+                </a:tc>
+                <a:tc>
+                  <a:txBody>
+                    <a:bodyPr/>
+                    <a:lstStyle/>
+                    <a:p>
+                      <a:pPr algn="ctr"/>
+                      <a:endParaRPr lang="de-DE" sz="500" dirty="0"/>
+                    </a:p>
+                  </a:txBody>
+                  <a:tcPr marL="0" marR="0" marT="0" marB="0"/>
+                </a:tc>
+                <a:extLst>
+                  <a:ext uri="{0D108BD9-81ED-4DB2-BD59-A6C34878D82A}">
+                    <a16:rowId xmlns:a16="http://schemas.microsoft.com/office/drawing/2014/main" val="4011782113"/>
+                  </a:ext>
+                </a:extLst>
+              </a:tr>
+              <a:tr h="90584">
+                <a:tc>
+                  <a:txBody>
+                    <a:bodyPr/>
+                    <a:lstStyle/>
+                    <a:p>
+                      <a:pPr marL="0" marR="0" lvl="0" indent="0" algn="ctr" defTabSz="914400" rtl="0" eaLnBrk="1" fontAlgn="auto" latinLnBrk="0" hangingPunct="1">
+                        <a:lnSpc>
+                          <a:spcPct val="100000"/>
+                        </a:lnSpc>
+                        <a:spcBef>
+                          <a:spcPts val="0"/>
+                        </a:spcBef>
+                        <a:spcAft>
+                          <a:spcPts val="0"/>
+                        </a:spcAft>
+                        <a:buClrTx/>
+                        <a:buSzTx/>
+                        <a:buFontTx/>
+                        <a:buNone/>
+                        <a:tabLst/>
+                        <a:defRPr/>
+                      </a:pPr>
+                      <a:r>
+                        <a:rPr lang="de-DE" sz="500" dirty="0"/>
+                        <a:t>Lichtschranke Pump 2</a:t>
+                      </a:r>
+                    </a:p>
+                  </a:txBody>
+                  <a:tcPr marL="0" marR="0" marT="0" marB="0"/>
+                </a:tc>
+                <a:tc>
+                  <a:txBody>
+                    <a:bodyPr/>
+                    <a:lstStyle/>
+                    <a:p>
+                      <a:pPr algn="ctr"/>
+                      <a:endParaRPr lang="de-DE" sz="500" dirty="0"/>
+                    </a:p>
+                  </a:txBody>
+                  <a:tcPr marL="0" marR="0" marT="0" marB="0"/>
+                </a:tc>
+                <a:extLst>
+                  <a:ext uri="{0D108BD9-81ED-4DB2-BD59-A6C34878D82A}">
+                    <a16:rowId xmlns:a16="http://schemas.microsoft.com/office/drawing/2014/main" val="1776939531"/>
+                  </a:ext>
+                </a:extLst>
+              </a:tr>
+              <a:tr h="94464">
+                <a:tc>
+                  <a:txBody>
+                    <a:bodyPr/>
+                    <a:lstStyle/>
+                    <a:p>
+                      <a:pPr marL="0" marR="0" lvl="0" indent="0" algn="ctr" defTabSz="914400" rtl="0" eaLnBrk="1" fontAlgn="auto" latinLnBrk="0" hangingPunct="1">
+                        <a:lnSpc>
+                          <a:spcPct val="100000"/>
+                        </a:lnSpc>
+                        <a:spcBef>
+                          <a:spcPts val="0"/>
+                        </a:spcBef>
+                        <a:spcAft>
+                          <a:spcPts val="0"/>
+                        </a:spcAft>
+                        <a:buClrTx/>
+                        <a:buSzTx/>
+                        <a:buFontTx/>
+                        <a:buNone/>
+                        <a:tabLst/>
+                        <a:defRPr/>
+                      </a:pPr>
+                      <a:r>
+                        <a:rPr lang="de-DE" sz="500" dirty="0"/>
+                        <a:t>Lichtschranke Pump 3</a:t>
+                      </a:r>
+                    </a:p>
+                  </a:txBody>
+                  <a:tcPr marL="0" marR="0" marT="0" marB="0"/>
+                </a:tc>
+                <a:tc>
+                  <a:txBody>
+                    <a:bodyPr/>
+                    <a:lstStyle/>
+                    <a:p>
+                      <a:pPr algn="ctr"/>
+                      <a:endParaRPr lang="de-DE" sz="500" dirty="0"/>
+                    </a:p>
+                  </a:txBody>
+                  <a:tcPr marL="0" marR="0" marT="0" marB="0"/>
+                </a:tc>
+                <a:extLst>
+                  <a:ext uri="{0D108BD9-81ED-4DB2-BD59-A6C34878D82A}">
+                    <a16:rowId xmlns:a16="http://schemas.microsoft.com/office/drawing/2014/main" val="1683176861"/>
+                  </a:ext>
+                </a:extLst>
+              </a:tr>
+              <a:tr h="94464">
+                <a:tc>
+                  <a:txBody>
+                    <a:bodyPr/>
+                    <a:lstStyle/>
+                    <a:p>
+                      <a:pPr marL="0" marR="0" lvl="0" indent="0" algn="ctr" defTabSz="914400" rtl="0" eaLnBrk="1" fontAlgn="auto" latinLnBrk="0" hangingPunct="1">
+                        <a:lnSpc>
+                          <a:spcPct val="100000"/>
+                        </a:lnSpc>
+                        <a:spcBef>
+                          <a:spcPts val="0"/>
+                        </a:spcBef>
+                        <a:spcAft>
+                          <a:spcPts val="0"/>
+                        </a:spcAft>
+                        <a:buClrTx/>
+                        <a:buSzTx/>
+                        <a:buFontTx/>
+                        <a:buNone/>
+                        <a:tabLst/>
+                        <a:defRPr/>
+                      </a:pPr>
+                      <a:r>
+                        <a:rPr lang="de-DE" sz="500" dirty="0"/>
                         <a:t>Free</a:t>
                       </a:r>
                     </a:p>
@@ -5296,7 +5496,7 @@
                 </a:tc>
                 <a:extLst>
                   <a:ext uri="{0D108BD9-81ED-4DB2-BD59-A6C34878D82A}">
-                    <a16:rowId xmlns:a16="http://schemas.microsoft.com/office/drawing/2014/main" val="3585788346"/>
+                    <a16:rowId xmlns:a16="http://schemas.microsoft.com/office/drawing/2014/main" val="2497901086"/>
                   </a:ext>
                 </a:extLst>
               </a:tr>
@@ -5306,10 +5506,26 @@
                     <a:bodyPr/>
                     <a:lstStyle/>
                     <a:p>
-                      <a:pPr algn="ctr"/>
-                      <a:r>
-                        <a:rPr lang="de-DE" sz="500" dirty="0"/>
-                        <a:t>Free</a:t>
+                      <a:pPr marL="0" marR="0" lvl="0" indent="0" algn="ctr" defTabSz="914400" rtl="0" eaLnBrk="1" fontAlgn="auto" latinLnBrk="0" hangingPunct="1">
+                        <a:lnSpc>
+                          <a:spcPct val="100000"/>
+                        </a:lnSpc>
+                        <a:spcBef>
+                          <a:spcPts val="0"/>
+                        </a:spcBef>
+                        <a:spcAft>
+                          <a:spcPts val="0"/>
+                        </a:spcAft>
+                        <a:buClrTx/>
+                        <a:buSzTx/>
+                        <a:buFontTx/>
+                        <a:buNone/>
+                        <a:tabLst/>
+                        <a:defRPr/>
+                      </a:pPr>
+                      <a:r>
+                        <a:rPr lang="de-DE" sz="500" dirty="0"/>
+                        <a:t>Taster Start Stopp</a:t>
                       </a:r>
                     </a:p>
                   </a:txBody>
@@ -5328,39 +5544,7 @@
                 </a:tc>
                 <a:extLst>
                   <a:ext uri="{0D108BD9-81ED-4DB2-BD59-A6C34878D82A}">
-                    <a16:rowId xmlns:a16="http://schemas.microsoft.com/office/drawing/2014/main" val="4011782113"/>
-                  </a:ext>
-                </a:extLst>
-              </a:tr>
-              <a:tr h="90584">
-                <a:tc>
-                  <a:txBody>
-                    <a:bodyPr/>
-                    <a:lstStyle/>
-                    <a:p>
-                      <a:pPr algn="ctr"/>
-                      <a:r>
-                        <a:rPr lang="de-DE" sz="500" dirty="0"/>
-                        <a:t>Free</a:t>
-                      </a:r>
-                    </a:p>
-                  </a:txBody>
-                  <a:tcPr marL="0" marR="0" marT="0" marB="0"/>
-                </a:tc>
-                <a:tc>
-                  <a:txBody>
-                    <a:bodyPr/>
-                    <a:lstStyle/>
-                    <a:p>
-                      <a:pPr algn="ctr"/>
-                      <a:endParaRPr lang="de-DE" sz="500" dirty="0"/>
-                    </a:p>
-                  </a:txBody>
-                  <a:tcPr marL="0" marR="0" marT="0" marB="0"/>
-                </a:tc>
-                <a:extLst>
-                  <a:ext uri="{0D108BD9-81ED-4DB2-BD59-A6C34878D82A}">
-                    <a16:rowId xmlns:a16="http://schemas.microsoft.com/office/drawing/2014/main" val="1776939531"/>
+                    <a16:rowId xmlns:a16="http://schemas.microsoft.com/office/drawing/2014/main" val="2749798710"/>
                   </a:ext>
                 </a:extLst>
               </a:tr>
@@ -5370,106 +5554,26 @@
                     <a:bodyPr/>
                     <a:lstStyle/>
                     <a:p>
-                      <a:pPr algn="ctr"/>
-                      <a:r>
-                        <a:rPr lang="de-DE" sz="500" dirty="0"/>
-                        <a:t>Free</a:t>
-                      </a:r>
-                    </a:p>
-                  </a:txBody>
-                  <a:tcPr marL="0" marR="0" marT="0" marB="0"/>
-                </a:tc>
-                <a:tc>
-                  <a:txBody>
-                    <a:bodyPr/>
-                    <a:lstStyle/>
-                    <a:p>
-                      <a:pPr algn="ctr"/>
-                      <a:endParaRPr lang="de-DE" sz="500" dirty="0"/>
-                    </a:p>
-                  </a:txBody>
-                  <a:tcPr marL="0" marR="0" marT="0" marB="0"/>
-                </a:tc>
-                <a:extLst>
-                  <a:ext uri="{0D108BD9-81ED-4DB2-BD59-A6C34878D82A}">
-                    <a16:rowId xmlns:a16="http://schemas.microsoft.com/office/drawing/2014/main" val="1683176861"/>
-                  </a:ext>
-                </a:extLst>
-              </a:tr>
-              <a:tr h="94464">
-                <a:tc>
-                  <a:txBody>
-                    <a:bodyPr/>
-                    <a:lstStyle/>
-                    <a:p>
-                      <a:pPr algn="ctr"/>
-                      <a:r>
-                        <a:rPr lang="de-DE" sz="500" dirty="0"/>
-                        <a:t>Free</a:t>
-                      </a:r>
-                    </a:p>
-                  </a:txBody>
-                  <a:tcPr marL="0" marR="0" marT="0" marB="0"/>
-                </a:tc>
-                <a:tc>
-                  <a:txBody>
-                    <a:bodyPr/>
-                    <a:lstStyle/>
-                    <a:p>
-                      <a:pPr algn="ctr"/>
-                      <a:endParaRPr lang="de-DE" sz="500" dirty="0"/>
-                    </a:p>
-                  </a:txBody>
-                  <a:tcPr marL="0" marR="0" marT="0" marB="0"/>
-                </a:tc>
-                <a:extLst>
-                  <a:ext uri="{0D108BD9-81ED-4DB2-BD59-A6C34878D82A}">
-                    <a16:rowId xmlns:a16="http://schemas.microsoft.com/office/drawing/2014/main" val="2497901086"/>
-                  </a:ext>
-                </a:extLst>
-              </a:tr>
-              <a:tr h="94464">
-                <a:tc>
-                  <a:txBody>
-                    <a:bodyPr/>
-                    <a:lstStyle/>
-                    <a:p>
-                      <a:pPr algn="ctr"/>
-                      <a:r>
-                        <a:rPr lang="de-DE" sz="500" dirty="0"/>
-                        <a:t>Free</a:t>
-                      </a:r>
-                    </a:p>
-                  </a:txBody>
-                  <a:tcPr marL="0" marR="0" marT="0" marB="0"/>
-                </a:tc>
-                <a:tc>
-                  <a:txBody>
-                    <a:bodyPr/>
-                    <a:lstStyle/>
-                    <a:p>
-                      <a:pPr algn="ctr"/>
-                      <a:endParaRPr lang="de-DE" sz="500" dirty="0"/>
-                    </a:p>
-                  </a:txBody>
-                  <a:tcPr marL="0" marR="0" marT="0" marB="0"/>
-                </a:tc>
-                <a:extLst>
-                  <a:ext uri="{0D108BD9-81ED-4DB2-BD59-A6C34878D82A}">
-                    <a16:rowId xmlns:a16="http://schemas.microsoft.com/office/drawing/2014/main" val="2749798710"/>
-                  </a:ext>
-                </a:extLst>
-              </a:tr>
-              <a:tr h="94464">
-                <a:tc>
-                  <a:txBody>
-                    <a:bodyPr/>
-                    <a:lstStyle/>
-                    <a:p>
-                      <a:pPr algn="ctr"/>
-                      <a:r>
-                        <a:rPr lang="de-DE" sz="500" dirty="0"/>
-                        <a:t>Free</a:t>
+                      <a:pPr marL="0" marR="0" lvl="0" indent="0" algn="ctr" defTabSz="914400" rtl="0" eaLnBrk="1" fontAlgn="auto" latinLnBrk="0" hangingPunct="1">
+                        <a:lnSpc>
+                          <a:spcPct val="100000"/>
+                        </a:lnSpc>
+                        <a:spcBef>
+                          <a:spcPts val="0"/>
+                        </a:spcBef>
+                        <a:spcAft>
+                          <a:spcPts val="0"/>
+                        </a:spcAft>
+                        <a:buClrTx/>
+                        <a:buSzTx/>
+                        <a:buFontTx/>
+                        <a:buNone/>
+                        <a:tabLst/>
+                        <a:defRPr/>
+                      </a:pPr>
+                      <a:r>
+                        <a:rPr lang="de-DE" sz="500" dirty="0"/>
+                        <a:t>Taster Akzept. Ende</a:t>
                       </a:r>
                     </a:p>
                   </a:txBody>
@@ -5511,14 +5615,14 @@
           <p:nvPr>
             <p:extLst>
               <p:ext uri="{D42A27DB-BD31-4B8C-83A1-F6EECF244321}">
-                <p14:modId xmlns:p14="http://schemas.microsoft.com/office/powerpoint/2010/main" val="1790486929"/>
+                <p14:modId xmlns:p14="http://schemas.microsoft.com/office/powerpoint/2010/main" val="3763315236"/>
               </p:ext>
             </p:extLst>
           </p:nvPr>
         </p:nvGraphicFramePr>
         <p:xfrm>
           <a:off x="5193030" y="2200993"/>
-          <a:ext cx="1092024" cy="936880"/>
+          <a:ext cx="1092024" cy="932279"/>
         </p:xfrm>
         <a:graphic>
           <a:graphicData uri="http://schemas.openxmlformats.org/drawingml/2006/table">
@@ -5662,12 +5766,8 @@
                     <a:p>
                       <a:pPr algn="ctr"/>
                       <a:r>
-                        <a:rPr lang="de-DE" sz="500" dirty="0"/>
-                        <a:t>Endtaster Glas </a:t>
-                      </a:r>
-                      <a:r>
-                        <a:rPr lang="de-DE" sz="500" dirty="0" err="1"/>
-                        <a:t>Endmodul</a:t>
+                        <a:rPr lang="de-DE" sz="500"/>
+                        <a:t>Free</a:t>
                       </a:r>
                       <a:endParaRPr lang="de-DE" sz="500" dirty="0"/>
                     </a:p>
@@ -5747,6 +5847,38 @@
                   </a:ext>
                 </a:extLst>
               </a:tr>
+              <a:tr h="89863">
+                <a:tc>
+                  <a:txBody>
+                    <a:bodyPr/>
+                    <a:lstStyle/>
+                    <a:p>
+                      <a:pPr algn="ctr"/>
+                      <a:endParaRPr lang="de-DE" sz="500" dirty="0"/>
+                    </a:p>
+                  </a:txBody>
+                  <a:tcPr marL="0" marR="0" marT="0" marB="0"/>
+                </a:tc>
+                <a:tc>
+                  <a:txBody>
+                    <a:bodyPr/>
+                    <a:lstStyle/>
+                    <a:p>
+                      <a:pPr algn="ctr"/>
+                      <a:r>
+                        <a:rPr lang="de-DE" sz="500" dirty="0"/>
+                        <a:t>Taster Cocktail 1</a:t>
+                      </a:r>
+                    </a:p>
+                  </a:txBody>
+                  <a:tcPr marL="0" marR="0" marT="0" marB="0"/>
+                </a:tc>
+                <a:extLst>
+                  <a:ext uri="{0D108BD9-81ED-4DB2-BD59-A6C34878D82A}">
+                    <a16:rowId xmlns:a16="http://schemas.microsoft.com/office/drawing/2014/main" val="1674122405"/>
+                  </a:ext>
+                </a:extLst>
+              </a:tr>
               <a:tr h="94464">
                 <a:tc>
                   <a:txBody>
@@ -5767,15 +5899,15 @@
                       <a:pPr algn="ctr"/>
                       <a:r>
                         <a:rPr lang="de-DE" sz="500" dirty="0"/>
-                        <a:t>Free</a:t>
-                      </a:r>
-                    </a:p>
-                  </a:txBody>
-                  <a:tcPr marL="0" marR="0" marT="0" marB="0"/>
-                </a:tc>
-                <a:extLst>
-                  <a:ext uri="{0D108BD9-81ED-4DB2-BD59-A6C34878D82A}">
-                    <a16:rowId xmlns:a16="http://schemas.microsoft.com/office/drawing/2014/main" val="1674122405"/>
+                        <a:t>USB</a:t>
+                      </a:r>
+                    </a:p>
+                  </a:txBody>
+                  <a:tcPr marL="0" marR="0" marT="0" marB="0"/>
+                </a:tc>
+                <a:extLst>
+                  <a:ext uri="{0D108BD9-81ED-4DB2-BD59-A6C34878D82A}">
+                    <a16:rowId xmlns:a16="http://schemas.microsoft.com/office/drawing/2014/main" val="2120531629"/>
                   </a:ext>
                 </a:extLst>
               </a:tr>
@@ -5799,15 +5931,15 @@
                       <a:pPr algn="ctr"/>
                       <a:r>
                         <a:rPr lang="de-DE" sz="500" dirty="0"/>
-                        <a:t>USB</a:t>
-                      </a:r>
-                    </a:p>
-                  </a:txBody>
-                  <a:tcPr marL="0" marR="0" marT="0" marB="0"/>
-                </a:tc>
-                <a:extLst>
-                  <a:ext uri="{0D108BD9-81ED-4DB2-BD59-A6C34878D82A}">
-                    <a16:rowId xmlns:a16="http://schemas.microsoft.com/office/drawing/2014/main" val="2120531629"/>
+                        <a:t>Taster Cocktail 2</a:t>
+                      </a:r>
+                    </a:p>
+                  </a:txBody>
+                  <a:tcPr marL="0" marR="0" marT="0" marB="0"/>
+                </a:tc>
+                <a:extLst>
+                  <a:ext uri="{0D108BD9-81ED-4DB2-BD59-A6C34878D82A}">
+                    <a16:rowId xmlns:a16="http://schemas.microsoft.com/office/drawing/2014/main" val="2749798710"/>
                   </a:ext>
                 </a:extLst>
               </a:tr>
@@ -5831,39 +5963,7 @@
                       <a:pPr algn="ctr"/>
                       <a:r>
                         <a:rPr lang="de-DE" sz="500" dirty="0"/>
-                        <a:t>Free</a:t>
-                      </a:r>
-                    </a:p>
-                  </a:txBody>
-                  <a:tcPr marL="0" marR="0" marT="0" marB="0"/>
-                </a:tc>
-                <a:extLst>
-                  <a:ext uri="{0D108BD9-81ED-4DB2-BD59-A6C34878D82A}">
-                    <a16:rowId xmlns:a16="http://schemas.microsoft.com/office/drawing/2014/main" val="2749798710"/>
-                  </a:ext>
-                </a:extLst>
-              </a:tr>
-              <a:tr h="94464">
-                <a:tc>
-                  <a:txBody>
-                    <a:bodyPr/>
-                    <a:lstStyle/>
-                    <a:p>
-                      <a:pPr algn="ctr"/>
-                      <a:endParaRPr lang="de-DE" sz="500" dirty="0"/>
-                    </a:p>
-                  </a:txBody>
-                  <a:tcPr marL="0" marR="0" marT="0" marB="0"/>
-                </a:tc>
-                <a:tc>
-                  <a:txBody>
-                    <a:bodyPr/>
-                    <a:lstStyle/>
-                    <a:p>
-                      <a:pPr algn="ctr"/>
-                      <a:r>
-                        <a:rPr lang="de-DE" sz="500" dirty="0"/>
-                        <a:t>Free</a:t>
+                        <a:t>Taster Cocktail 3</a:t>
                       </a:r>
                     </a:p>
                   </a:txBody>
@@ -5894,7 +5994,7 @@
           <p:nvPr>
             <p:extLst>
               <p:ext uri="{D42A27DB-BD31-4B8C-83A1-F6EECF244321}">
-                <p14:modId xmlns:p14="http://schemas.microsoft.com/office/powerpoint/2010/main" val="651000102"/>
+                <p14:modId xmlns:p14="http://schemas.microsoft.com/office/powerpoint/2010/main" val="2412028831"/>
               </p:ext>
             </p:extLst>
           </p:nvPr>
@@ -6190,7 +6290,7 @@
                       <a:pPr algn="ctr"/>
                       <a:r>
                         <a:rPr lang="de-DE" sz="500" dirty="0"/>
-                        <a:t>UART TX</a:t>
+                        <a:t>Motor Transport B</a:t>
                       </a:r>
                     </a:p>
                   </a:txBody>
@@ -6237,10 +6337,9 @@
                         <a:defRPr/>
                       </a:pPr>
                       <a:r>
-                        <a:rPr lang="de-DE" sz="500"/>
+                        <a:rPr lang="de-DE" sz="500" dirty="0"/>
                         <a:t>UART_RX</a:t>
                       </a:r>
-                      <a:endParaRPr lang="de-DE" sz="500" dirty="0"/>
                     </a:p>
                   </a:txBody>
                   <a:tcPr marL="0" marR="0" marT="0" marB="0"/>
